--- a/aspnet5/slides/a1_middleware.pptx
+++ b/aspnet5/slides/a1_middleware.pptx
@@ -5,10 +5,10 @@
     <p:sldMasterId id="2147483772" r:id="rId1"/>
   </p:sldMasterIdLst>
   <p:notesMasterIdLst>
-    <p:notesMasterId r:id="rId33"/>
+    <p:notesMasterId r:id="rId40"/>
   </p:notesMasterIdLst>
   <p:handoutMasterIdLst>
-    <p:handoutMasterId r:id="rId34"/>
+    <p:handoutMasterId r:id="rId41"/>
   </p:handoutMasterIdLst>
   <p:sldIdLst>
     <p:sldId id="327" r:id="rId2"/>
@@ -37,11 +37,18 @@
     <p:sldId id="361" r:id="rId25"/>
     <p:sldId id="362" r:id="rId26"/>
     <p:sldId id="363" r:id="rId27"/>
-    <p:sldId id="364" r:id="rId28"/>
-    <p:sldId id="365" r:id="rId29"/>
-    <p:sldId id="366" r:id="rId30"/>
-    <p:sldId id="367" r:id="rId31"/>
-    <p:sldId id="345" r:id="rId32"/>
+    <p:sldId id="368" r:id="rId28"/>
+    <p:sldId id="369" r:id="rId29"/>
+    <p:sldId id="364" r:id="rId30"/>
+    <p:sldId id="365" r:id="rId31"/>
+    <p:sldId id="366" r:id="rId32"/>
+    <p:sldId id="370" r:id="rId33"/>
+    <p:sldId id="371" r:id="rId34"/>
+    <p:sldId id="372" r:id="rId35"/>
+    <p:sldId id="373" r:id="rId36"/>
+    <p:sldId id="374" r:id="rId37"/>
+    <p:sldId id="375" r:id="rId38"/>
+    <p:sldId id="345" r:id="rId39"/>
   </p:sldIdLst>
   <p:sldSz cx="9144000" cy="6858000" type="screen4x3"/>
   <p:notesSz cx="7302500" cy="9588500"/>
@@ -201,10 +208,17 @@
             <p14:sldId id="361"/>
             <p14:sldId id="362"/>
             <p14:sldId id="363"/>
+            <p14:sldId id="368"/>
+            <p14:sldId id="369"/>
             <p14:sldId id="364"/>
             <p14:sldId id="365"/>
             <p14:sldId id="366"/>
-            <p14:sldId id="367"/>
+            <p14:sldId id="370"/>
+            <p14:sldId id="371"/>
+            <p14:sldId id="372"/>
+            <p14:sldId id="373"/>
+            <p14:sldId id="374"/>
+            <p14:sldId id="375"/>
             <p14:sldId id="345"/>
           </p14:sldIdLst>
         </p14:section>
@@ -4485,13 +4499,8 @@
             </a:r>
             <a:r>
               <a:rPr lang="en-US" dirty="0" smtClean="0"/>
-              <a:t> to </a:t>
-            </a:r>
-            <a:r>
-              <a:rPr lang="en-US" dirty="0" smtClean="0"/>
-              <a:t>Run</a:t>
-            </a:r>
-            <a:endParaRPr lang="en-US" dirty="0" smtClean="0"/>
+              <a:t> to Run</a:t>
+            </a:r>
           </a:p>
           <a:p>
             <a:r>
@@ -4503,11 +4512,7 @@
             <a:pPr lvl="1"/>
             <a:r>
               <a:rPr lang="en-US" dirty="0" smtClean="0"/>
-              <a:t>Run </a:t>
-            </a:r>
-            <a:r>
-              <a:rPr lang="en-US" dirty="0" smtClean="0"/>
-              <a:t>is terminal</a:t>
+              <a:t>Run is terminal</a:t>
             </a:r>
             <a:endParaRPr lang="en-US" dirty="0"/>
           </a:p>
@@ -8211,8 +8216,13 @@
             <a:pPr lvl="1"/>
             <a:r>
               <a:rPr lang="en-US" dirty="0" smtClean="0"/>
-              <a:t>Also requires a service</a:t>
-            </a:r>
+              <a:t>Also requires a </a:t>
+            </a:r>
+            <a:r>
+              <a:rPr lang="en-US" dirty="0" smtClean="0"/>
+              <a:t>cache service</a:t>
+            </a:r>
+            <a:endParaRPr lang="en-US" dirty="0" smtClean="0"/>
           </a:p>
           <a:p>
             <a:r>
@@ -8237,7 +8247,7 @@
       </p:sp>
       <p:pic>
         <p:nvPicPr>
-          <p:cNvPr id="4" name="Picture 3"/>
+          <p:cNvPr id="6" name="Picture 5"/>
           <p:cNvPicPr>
             <a:picLocks noChangeAspect="1"/>
           </p:cNvPicPr>
@@ -8251,8 +8261,32 @@
         </p:blipFill>
         <p:spPr>
           <a:xfrm>
-            <a:off x="3257550" y="3695700"/>
-            <a:ext cx="2628900" cy="619125"/>
+            <a:off x="963490" y="3695700"/>
+            <a:ext cx="3629025" cy="723900"/>
+          </a:xfrm>
+          <a:prstGeom prst="rect">
+            <a:avLst/>
+          </a:prstGeom>
+        </p:spPr>
+      </p:pic>
+      <p:pic>
+        <p:nvPicPr>
+          <p:cNvPr id="7" name="Picture 6"/>
+          <p:cNvPicPr>
+            <a:picLocks noChangeAspect="1"/>
+          </p:cNvPicPr>
+          <p:nvPr/>
+        </p:nvPicPr>
+        <p:blipFill>
+          <a:blip r:embed="rId3"/>
+          <a:stretch>
+            <a:fillRect/>
+          </a:stretch>
+        </p:blipFill>
+        <p:spPr>
+          <a:xfrm>
+            <a:off x="4876800" y="4724400"/>
+            <a:ext cx="3009900" cy="419100"/>
           </a:xfrm>
           <a:prstGeom prst="rect">
             <a:avLst/>
@@ -8330,10 +8364,76 @@
           <a:bodyPr/>
           <a:lstStyle/>
           <a:p>
-            <a:endParaRPr lang="en-US"/>
-          </a:p>
-        </p:txBody>
-      </p:sp>
+            <a:r>
+              <a:rPr lang="en-US" dirty="0" smtClean="0"/>
+              <a:t>Microsoft.Authentication.*</a:t>
+            </a:r>
+          </a:p>
+          <a:p>
+            <a:pPr lvl="1"/>
+            <a:r>
+              <a:rPr lang="en-US" dirty="0" smtClean="0"/>
+              <a:t>Cookies, JWT Bearer</a:t>
+            </a:r>
+          </a:p>
+          <a:p>
+            <a:r>
+              <a:rPr lang="en-US" dirty="0" smtClean="0"/>
+              <a:t>OAuth and OpenID</a:t>
+            </a:r>
+          </a:p>
+          <a:p>
+            <a:pPr lvl="1"/>
+            <a:r>
+              <a:rPr lang="en-US" dirty="0" smtClean="0"/>
+              <a:t>Google, Twitter, Facebook, Microsoft, </a:t>
+            </a:r>
+            <a:r>
+              <a:rPr lang="en-US" dirty="0" smtClean="0"/>
+              <a:t>OA</a:t>
+            </a:r>
+            <a:r>
+              <a:rPr lang="en-US" dirty="0" smtClean="0"/>
+              <a:t>uth*</a:t>
+            </a:r>
+          </a:p>
+          <a:p>
+            <a:r>
+              <a:rPr lang="en-US" dirty="0" smtClean="0"/>
+              <a:t>Middleware works with Authentication property of </a:t>
+            </a:r>
+            <a:r>
+              <a:rPr lang="en-US" dirty="0" err="1" smtClean="0"/>
+              <a:t>HttpContext</a:t>
+            </a:r>
+            <a:endParaRPr lang="en-US" dirty="0"/>
+          </a:p>
+        </p:txBody>
+      </p:sp>
+      <p:pic>
+        <p:nvPicPr>
+          <p:cNvPr id="4" name="Picture 3"/>
+          <p:cNvPicPr>
+            <a:picLocks noChangeAspect="1"/>
+          </p:cNvPicPr>
+          <p:nvPr/>
+        </p:nvPicPr>
+        <p:blipFill>
+          <a:blip r:embed="rId2"/>
+          <a:stretch>
+            <a:fillRect/>
+          </a:stretch>
+        </p:blipFill>
+        <p:spPr>
+          <a:xfrm>
+            <a:off x="460131" y="3962400"/>
+            <a:ext cx="8115300" cy="1538194"/>
+          </a:xfrm>
+          <a:prstGeom prst="rect">
+            <a:avLst/>
+          </a:prstGeom>
+        </p:spPr>
+      </p:pic>
     </p:spTree>
     <p:extLst>
       <p:ext uri="{BB962C8B-B14F-4D97-AF65-F5344CB8AC3E}">
@@ -8384,7 +8484,11 @@
           <a:p>
             <a:r>
               <a:rPr lang="en-US" dirty="0" smtClean="0"/>
-              <a:t>Identity</a:t>
+              <a:t>Using </a:t>
+            </a:r>
+            <a:r>
+              <a:rPr lang="en-US" dirty="0" err="1" smtClean="0"/>
+              <a:t>HttpContext.Authentication</a:t>
             </a:r>
             <a:endParaRPr lang="en-US" dirty="0"/>
           </a:p>
@@ -8409,10 +8513,34 @@
           </a:p>
         </p:txBody>
       </p:sp>
+      <p:pic>
+        <p:nvPicPr>
+          <p:cNvPr id="4" name="Picture 3"/>
+          <p:cNvPicPr>
+            <a:picLocks noChangeAspect="1"/>
+          </p:cNvPicPr>
+          <p:nvPr/>
+        </p:nvPicPr>
+        <p:blipFill>
+          <a:blip r:embed="rId2"/>
+          <a:stretch>
+            <a:fillRect/>
+          </a:stretch>
+        </p:blipFill>
+        <p:spPr>
+          <a:xfrm>
+            <a:off x="685800" y="1447800"/>
+            <a:ext cx="7639395" cy="4762500"/>
+          </a:xfrm>
+          <a:prstGeom prst="rect">
+            <a:avLst/>
+          </a:prstGeom>
+        </p:spPr>
+      </p:pic>
     </p:spTree>
     <p:extLst>
       <p:ext uri="{BB962C8B-B14F-4D97-AF65-F5344CB8AC3E}">
-        <p14:creationId xmlns:p14="http://schemas.microsoft.com/office/powerpoint/2010/main" val="231483860"/>
+        <p14:creationId xmlns:p14="http://schemas.microsoft.com/office/powerpoint/2010/main" val="492976798"/>
       </p:ext>
     </p:extLst>
   </p:cSld>
@@ -8459,7 +8587,7 @@
           <a:p>
             <a:r>
               <a:rPr lang="en-US" dirty="0" smtClean="0"/>
-              <a:t>MVC</a:t>
+              <a:t>Example: Protecting a Folder</a:t>
             </a:r>
             <a:endParaRPr lang="en-US" dirty="0"/>
           </a:p>
@@ -8484,10 +8612,34 @@
           </a:p>
         </p:txBody>
       </p:sp>
+      <p:pic>
+        <p:nvPicPr>
+          <p:cNvPr id="4" name="Picture 3"/>
+          <p:cNvPicPr>
+            <a:picLocks noChangeAspect="1"/>
+          </p:cNvPicPr>
+          <p:nvPr/>
+        </p:nvPicPr>
+        <p:blipFill>
+          <a:blip r:embed="rId2"/>
+          <a:stretch>
+            <a:fillRect/>
+          </a:stretch>
+        </p:blipFill>
+        <p:spPr>
+          <a:xfrm>
+            <a:off x="576262" y="1905000"/>
+            <a:ext cx="7991475" cy="3888517"/>
+          </a:xfrm>
+          <a:prstGeom prst="rect">
+            <a:avLst/>
+          </a:prstGeom>
+        </p:spPr>
+      </p:pic>
     </p:spTree>
     <p:extLst>
       <p:ext uri="{BB962C8B-B14F-4D97-AF65-F5344CB8AC3E}">
-        <p14:creationId xmlns:p14="http://schemas.microsoft.com/office/powerpoint/2010/main" val="2862591814"/>
+        <p14:creationId xmlns:p14="http://schemas.microsoft.com/office/powerpoint/2010/main" val="4115030628"/>
       </p:ext>
     </p:extLst>
   </p:cSld>
@@ -8534,7 +8686,7 @@
           <a:p>
             <a:r>
               <a:rPr lang="en-US" dirty="0" smtClean="0"/>
-              <a:t>Testing Middleware</a:t>
+              <a:t>Identity</a:t>
             </a:r>
             <a:endParaRPr lang="en-US" dirty="0"/>
           </a:p>
@@ -8555,14 +8707,81 @@
           <a:bodyPr/>
           <a:lstStyle/>
           <a:p>
-            <a:endParaRPr lang="en-US"/>
-          </a:p>
-        </p:txBody>
-      </p:sp>
+            <a:r>
+              <a:rPr lang="en-US" dirty="0" smtClean="0"/>
+              <a:t>Identity adds a layer of abstraction over authentication mechanisms</a:t>
+            </a:r>
+          </a:p>
+          <a:p>
+            <a:pPr lvl="1"/>
+            <a:r>
+              <a:rPr lang="en-US" dirty="0" smtClean="0"/>
+              <a:t>Middleware uses various cookie </a:t>
+            </a:r>
+            <a:r>
+              <a:rPr lang="en-US" dirty="0" err="1" smtClean="0"/>
+              <a:t>auth</a:t>
+            </a:r>
+            <a:r>
+              <a:rPr lang="en-US" dirty="0" smtClean="0"/>
+              <a:t> middleware</a:t>
+            </a:r>
+            <a:endParaRPr lang="en-US" dirty="0"/>
+          </a:p>
+        </p:txBody>
+      </p:sp>
+      <p:pic>
+        <p:nvPicPr>
+          <p:cNvPr id="4" name="Picture 3"/>
+          <p:cNvPicPr>
+            <a:picLocks noChangeAspect="1"/>
+          </p:cNvPicPr>
+          <p:nvPr/>
+        </p:nvPicPr>
+        <p:blipFill>
+          <a:blip r:embed="rId2"/>
+          <a:stretch>
+            <a:fillRect/>
+          </a:stretch>
+        </p:blipFill>
+        <p:spPr>
+          <a:xfrm>
+            <a:off x="600075" y="2828925"/>
+            <a:ext cx="7943850" cy="1200150"/>
+          </a:xfrm>
+          <a:prstGeom prst="rect">
+            <a:avLst/>
+          </a:prstGeom>
+        </p:spPr>
+      </p:pic>
+      <p:pic>
+        <p:nvPicPr>
+          <p:cNvPr id="5" name="Picture 4"/>
+          <p:cNvPicPr>
+            <a:picLocks noChangeAspect="1"/>
+          </p:cNvPicPr>
+          <p:nvPr/>
+        </p:nvPicPr>
+        <p:blipFill>
+          <a:blip r:embed="rId3"/>
+          <a:stretch>
+            <a:fillRect/>
+          </a:stretch>
+        </p:blipFill>
+        <p:spPr>
+          <a:xfrm>
+            <a:off x="4800600" y="4572000"/>
+            <a:ext cx="3362325" cy="657225"/>
+          </a:xfrm>
+          <a:prstGeom prst="rect">
+            <a:avLst/>
+          </a:prstGeom>
+        </p:spPr>
+      </p:pic>
     </p:spTree>
     <p:extLst>
       <p:ext uri="{BB962C8B-B14F-4D97-AF65-F5344CB8AC3E}">
-        <p14:creationId xmlns:p14="http://schemas.microsoft.com/office/powerpoint/2010/main" val="3682804710"/>
+        <p14:creationId xmlns:p14="http://schemas.microsoft.com/office/powerpoint/2010/main" val="231483860"/>
       </p:ext>
     </p:extLst>
   </p:cSld>
@@ -10030,7 +10249,7 @@
           <a:p>
             <a:r>
               <a:rPr lang="en-US" dirty="0" smtClean="0"/>
-              <a:t>Tips</a:t>
+              <a:t>MVC</a:t>
             </a:r>
             <a:endParaRPr lang="en-US" dirty="0"/>
           </a:p>
@@ -10053,59 +10272,40 @@
           <a:p>
             <a:r>
               <a:rPr lang="en-US" dirty="0" smtClean="0"/>
-              <a:t>Order is important</a:t>
-            </a:r>
-          </a:p>
-          <a:p>
-            <a:r>
-              <a:rPr lang="en-US" dirty="0" smtClean="0"/>
-              <a:t>Check </a:t>
-            </a:r>
-            <a:r>
-              <a:rPr lang="en-US" dirty="0" err="1" smtClean="0"/>
-              <a:t>Response.IsStarted</a:t>
-            </a:r>
-            <a:endParaRPr lang="en-US" dirty="0" smtClean="0"/>
-          </a:p>
-          <a:p>
-            <a:r>
-              <a:rPr lang="en-US" dirty="0" smtClean="0"/>
-              <a:t>Middleware is single instanced</a:t>
-            </a:r>
-          </a:p>
-          <a:p>
-            <a:r>
-              <a:rPr lang="en-US" dirty="0" err="1" smtClean="0"/>
-              <a:t>Context.Items</a:t>
-            </a:r>
-            <a:r>
-              <a:rPr lang="en-US" dirty="0" smtClean="0"/>
-              <a:t> is useful</a:t>
-            </a:r>
-          </a:p>
-          <a:p>
-            <a:r>
-              <a:rPr lang="en-US" dirty="0" smtClean="0"/>
-              <a:t>Option actions are useful</a:t>
-            </a:r>
-          </a:p>
-          <a:p>
-            <a:r>
-              <a:rPr lang="en-US" dirty="0" err="1" smtClean="0"/>
-              <a:t>Response.Dispose</a:t>
-            </a:r>
-            <a:r>
-              <a:rPr lang="en-US" dirty="0" smtClean="0"/>
-              <a:t> is useful</a:t>
+              <a:t>MVC middleware enables controller routing</a:t>
             </a:r>
             <a:endParaRPr lang="en-US" dirty="0"/>
           </a:p>
         </p:txBody>
       </p:sp>
+      <p:pic>
+        <p:nvPicPr>
+          <p:cNvPr id="4" name="Picture 3"/>
+          <p:cNvPicPr>
+            <a:picLocks noChangeAspect="1"/>
+          </p:cNvPicPr>
+          <p:nvPr/>
+        </p:nvPicPr>
+        <p:blipFill>
+          <a:blip r:embed="rId2"/>
+          <a:stretch>
+            <a:fillRect/>
+          </a:stretch>
+        </p:blipFill>
+        <p:spPr>
+          <a:xfrm>
+            <a:off x="242887" y="2528887"/>
+            <a:ext cx="8658225" cy="2333625"/>
+          </a:xfrm>
+          <a:prstGeom prst="rect">
+            <a:avLst/>
+          </a:prstGeom>
+        </p:spPr>
+      </p:pic>
     </p:spTree>
     <p:extLst>
       <p:ext uri="{BB962C8B-B14F-4D97-AF65-F5344CB8AC3E}">
-        <p14:creationId xmlns:p14="http://schemas.microsoft.com/office/powerpoint/2010/main" val="2035454858"/>
+        <p14:creationId xmlns:p14="http://schemas.microsoft.com/office/powerpoint/2010/main" val="2862591814"/>
       </p:ext>
     </p:extLst>
   </p:cSld>
@@ -10119,6 +10319,896 @@
 </file>
 
 <file path=ppt/slides/slide31.xml><?xml version="1.0" encoding="utf-8"?>
+<p:sld xmlns:a="http://schemas.openxmlformats.org/drawingml/2006/main" xmlns:r="http://schemas.openxmlformats.org/officeDocument/2006/relationships" xmlns:p="http://schemas.openxmlformats.org/presentationml/2006/main">
+  <p:cSld>
+    <p:spTree>
+      <p:nvGrpSpPr>
+        <p:cNvPr id="1" name=""/>
+        <p:cNvGrpSpPr/>
+        <p:nvPr/>
+      </p:nvGrpSpPr>
+      <p:grpSpPr>
+        <a:xfrm>
+          <a:off x="0" y="0"/>
+          <a:ext cx="0" cy="0"/>
+          <a:chOff x="0" y="0"/>
+          <a:chExt cx="0" cy="0"/>
+        </a:xfrm>
+      </p:grpSpPr>
+      <p:sp>
+        <p:nvSpPr>
+          <p:cNvPr id="2" name="Title 1"/>
+          <p:cNvSpPr>
+            <a:spLocks noGrp="1"/>
+          </p:cNvSpPr>
+          <p:nvPr>
+            <p:ph type="title"/>
+          </p:nvPr>
+        </p:nvSpPr>
+        <p:spPr/>
+        <p:txBody>
+          <a:bodyPr/>
+          <a:lstStyle/>
+          <a:p>
+            <a:r>
+              <a:rPr lang="en-US" dirty="0" smtClean="0"/>
+              <a:t>Testing Middleware</a:t>
+            </a:r>
+            <a:endParaRPr lang="en-US" dirty="0"/>
+          </a:p>
+        </p:txBody>
+      </p:sp>
+      <p:sp>
+        <p:nvSpPr>
+          <p:cNvPr id="3" name="Text Placeholder 2"/>
+          <p:cNvSpPr>
+            <a:spLocks noGrp="1"/>
+          </p:cNvSpPr>
+          <p:nvPr>
+            <p:ph type="body" idx="1"/>
+          </p:nvPr>
+        </p:nvSpPr>
+        <p:spPr/>
+        <p:txBody>
+          <a:bodyPr/>
+          <a:lstStyle/>
+          <a:p>
+            <a:r>
+              <a:rPr lang="en-US" dirty="0" smtClean="0"/>
+              <a:t>Use package </a:t>
+            </a:r>
+            <a:r>
+              <a:rPr lang="en-US" dirty="0" err="1" smtClean="0"/>
+              <a:t>Microsoft.AspNet.TestHost</a:t>
+            </a:r>
+            <a:endParaRPr lang="en-US" dirty="0" smtClean="0"/>
+          </a:p>
+          <a:p>
+            <a:pPr lvl="1"/>
+            <a:endParaRPr lang="en-US" dirty="0"/>
+          </a:p>
+        </p:txBody>
+      </p:sp>
+      <p:pic>
+        <p:nvPicPr>
+          <p:cNvPr id="4" name="Picture 3"/>
+          <p:cNvPicPr>
+            <a:picLocks noChangeAspect="1"/>
+          </p:cNvPicPr>
+          <p:nvPr/>
+        </p:nvPicPr>
+        <p:blipFill>
+          <a:blip r:embed="rId2"/>
+          <a:stretch>
+            <a:fillRect/>
+          </a:stretch>
+        </p:blipFill>
+        <p:spPr>
+          <a:xfrm>
+            <a:off x="228600" y="1981200"/>
+            <a:ext cx="5894494" cy="2571750"/>
+          </a:xfrm>
+          <a:prstGeom prst="rect">
+            <a:avLst/>
+          </a:prstGeom>
+        </p:spPr>
+      </p:pic>
+      <p:pic>
+        <p:nvPicPr>
+          <p:cNvPr id="5" name="Picture 4"/>
+          <p:cNvPicPr>
+            <a:picLocks noChangeAspect="1"/>
+          </p:cNvPicPr>
+          <p:nvPr/>
+        </p:nvPicPr>
+        <p:blipFill>
+          <a:blip r:embed="rId3"/>
+          <a:stretch>
+            <a:fillRect/>
+          </a:stretch>
+        </p:blipFill>
+        <p:spPr>
+          <a:xfrm>
+            <a:off x="2936265" y="3657600"/>
+            <a:ext cx="6005512" cy="2549134"/>
+          </a:xfrm>
+          <a:prstGeom prst="rect">
+            <a:avLst/>
+          </a:prstGeom>
+        </p:spPr>
+      </p:pic>
+    </p:spTree>
+    <p:extLst>
+      <p:ext uri="{BB962C8B-B14F-4D97-AF65-F5344CB8AC3E}">
+        <p14:creationId xmlns:p14="http://schemas.microsoft.com/office/powerpoint/2010/main" val="3682804710"/>
+      </p:ext>
+    </p:extLst>
+  </p:cSld>
+  <p:clrMapOvr>
+    <a:masterClrMapping/>
+  </p:clrMapOvr>
+  <p:transition>
+    <p:fade/>
+  </p:transition>
+  <p:timing>
+    <p:tnLst>
+      <p:par>
+        <p:cTn id="1" dur="indefinite" restart="never" nodeType="tmRoot">
+          <p:childTnLst>
+            <p:seq concurrent="1" nextAc="seek">
+              <p:cTn id="2" dur="indefinite" nodeType="mainSeq">
+                <p:childTnLst>
+                  <p:par>
+                    <p:cTn id="3" fill="hold">
+                      <p:stCondLst>
+                        <p:cond delay="indefinite"/>
+                      </p:stCondLst>
+                      <p:childTnLst>
+                        <p:par>
+                          <p:cTn id="4" fill="hold">
+                            <p:stCondLst>
+                              <p:cond delay="0"/>
+                            </p:stCondLst>
+                            <p:childTnLst>
+                              <p:par>
+                                <p:cTn id="5" presetID="10" presetClass="entr" presetSubtype="0" fill="hold" nodeType="clickEffect">
+                                  <p:stCondLst>
+                                    <p:cond delay="0"/>
+                                  </p:stCondLst>
+                                  <p:childTnLst>
+                                    <p:set>
+                                      <p:cBhvr>
+                                        <p:cTn id="6" dur="1" fill="hold">
+                                          <p:stCondLst>
+                                            <p:cond delay="0"/>
+                                          </p:stCondLst>
+                                        </p:cTn>
+                                        <p:tgtEl>
+                                          <p:spTgt spid="4"/>
+                                        </p:tgtEl>
+                                        <p:attrNameLst>
+                                          <p:attrName>style.visibility</p:attrName>
+                                        </p:attrNameLst>
+                                      </p:cBhvr>
+                                      <p:to>
+                                        <p:strVal val="visible"/>
+                                      </p:to>
+                                    </p:set>
+                                    <p:animEffect transition="in" filter="fade">
+                                      <p:cBhvr>
+                                        <p:cTn id="7" dur="500"/>
+                                        <p:tgtEl>
+                                          <p:spTgt spid="4"/>
+                                        </p:tgtEl>
+                                      </p:cBhvr>
+                                    </p:animEffect>
+                                  </p:childTnLst>
+                                </p:cTn>
+                              </p:par>
+                            </p:childTnLst>
+                          </p:cTn>
+                        </p:par>
+                      </p:childTnLst>
+                    </p:cTn>
+                  </p:par>
+                </p:childTnLst>
+              </p:cTn>
+              <p:prevCondLst>
+                <p:cond evt="onPrev" delay="0">
+                  <p:tgtEl>
+                    <p:sldTgt/>
+                  </p:tgtEl>
+                </p:cond>
+              </p:prevCondLst>
+              <p:nextCondLst>
+                <p:cond evt="onNext" delay="0">
+                  <p:tgtEl>
+                    <p:sldTgt/>
+                  </p:tgtEl>
+                </p:cond>
+              </p:nextCondLst>
+            </p:seq>
+          </p:childTnLst>
+        </p:cTn>
+      </p:par>
+    </p:tnLst>
+  </p:timing>
+</p:sld>
+</file>
+
+<file path=ppt/slides/slide32.xml><?xml version="1.0" encoding="utf-8"?>
+<p:sld xmlns:a="http://schemas.openxmlformats.org/drawingml/2006/main" xmlns:r="http://schemas.openxmlformats.org/officeDocument/2006/relationships" xmlns:p="http://schemas.openxmlformats.org/presentationml/2006/main">
+  <p:cSld>
+    <p:spTree>
+      <p:nvGrpSpPr>
+        <p:cNvPr id="1" name=""/>
+        <p:cNvGrpSpPr/>
+        <p:nvPr/>
+      </p:nvGrpSpPr>
+      <p:grpSpPr>
+        <a:xfrm>
+          <a:off x="0" y="0"/>
+          <a:ext cx="0" cy="0"/>
+          <a:chOff x="0" y="0"/>
+          <a:chExt cx="0" cy="0"/>
+        </a:xfrm>
+      </p:grpSpPr>
+      <p:sp>
+        <p:nvSpPr>
+          <p:cNvPr id="2" name="Title 1"/>
+          <p:cNvSpPr>
+            <a:spLocks noGrp="1"/>
+          </p:cNvSpPr>
+          <p:nvPr>
+            <p:ph type="title"/>
+          </p:nvPr>
+        </p:nvSpPr>
+        <p:spPr/>
+        <p:txBody>
+          <a:bodyPr/>
+          <a:lstStyle/>
+          <a:p>
+            <a:r>
+              <a:rPr lang="en-US" dirty="0" smtClean="0"/>
+              <a:t>Tip: Order is Important</a:t>
+            </a:r>
+            <a:endParaRPr lang="en-US" dirty="0"/>
+          </a:p>
+        </p:txBody>
+      </p:sp>
+      <p:sp>
+        <p:nvSpPr>
+          <p:cNvPr id="3" name="Text Placeholder 2"/>
+          <p:cNvSpPr>
+            <a:spLocks noGrp="1"/>
+          </p:cNvSpPr>
+          <p:nvPr>
+            <p:ph type="body" idx="1"/>
+          </p:nvPr>
+        </p:nvSpPr>
+        <p:spPr/>
+        <p:txBody>
+          <a:bodyPr/>
+          <a:lstStyle/>
+          <a:p>
+            <a:endParaRPr lang="en-US"/>
+          </a:p>
+        </p:txBody>
+      </p:sp>
+      <p:pic>
+        <p:nvPicPr>
+          <p:cNvPr id="4" name="Picture 3"/>
+          <p:cNvPicPr>
+            <a:picLocks noChangeAspect="1"/>
+          </p:cNvPicPr>
+          <p:nvPr/>
+        </p:nvPicPr>
+        <p:blipFill>
+          <a:blip r:embed="rId2"/>
+          <a:stretch>
+            <a:fillRect/>
+          </a:stretch>
+        </p:blipFill>
+        <p:spPr>
+          <a:xfrm>
+            <a:off x="2214562" y="2724150"/>
+            <a:ext cx="4714875" cy="1409700"/>
+          </a:xfrm>
+          <a:prstGeom prst="rect">
+            <a:avLst/>
+          </a:prstGeom>
+        </p:spPr>
+      </p:pic>
+    </p:spTree>
+    <p:extLst>
+      <p:ext uri="{BB962C8B-B14F-4D97-AF65-F5344CB8AC3E}">
+        <p14:creationId xmlns:p14="http://schemas.microsoft.com/office/powerpoint/2010/main" val="2028888924"/>
+      </p:ext>
+    </p:extLst>
+  </p:cSld>
+  <p:clrMapOvr>
+    <a:masterClrMapping/>
+  </p:clrMapOvr>
+  <p:transition>
+    <p:fade/>
+  </p:transition>
+  <p:timing>
+    <p:tnLst>
+      <p:par>
+        <p:cTn id="1" dur="indefinite" restart="never" nodeType="tmRoot"/>
+      </p:par>
+    </p:tnLst>
+  </p:timing>
+</p:sld>
+</file>
+
+<file path=ppt/slides/slide33.xml><?xml version="1.0" encoding="utf-8"?>
+<p:sld xmlns:a="http://schemas.openxmlformats.org/drawingml/2006/main" xmlns:r="http://schemas.openxmlformats.org/officeDocument/2006/relationships" xmlns:p="http://schemas.openxmlformats.org/presentationml/2006/main">
+  <p:cSld>
+    <p:spTree>
+      <p:nvGrpSpPr>
+        <p:cNvPr id="1" name=""/>
+        <p:cNvGrpSpPr/>
+        <p:nvPr/>
+      </p:nvGrpSpPr>
+      <p:grpSpPr>
+        <a:xfrm>
+          <a:off x="0" y="0"/>
+          <a:ext cx="0" cy="0"/>
+          <a:chOff x="0" y="0"/>
+          <a:chExt cx="0" cy="0"/>
+        </a:xfrm>
+      </p:grpSpPr>
+      <p:sp>
+        <p:nvSpPr>
+          <p:cNvPr id="2" name="Title 1"/>
+          <p:cNvSpPr>
+            <a:spLocks noGrp="1"/>
+          </p:cNvSpPr>
+          <p:nvPr>
+            <p:ph type="title"/>
+          </p:nvPr>
+        </p:nvSpPr>
+        <p:spPr/>
+        <p:txBody>
+          <a:bodyPr/>
+          <a:lstStyle/>
+          <a:p>
+            <a:r>
+              <a:rPr lang="en-US" dirty="0" smtClean="0"/>
+              <a:t>Tip: Check </a:t>
+            </a:r>
+            <a:r>
+              <a:rPr lang="en-US" dirty="0" err="1" smtClean="0"/>
+              <a:t>Response.HasStarted</a:t>
+            </a:r>
+            <a:endParaRPr lang="en-US" dirty="0"/>
+          </a:p>
+        </p:txBody>
+      </p:sp>
+      <p:sp>
+        <p:nvSpPr>
+          <p:cNvPr id="3" name="Text Placeholder 2"/>
+          <p:cNvSpPr>
+            <a:spLocks noGrp="1"/>
+          </p:cNvSpPr>
+          <p:nvPr>
+            <p:ph type="body" idx="1"/>
+          </p:nvPr>
+        </p:nvSpPr>
+        <p:spPr/>
+        <p:txBody>
+          <a:bodyPr/>
+          <a:lstStyle/>
+          <a:p>
+            <a:endParaRPr lang="en-US"/>
+          </a:p>
+        </p:txBody>
+      </p:sp>
+      <p:pic>
+        <p:nvPicPr>
+          <p:cNvPr id="4" name="Picture 3"/>
+          <p:cNvPicPr>
+            <a:picLocks noChangeAspect="1"/>
+          </p:cNvPicPr>
+          <p:nvPr/>
+        </p:nvPicPr>
+        <p:blipFill>
+          <a:blip r:embed="rId2"/>
+          <a:stretch>
+            <a:fillRect/>
+          </a:stretch>
+        </p:blipFill>
+        <p:spPr>
+          <a:xfrm>
+            <a:off x="355506" y="2133600"/>
+            <a:ext cx="8432988" cy="2928657"/>
+          </a:xfrm>
+          <a:prstGeom prst="rect">
+            <a:avLst/>
+          </a:prstGeom>
+        </p:spPr>
+      </p:pic>
+    </p:spTree>
+    <p:extLst>
+      <p:ext uri="{BB962C8B-B14F-4D97-AF65-F5344CB8AC3E}">
+        <p14:creationId xmlns:p14="http://schemas.microsoft.com/office/powerpoint/2010/main" val="3282562183"/>
+      </p:ext>
+    </p:extLst>
+  </p:cSld>
+  <p:clrMapOvr>
+    <a:masterClrMapping/>
+  </p:clrMapOvr>
+  <p:transition>
+    <p:fade/>
+  </p:transition>
+  <p:timing>
+    <p:tnLst>
+      <p:par>
+        <p:cTn id="1" dur="indefinite" restart="never" nodeType="tmRoot"/>
+      </p:par>
+    </p:tnLst>
+  </p:timing>
+</p:sld>
+</file>
+
+<file path=ppt/slides/slide34.xml><?xml version="1.0" encoding="utf-8"?>
+<p:sld xmlns:a="http://schemas.openxmlformats.org/drawingml/2006/main" xmlns:r="http://schemas.openxmlformats.org/officeDocument/2006/relationships" xmlns:p="http://schemas.openxmlformats.org/presentationml/2006/main">
+  <p:cSld>
+    <p:spTree>
+      <p:nvGrpSpPr>
+        <p:cNvPr id="1" name=""/>
+        <p:cNvGrpSpPr/>
+        <p:nvPr/>
+      </p:nvGrpSpPr>
+      <p:grpSpPr>
+        <a:xfrm>
+          <a:off x="0" y="0"/>
+          <a:ext cx="0" cy="0"/>
+          <a:chOff x="0" y="0"/>
+          <a:chExt cx="0" cy="0"/>
+        </a:xfrm>
+      </p:grpSpPr>
+      <p:sp>
+        <p:nvSpPr>
+          <p:cNvPr id="2" name="Title 1"/>
+          <p:cNvSpPr>
+            <a:spLocks noGrp="1"/>
+          </p:cNvSpPr>
+          <p:nvPr>
+            <p:ph type="title"/>
+          </p:nvPr>
+        </p:nvSpPr>
+        <p:spPr/>
+        <p:txBody>
+          <a:bodyPr/>
+          <a:lstStyle/>
+          <a:p>
+            <a:r>
+              <a:rPr lang="en-US" dirty="0" smtClean="0"/>
+              <a:t>Tip: Middleware Are Singletons</a:t>
+            </a:r>
+            <a:endParaRPr lang="en-US" dirty="0"/>
+          </a:p>
+        </p:txBody>
+      </p:sp>
+      <p:sp>
+        <p:nvSpPr>
+          <p:cNvPr id="3" name="Text Placeholder 2"/>
+          <p:cNvSpPr>
+            <a:spLocks noGrp="1"/>
+          </p:cNvSpPr>
+          <p:nvPr>
+            <p:ph type="body" idx="1"/>
+          </p:nvPr>
+        </p:nvSpPr>
+        <p:spPr/>
+        <p:txBody>
+          <a:bodyPr/>
+          <a:lstStyle/>
+          <a:p>
+            <a:r>
+              <a:rPr lang="en-US" dirty="0" smtClean="0"/>
+              <a:t>Be careful with data shared across requests</a:t>
+            </a:r>
+            <a:endParaRPr lang="en-US" dirty="0"/>
+          </a:p>
+        </p:txBody>
+      </p:sp>
+      <p:pic>
+        <p:nvPicPr>
+          <p:cNvPr id="4" name="Picture 3"/>
+          <p:cNvPicPr>
+            <a:picLocks noChangeAspect="1"/>
+          </p:cNvPicPr>
+          <p:nvPr/>
+        </p:nvPicPr>
+        <p:blipFill>
+          <a:blip r:embed="rId2"/>
+          <a:stretch>
+            <a:fillRect/>
+          </a:stretch>
+        </p:blipFill>
+        <p:spPr>
+          <a:xfrm>
+            <a:off x="1524000" y="3505200"/>
+            <a:ext cx="5943600" cy="1133475"/>
+          </a:xfrm>
+          <a:prstGeom prst="rect">
+            <a:avLst/>
+          </a:prstGeom>
+        </p:spPr>
+      </p:pic>
+    </p:spTree>
+    <p:extLst>
+      <p:ext uri="{BB962C8B-B14F-4D97-AF65-F5344CB8AC3E}">
+        <p14:creationId xmlns:p14="http://schemas.microsoft.com/office/powerpoint/2010/main" val="1242639993"/>
+      </p:ext>
+    </p:extLst>
+  </p:cSld>
+  <p:clrMapOvr>
+    <a:masterClrMapping/>
+  </p:clrMapOvr>
+  <p:transition>
+    <p:fade/>
+  </p:transition>
+  <p:timing>
+    <p:tnLst>
+      <p:par>
+        <p:cTn id="1" dur="indefinite" restart="never" nodeType="tmRoot"/>
+      </p:par>
+    </p:tnLst>
+  </p:timing>
+</p:sld>
+</file>
+
+<file path=ppt/slides/slide35.xml><?xml version="1.0" encoding="utf-8"?>
+<p:sld xmlns:a="http://schemas.openxmlformats.org/drawingml/2006/main" xmlns:r="http://schemas.openxmlformats.org/officeDocument/2006/relationships" xmlns:p="http://schemas.openxmlformats.org/presentationml/2006/main">
+  <p:cSld>
+    <p:spTree>
+      <p:nvGrpSpPr>
+        <p:cNvPr id="1" name=""/>
+        <p:cNvGrpSpPr/>
+        <p:nvPr/>
+      </p:nvGrpSpPr>
+      <p:grpSpPr>
+        <a:xfrm>
+          <a:off x="0" y="0"/>
+          <a:ext cx="0" cy="0"/>
+          <a:chOff x="0" y="0"/>
+          <a:chExt cx="0" cy="0"/>
+        </a:xfrm>
+      </p:grpSpPr>
+      <p:sp>
+        <p:nvSpPr>
+          <p:cNvPr id="2" name="Title 1"/>
+          <p:cNvSpPr>
+            <a:spLocks noGrp="1"/>
+          </p:cNvSpPr>
+          <p:nvPr>
+            <p:ph type="title"/>
+          </p:nvPr>
+        </p:nvSpPr>
+        <p:spPr/>
+        <p:txBody>
+          <a:bodyPr/>
+          <a:lstStyle/>
+          <a:p>
+            <a:r>
+              <a:rPr lang="en-US" dirty="0" err="1"/>
+              <a:t>c</a:t>
+            </a:r>
+            <a:r>
+              <a:rPr lang="en-US" dirty="0" err="1" smtClean="0"/>
+              <a:t>ontext.Items</a:t>
+            </a:r>
+            <a:r>
+              <a:rPr lang="en-US" dirty="0" smtClean="0"/>
+              <a:t> is Useful</a:t>
+            </a:r>
+            <a:endParaRPr lang="en-US" dirty="0"/>
+          </a:p>
+        </p:txBody>
+      </p:sp>
+      <p:sp>
+        <p:nvSpPr>
+          <p:cNvPr id="3" name="Text Placeholder 2"/>
+          <p:cNvSpPr>
+            <a:spLocks noGrp="1"/>
+          </p:cNvSpPr>
+          <p:nvPr>
+            <p:ph type="body" idx="1"/>
+          </p:nvPr>
+        </p:nvSpPr>
+        <p:spPr/>
+        <p:txBody>
+          <a:bodyPr/>
+          <a:lstStyle/>
+          <a:p>
+            <a:r>
+              <a:rPr lang="en-US" dirty="0" smtClean="0"/>
+              <a:t>Items are scoped to a single HTTP transaction</a:t>
+            </a:r>
+            <a:endParaRPr lang="en-US" dirty="0"/>
+          </a:p>
+        </p:txBody>
+      </p:sp>
+      <p:pic>
+        <p:nvPicPr>
+          <p:cNvPr id="4" name="Picture 3"/>
+          <p:cNvPicPr>
+            <a:picLocks noChangeAspect="1"/>
+          </p:cNvPicPr>
+          <p:nvPr/>
+        </p:nvPicPr>
+        <p:blipFill>
+          <a:blip r:embed="rId2"/>
+          <a:stretch>
+            <a:fillRect/>
+          </a:stretch>
+        </p:blipFill>
+        <p:spPr>
+          <a:xfrm>
+            <a:off x="576262" y="3090862"/>
+            <a:ext cx="7991475" cy="676275"/>
+          </a:xfrm>
+          <a:prstGeom prst="rect">
+            <a:avLst/>
+          </a:prstGeom>
+        </p:spPr>
+      </p:pic>
+    </p:spTree>
+    <p:extLst>
+      <p:ext uri="{BB962C8B-B14F-4D97-AF65-F5344CB8AC3E}">
+        <p14:creationId xmlns:p14="http://schemas.microsoft.com/office/powerpoint/2010/main" val="1821257971"/>
+      </p:ext>
+    </p:extLst>
+  </p:cSld>
+  <p:clrMapOvr>
+    <a:masterClrMapping/>
+  </p:clrMapOvr>
+  <p:transition>
+    <p:fade/>
+  </p:transition>
+  <p:timing>
+    <p:tnLst>
+      <p:par>
+        <p:cTn id="1" dur="indefinite" restart="never" nodeType="tmRoot"/>
+      </p:par>
+    </p:tnLst>
+  </p:timing>
+</p:sld>
+</file>
+
+<file path=ppt/slides/slide36.xml><?xml version="1.0" encoding="utf-8"?>
+<p:sld xmlns:a="http://schemas.openxmlformats.org/drawingml/2006/main" xmlns:r="http://schemas.openxmlformats.org/officeDocument/2006/relationships" xmlns:p="http://schemas.openxmlformats.org/presentationml/2006/main">
+  <p:cSld>
+    <p:spTree>
+      <p:nvGrpSpPr>
+        <p:cNvPr id="1" name=""/>
+        <p:cNvGrpSpPr/>
+        <p:nvPr/>
+      </p:nvGrpSpPr>
+      <p:grpSpPr>
+        <a:xfrm>
+          <a:off x="0" y="0"/>
+          <a:ext cx="0" cy="0"/>
+          <a:chOff x="0" y="0"/>
+          <a:chExt cx="0" cy="0"/>
+        </a:xfrm>
+      </p:grpSpPr>
+      <p:sp>
+        <p:nvSpPr>
+          <p:cNvPr id="2" name="Title 1"/>
+          <p:cNvSpPr>
+            <a:spLocks noGrp="1"/>
+          </p:cNvSpPr>
+          <p:nvPr>
+            <p:ph type="title"/>
+          </p:nvPr>
+        </p:nvSpPr>
+        <p:spPr/>
+        <p:txBody>
+          <a:bodyPr/>
+          <a:lstStyle/>
+          <a:p>
+            <a:r>
+              <a:rPr lang="en-US" dirty="0" smtClean="0"/>
+              <a:t>Tip: Action Options For Extensibility</a:t>
+            </a:r>
+            <a:endParaRPr lang="en-US" dirty="0"/>
+          </a:p>
+        </p:txBody>
+      </p:sp>
+      <p:sp>
+        <p:nvSpPr>
+          <p:cNvPr id="3" name="Text Placeholder 2"/>
+          <p:cNvSpPr>
+            <a:spLocks noGrp="1"/>
+          </p:cNvSpPr>
+          <p:nvPr>
+            <p:ph type="body" idx="1"/>
+          </p:nvPr>
+        </p:nvSpPr>
+        <p:spPr/>
+        <p:txBody>
+          <a:bodyPr/>
+          <a:lstStyle/>
+          <a:p>
+            <a:r>
+              <a:rPr lang="en-US" dirty="0" smtClean="0"/>
+              <a:t>Some options classes expose “events”</a:t>
+            </a:r>
+            <a:endParaRPr lang="en-US" dirty="0"/>
+          </a:p>
+        </p:txBody>
+      </p:sp>
+      <p:pic>
+        <p:nvPicPr>
+          <p:cNvPr id="4" name="Picture 3"/>
+          <p:cNvPicPr>
+            <a:picLocks noChangeAspect="1"/>
+          </p:cNvPicPr>
+          <p:nvPr/>
+        </p:nvPicPr>
+        <p:blipFill>
+          <a:blip r:embed="rId2"/>
+          <a:stretch>
+            <a:fillRect/>
+          </a:stretch>
+        </p:blipFill>
+        <p:spPr>
+          <a:xfrm>
+            <a:off x="471854" y="2743200"/>
+            <a:ext cx="8177212" cy="2399920"/>
+          </a:xfrm>
+          <a:prstGeom prst="rect">
+            <a:avLst/>
+          </a:prstGeom>
+        </p:spPr>
+      </p:pic>
+    </p:spTree>
+    <p:extLst>
+      <p:ext uri="{BB962C8B-B14F-4D97-AF65-F5344CB8AC3E}">
+        <p14:creationId xmlns:p14="http://schemas.microsoft.com/office/powerpoint/2010/main" val="3856368674"/>
+      </p:ext>
+    </p:extLst>
+  </p:cSld>
+  <p:clrMapOvr>
+    <a:masterClrMapping/>
+  </p:clrMapOvr>
+  <p:transition>
+    <p:fade/>
+  </p:transition>
+  <p:timing>
+    <p:tnLst>
+      <p:par>
+        <p:cTn id="1" dur="indefinite" restart="never" nodeType="tmRoot"/>
+      </p:par>
+    </p:tnLst>
+  </p:timing>
+</p:sld>
+</file>
+
+<file path=ppt/slides/slide37.xml><?xml version="1.0" encoding="utf-8"?>
+<p:sld xmlns:a="http://schemas.openxmlformats.org/drawingml/2006/main" xmlns:r="http://schemas.openxmlformats.org/officeDocument/2006/relationships" xmlns:p="http://schemas.openxmlformats.org/presentationml/2006/main">
+  <p:cSld>
+    <p:spTree>
+      <p:nvGrpSpPr>
+        <p:cNvPr id="1" name=""/>
+        <p:cNvGrpSpPr/>
+        <p:nvPr/>
+      </p:nvGrpSpPr>
+      <p:grpSpPr>
+        <a:xfrm>
+          <a:off x="0" y="0"/>
+          <a:ext cx="0" cy="0"/>
+          <a:chOff x="0" y="0"/>
+          <a:chExt cx="0" cy="0"/>
+        </a:xfrm>
+      </p:grpSpPr>
+      <p:sp>
+        <p:nvSpPr>
+          <p:cNvPr id="2" name="Title 1"/>
+          <p:cNvSpPr>
+            <a:spLocks noGrp="1"/>
+          </p:cNvSpPr>
+          <p:nvPr>
+            <p:ph type="title"/>
+          </p:nvPr>
+        </p:nvSpPr>
+        <p:spPr/>
+        <p:txBody>
+          <a:bodyPr/>
+          <a:lstStyle/>
+          <a:p>
+            <a:r>
+              <a:rPr lang="en-US" dirty="0" smtClean="0"/>
+              <a:t>Tip: </a:t>
+            </a:r>
+            <a:r>
+              <a:rPr lang="en-US" dirty="0" err="1" smtClean="0"/>
+              <a:t>Response.Dispose</a:t>
+            </a:r>
+            <a:r>
+              <a:rPr lang="en-US" dirty="0" smtClean="0"/>
+              <a:t> Is Useful</a:t>
+            </a:r>
+            <a:endParaRPr lang="en-US" dirty="0"/>
+          </a:p>
+        </p:txBody>
+      </p:sp>
+      <p:sp>
+        <p:nvSpPr>
+          <p:cNvPr id="3" name="Text Placeholder 2"/>
+          <p:cNvSpPr>
+            <a:spLocks noGrp="1"/>
+          </p:cNvSpPr>
+          <p:nvPr>
+            <p:ph type="body" idx="1"/>
+          </p:nvPr>
+        </p:nvSpPr>
+        <p:spPr/>
+        <p:txBody>
+          <a:bodyPr/>
+          <a:lstStyle/>
+          <a:p>
+            <a:r>
+              <a:rPr lang="en-US" dirty="0" smtClean="0"/>
+              <a:t>Make sure to clean up resources</a:t>
+            </a:r>
+            <a:endParaRPr lang="en-US" dirty="0"/>
+          </a:p>
+        </p:txBody>
+      </p:sp>
+      <p:pic>
+        <p:nvPicPr>
+          <p:cNvPr id="4" name="Picture 3"/>
+          <p:cNvPicPr>
+            <a:picLocks noChangeAspect="1"/>
+          </p:cNvPicPr>
+          <p:nvPr/>
+        </p:nvPicPr>
+        <p:blipFill>
+          <a:blip r:embed="rId2"/>
+          <a:stretch>
+            <a:fillRect/>
+          </a:stretch>
+        </p:blipFill>
+        <p:spPr>
+          <a:xfrm>
+            <a:off x="581025" y="2895600"/>
+            <a:ext cx="8105775" cy="1805950"/>
+          </a:xfrm>
+          <a:prstGeom prst="rect">
+            <a:avLst/>
+          </a:prstGeom>
+        </p:spPr>
+      </p:pic>
+    </p:spTree>
+    <p:extLst>
+      <p:ext uri="{BB962C8B-B14F-4D97-AF65-F5344CB8AC3E}">
+        <p14:creationId xmlns:p14="http://schemas.microsoft.com/office/powerpoint/2010/main" val="2149013946"/>
+      </p:ext>
+    </p:extLst>
+  </p:cSld>
+  <p:clrMapOvr>
+    <a:masterClrMapping/>
+  </p:clrMapOvr>
+  <p:transition>
+    <p:fade/>
+  </p:transition>
+  <p:timing>
+    <p:tnLst>
+      <p:par>
+        <p:cTn id="1" dur="indefinite" restart="never" nodeType="tmRoot"/>
+      </p:par>
+    </p:tnLst>
+  </p:timing>
+</p:sld>
+</file>
+
+<file path=ppt/slides/slide38.xml><?xml version="1.0" encoding="utf-8"?>
 <p:sld xmlns:a="http://schemas.openxmlformats.org/drawingml/2006/main" xmlns:r="http://schemas.openxmlformats.org/officeDocument/2006/relationships" xmlns:p="http://schemas.openxmlformats.org/presentationml/2006/main">
   <p:cSld>
     <p:spTree>
@@ -11089,6 +12179,13 @@
   <p:transition>
     <p:fade/>
   </p:transition>
+  <p:timing>
+    <p:tnLst>
+      <p:par>
+        <p:cTn id="1" dur="indefinite" restart="never" nodeType="tmRoot"/>
+      </p:par>
+    </p:tnLst>
+  </p:timing>
 </p:sld>
 </file>
 
@@ -15361,14 +16458,14 @@
                 <a:gridCol w="1856282">
                   <a:extLst>
                     <a:ext uri="{9D8B030D-6E8A-4147-A177-3AD203B41FA5}">
-                      <a16:colId xmlns:a16="http://schemas.microsoft.com/office/drawing/2014/main" val="2170437929"/>
+                      <a16:colId xmlns:a16="http://schemas.microsoft.com/office/drawing/2014/main" xmlns="" val="2170437929"/>
                     </a:ext>
                   </a:extLst>
                 </a:gridCol>
                 <a:gridCol w="1856282">
                   <a:extLst>
                     <a:ext uri="{9D8B030D-6E8A-4147-A177-3AD203B41FA5}">
-                      <a16:colId xmlns:a16="http://schemas.microsoft.com/office/drawing/2014/main" val="1780964970"/>
+                      <a16:colId xmlns:a16="http://schemas.microsoft.com/office/drawing/2014/main" xmlns="" val="1780964970"/>
                     </a:ext>
                   </a:extLst>
                 </a:gridCol>
@@ -15405,7 +16502,7 @@
                 </a:tc>
                 <a:extLst>
                   <a:ext uri="{0D108BD9-81ED-4DB2-BD59-A6C34878D82A}">
-                    <a16:rowId xmlns:a16="http://schemas.microsoft.com/office/drawing/2014/main" val="449304483"/>
+                    <a16:rowId xmlns:a16="http://schemas.microsoft.com/office/drawing/2014/main" xmlns="" val="449304483"/>
                   </a:ext>
                 </a:extLst>
               </a:tr>
@@ -15444,7 +16541,7 @@
                 </a:tc>
                 <a:extLst>
                   <a:ext uri="{0D108BD9-81ED-4DB2-BD59-A6C34878D82A}">
-                    <a16:rowId xmlns:a16="http://schemas.microsoft.com/office/drawing/2014/main" val="3153620162"/>
+                    <a16:rowId xmlns:a16="http://schemas.microsoft.com/office/drawing/2014/main" xmlns="" val="3153620162"/>
                   </a:ext>
                 </a:extLst>
               </a:tr>
@@ -15484,7 +16581,7 @@
                 </a:tc>
                 <a:extLst>
                   <a:ext uri="{0D108BD9-81ED-4DB2-BD59-A6C34878D82A}">
-                    <a16:rowId xmlns:a16="http://schemas.microsoft.com/office/drawing/2014/main" val="2886924057"/>
+                    <a16:rowId xmlns:a16="http://schemas.microsoft.com/office/drawing/2014/main" xmlns="" val="2886924057"/>
                   </a:ext>
                 </a:extLst>
               </a:tr>
@@ -15520,7 +16617,7 @@
                 </a:tc>
                 <a:extLst>
                   <a:ext uri="{0D108BD9-81ED-4DB2-BD59-A6C34878D82A}">
-                    <a16:rowId xmlns:a16="http://schemas.microsoft.com/office/drawing/2014/main" val="1482939938"/>
+                    <a16:rowId xmlns:a16="http://schemas.microsoft.com/office/drawing/2014/main" xmlns="" val="1482939938"/>
                   </a:ext>
                 </a:extLst>
               </a:tr>
@@ -15560,7 +16657,7 @@
                 </a:tc>
                 <a:extLst>
                   <a:ext uri="{0D108BD9-81ED-4DB2-BD59-A6C34878D82A}">
-                    <a16:rowId xmlns:a16="http://schemas.microsoft.com/office/drawing/2014/main" val="772540236"/>
+                    <a16:rowId xmlns:a16="http://schemas.microsoft.com/office/drawing/2014/main" xmlns="" val="772540236"/>
                   </a:ext>
                 </a:extLst>
               </a:tr>

--- a/aspnet5/slides/a1_middleware.pptx
+++ b/aspnet5/slides/a1_middleware.pptx
@@ -3515,6 +3515,13 @@
   <p:transition>
     <p:fade/>
   </p:transition>
+  <p:timing>
+    <p:tnLst>
+      <p:par>
+        <p:cTn id="1" dur="indefinite" restart="never" nodeType="tmRoot"/>
+      </p:par>
+    </p:tnLst>
+  </p:timing>
 </p:sld>
 </file>
 
@@ -3631,6 +3638,13 @@
   <p:transition>
     <p:fade/>
   </p:transition>
+  <p:timing>
+    <p:tnLst>
+      <p:par>
+        <p:cTn id="1" dur="indefinite" restart="never" nodeType="tmRoot"/>
+      </p:par>
+    </p:tnLst>
+  </p:timing>
 </p:sld>
 </file>
 
@@ -4298,6 +4312,13 @@
   <p:transition>
     <p:fade/>
   </p:transition>
+  <p:timing>
+    <p:tnLst>
+      <p:par>
+        <p:cTn id="1" dur="indefinite" restart="never" nodeType="tmRoot"/>
+      </p:par>
+    </p:tnLst>
+  </p:timing>
 </p:sld>
 </file>
 
@@ -4431,6 +4452,13 @@
   <p:transition>
     <p:fade/>
   </p:transition>
+  <p:timing>
+    <p:tnLst>
+      <p:par>
+        <p:cTn id="1" dur="indefinite" restart="never" nodeType="tmRoot"/>
+      </p:par>
+    </p:tnLst>
+  </p:timing>
 </p:sld>
 </file>
 
@@ -4555,6 +4583,13 @@
   <p:transition>
     <p:fade/>
   </p:transition>
+  <p:timing>
+    <p:tnLst>
+      <p:par>
+        <p:cTn id="1" dur="indefinite" restart="never" nodeType="tmRoot"/>
+      </p:par>
+    </p:tnLst>
+  </p:timing>
 </p:sld>
 </file>
 
@@ -4677,6 +4712,13 @@
   <p:transition>
     <p:fade/>
   </p:transition>
+  <p:timing>
+    <p:tnLst>
+      <p:par>
+        <p:cTn id="1" dur="indefinite" restart="never" nodeType="tmRoot"/>
+      </p:par>
+    </p:tnLst>
+  </p:timing>
 </p:sld>
 </file>
 
@@ -5133,6 +5175,13 @@
   <p:transition>
     <p:fade/>
   </p:transition>
+  <p:timing>
+    <p:tnLst>
+      <p:par>
+        <p:cTn id="1" dur="indefinite" restart="never" nodeType="tmRoot"/>
+      </p:par>
+    </p:tnLst>
+  </p:timing>
 </p:sld>
 </file>
 
@@ -5236,6 +5285,13 @@
   <p:transition>
     <p:fade/>
   </p:transition>
+  <p:timing>
+    <p:tnLst>
+      <p:par>
+        <p:cTn id="1" dur="indefinite" restart="never" nodeType="tmRoot"/>
+      </p:par>
+    </p:tnLst>
+  </p:timing>
 </p:sld>
 </file>
 
@@ -5343,6 +5399,13 @@
   <p:transition>
     <p:fade/>
   </p:transition>
+  <p:timing>
+    <p:tnLst>
+      <p:par>
+        <p:cTn id="1" dur="indefinite" restart="never" nodeType="tmRoot"/>
+      </p:par>
+    </p:tnLst>
+  </p:timing>
 </p:sld>
 </file>
 
@@ -5455,6 +5518,13 @@
   <p:transition>
     <p:fade/>
   </p:transition>
+  <p:timing>
+    <p:tnLst>
+      <p:par>
+        <p:cTn id="1" dur="indefinite" restart="never" nodeType="tmRoot"/>
+      </p:par>
+    </p:tnLst>
+  </p:timing>
 </p:sld>
 </file>
 
@@ -7890,6 +7960,13 @@
   <p:transition>
     <p:fade/>
   </p:transition>
+  <p:timing>
+    <p:tnLst>
+      <p:par>
+        <p:cTn id="1" dur="indefinite" restart="never" nodeType="tmRoot"/>
+      </p:par>
+    </p:tnLst>
+  </p:timing>
 </p:sld>
 </file>
 
@@ -8031,6 +8108,13 @@
   <p:transition>
     <p:fade/>
   </p:transition>
+  <p:timing>
+    <p:tnLst>
+      <p:par>
+        <p:cTn id="1" dur="indefinite" restart="never" nodeType="tmRoot"/>
+      </p:par>
+    </p:tnLst>
+  </p:timing>
 </p:sld>
 </file>
 
@@ -8141,6 +8225,13 @@
   <p:transition>
     <p:fade/>
   </p:transition>
+  <p:timing>
+    <p:tnLst>
+      <p:par>
+        <p:cTn id="1" dur="indefinite" restart="never" nodeType="tmRoot"/>
+      </p:par>
+    </p:tnLst>
+  </p:timing>
 </p:sld>
 </file>
 
@@ -8216,13 +8307,8 @@
             <a:pPr lvl="1"/>
             <a:r>
               <a:rPr lang="en-US" dirty="0" smtClean="0"/>
-              <a:t>Also requires a </a:t>
-            </a:r>
-            <a:r>
-              <a:rPr lang="en-US" dirty="0" smtClean="0"/>
-              <a:t>cache service</a:t>
-            </a:r>
-            <a:endParaRPr lang="en-US" dirty="0" smtClean="0"/>
+              <a:t>Also requires a cache service</a:t>
+            </a:r>
           </a:p>
           <a:p>
             <a:r>
@@ -8306,6 +8392,13 @@
   <p:transition>
     <p:fade/>
   </p:transition>
+  <p:timing>
+    <p:tnLst>
+      <p:par>
+        <p:cTn id="1" dur="indefinite" restart="never" nodeType="tmRoot"/>
+      </p:par>
+    </p:tnLst>
+  </p:timing>
 </p:sld>
 </file>
 
@@ -8386,15 +8479,7 @@
             <a:pPr lvl="1"/>
             <a:r>
               <a:rPr lang="en-US" dirty="0" smtClean="0"/>
-              <a:t>Google, Twitter, Facebook, Microsoft, </a:t>
-            </a:r>
-            <a:r>
-              <a:rPr lang="en-US" dirty="0" smtClean="0"/>
-              <a:t>OA</a:t>
-            </a:r>
-            <a:r>
-              <a:rPr lang="en-US" dirty="0" smtClean="0"/>
-              <a:t>uth*</a:t>
+              <a:t>Google, Twitter, Facebook, Microsoft, OAuth*</a:t>
             </a:r>
           </a:p>
           <a:p>
@@ -8447,6 +8532,13 @@
   <p:transition>
     <p:fade/>
   </p:transition>
+  <p:timing>
+    <p:tnLst>
+      <p:par>
+        <p:cTn id="1" dur="indefinite" restart="never" nodeType="tmRoot"/>
+      </p:par>
+    </p:tnLst>
+  </p:timing>
 </p:sld>
 </file>
 
@@ -8550,6 +8642,13 @@
   <p:transition>
     <p:fade/>
   </p:transition>
+  <p:timing>
+    <p:tnLst>
+      <p:par>
+        <p:cTn id="1" dur="indefinite" restart="never" nodeType="tmRoot"/>
+      </p:par>
+    </p:tnLst>
+  </p:timing>
 </p:sld>
 </file>
 
@@ -8649,6 +8748,13 @@
   <p:transition>
     <p:fade/>
   </p:transition>
+  <p:timing>
+    <p:tnLst>
+      <p:par>
+        <p:cTn id="1" dur="indefinite" restart="never" nodeType="tmRoot"/>
+      </p:par>
+    </p:tnLst>
+  </p:timing>
 </p:sld>
 </file>
 
@@ -8791,6 +8897,13 @@
   <p:transition>
     <p:fade/>
   </p:transition>
+  <p:timing>
+    <p:tnLst>
+      <p:par>
+        <p:cTn id="1" dur="indefinite" restart="never" nodeType="tmRoot"/>
+      </p:par>
+    </p:tnLst>
+  </p:timing>
 </p:sld>
 </file>
 
@@ -10315,6 +10428,13 @@
   <p:transition>
     <p:fade/>
   </p:transition>
+  <p:timing>
+    <p:tnLst>
+      <p:par>
+        <p:cTn id="1" dur="indefinite" restart="never" nodeType="tmRoot"/>
+      </p:par>
+    </p:tnLst>
+  </p:timing>
 </p:sld>
 </file>
 
@@ -14549,6 +14669,13 @@
   <p:transition>
     <p:fade/>
   </p:transition>
+  <p:timing>
+    <p:tnLst>
+      <p:par>
+        <p:cTn id="1" dur="indefinite" restart="never" nodeType="tmRoot"/>
+      </p:par>
+    </p:tnLst>
+  </p:timing>
 </p:sld>
 </file>
 
@@ -16439,7 +16566,7 @@
           <p:nvPr>
             <p:extLst>
               <p:ext uri="{D42A27DB-BD31-4B8C-83A1-F6EECF244321}">
-                <p14:modId xmlns:p14="http://schemas.microsoft.com/office/powerpoint/2010/main" val="3161146528"/>
+                <p14:modId xmlns:p14="http://schemas.microsoft.com/office/powerpoint/2010/main" val="1506348229"/>
               </p:ext>
             </p:extLst>
           </p:nvPr>
@@ -16458,14 +16585,14 @@
                 <a:gridCol w="1856282">
                   <a:extLst>
                     <a:ext uri="{9D8B030D-6E8A-4147-A177-3AD203B41FA5}">
-                      <a16:colId xmlns:a16="http://schemas.microsoft.com/office/drawing/2014/main" xmlns="" val="2170437929"/>
+                      <a16:colId xmlns="" xmlns:a16="http://schemas.microsoft.com/office/drawing/2014/main" val="2170437929"/>
                     </a:ext>
                   </a:extLst>
                 </a:gridCol>
                 <a:gridCol w="1856282">
                   <a:extLst>
                     <a:ext uri="{9D8B030D-6E8A-4147-A177-3AD203B41FA5}">
-                      <a16:colId xmlns:a16="http://schemas.microsoft.com/office/drawing/2014/main" xmlns="" val="1780964970"/>
+                      <a16:colId xmlns="" xmlns:a16="http://schemas.microsoft.com/office/drawing/2014/main" val="1780964970"/>
                     </a:ext>
                   </a:extLst>
                 </a:gridCol>
@@ -16502,7 +16629,7 @@
                 </a:tc>
                 <a:extLst>
                   <a:ext uri="{0D108BD9-81ED-4DB2-BD59-A6C34878D82A}">
-                    <a16:rowId xmlns:a16="http://schemas.microsoft.com/office/drawing/2014/main" xmlns="" val="449304483"/>
+                    <a16:rowId xmlns="" xmlns:a16="http://schemas.microsoft.com/office/drawing/2014/main" val="449304483"/>
                   </a:ext>
                 </a:extLst>
               </a:tr>
@@ -16541,7 +16668,7 @@
                 </a:tc>
                 <a:extLst>
                   <a:ext uri="{0D108BD9-81ED-4DB2-BD59-A6C34878D82A}">
-                    <a16:rowId xmlns:a16="http://schemas.microsoft.com/office/drawing/2014/main" xmlns="" val="3153620162"/>
+                    <a16:rowId xmlns="" xmlns:a16="http://schemas.microsoft.com/office/drawing/2014/main" val="3153620162"/>
                   </a:ext>
                 </a:extLst>
               </a:tr>
@@ -16552,14 +16679,20 @@
                     <a:lstStyle/>
                     <a:p>
                       <a:r>
-                        <a:rPr lang="en-US" sz="1600" dirty="0" smtClean="0"/>
+                        <a:rPr lang="en-US" sz="1600" i="0" dirty="0" smtClean="0">
+                          <a:latin typeface="+mj-lt"/>
+                        </a:rPr>
                         <a:t>ASP.NET</a:t>
                       </a:r>
                       <a:r>
-                        <a:rPr lang="en-US" sz="1600" baseline="0" dirty="0" smtClean="0"/>
+                        <a:rPr lang="en-US" sz="1600" i="0" baseline="0" dirty="0" smtClean="0">
+                          <a:latin typeface="+mj-lt"/>
+                        </a:rPr>
                         <a:t> 4.6</a:t>
                       </a:r>
-                      <a:endParaRPr lang="en-US" sz="1600" dirty="0"/>
+                      <a:endParaRPr lang="en-US" sz="1600" i="0" dirty="0">
+                        <a:latin typeface="+mj-lt"/>
+                      </a:endParaRPr>
                     </a:p>
                   </a:txBody>
                   <a:tcPr/>
@@ -16571,17 +16704,21 @@
                     <a:p>
                       <a:pPr algn="r"/>
                       <a:r>
-                        <a:rPr lang="en-US" sz="1600" dirty="0" smtClean="0"/>
+                        <a:rPr lang="en-US" sz="1600" i="0" dirty="0" smtClean="0">
+                          <a:latin typeface="+mj-lt"/>
+                        </a:rPr>
                         <a:t>57,843</a:t>
                       </a:r>
-                      <a:endParaRPr lang="en-US" sz="1600" dirty="0"/>
+                      <a:endParaRPr lang="en-US" sz="1600" i="0" dirty="0">
+                        <a:latin typeface="+mj-lt"/>
+                      </a:endParaRPr>
                     </a:p>
                   </a:txBody>
                   <a:tcPr/>
                 </a:tc>
                 <a:extLst>
                   <a:ext uri="{0D108BD9-81ED-4DB2-BD59-A6C34878D82A}">
-                    <a16:rowId xmlns:a16="http://schemas.microsoft.com/office/drawing/2014/main" xmlns="" val="2886924057"/>
+                    <a16:rowId xmlns="" xmlns:a16="http://schemas.microsoft.com/office/drawing/2014/main" val="2886924057"/>
                   </a:ext>
                 </a:extLst>
               </a:tr>
@@ -16592,10 +16729,14 @@
                     <a:lstStyle/>
                     <a:p>
                       <a:r>
-                        <a:rPr lang="en-US" sz="1600" dirty="0" err="1" smtClean="0"/>
+                        <a:rPr lang="en-US" sz="1600" i="0" dirty="0" err="1" smtClean="0">
+                          <a:latin typeface="+mj-lt"/>
+                        </a:rPr>
                         <a:t>NodeJS</a:t>
                       </a:r>
-                      <a:endParaRPr lang="en-US" sz="1600" dirty="0"/>
+                      <a:endParaRPr lang="en-US" sz="1600" i="0" dirty="0">
+                        <a:latin typeface="+mj-lt"/>
+                      </a:endParaRPr>
                     </a:p>
                   </a:txBody>
                   <a:tcPr/>
@@ -16607,17 +16748,21 @@
                     <a:p>
                       <a:pPr algn="r"/>
                       <a:r>
-                        <a:rPr lang="en-US" sz="1600" dirty="0" smtClean="0"/>
+                        <a:rPr lang="en-US" sz="1600" i="0" dirty="0" smtClean="0">
+                          <a:latin typeface="+mj-lt"/>
+                        </a:rPr>
                         <a:t>127,017</a:t>
                       </a:r>
-                      <a:endParaRPr lang="en-US" sz="1600" dirty="0"/>
+                      <a:endParaRPr lang="en-US" sz="1600" i="0" dirty="0">
+                        <a:latin typeface="+mj-lt"/>
+                      </a:endParaRPr>
                     </a:p>
                   </a:txBody>
                   <a:tcPr/>
                 </a:tc>
                 <a:extLst>
                   <a:ext uri="{0D108BD9-81ED-4DB2-BD59-A6C34878D82A}">
-                    <a16:rowId xmlns:a16="http://schemas.microsoft.com/office/drawing/2014/main" xmlns="" val="1482939938"/>
+                    <a16:rowId xmlns="" xmlns:a16="http://schemas.microsoft.com/office/drawing/2014/main" val="1482939938"/>
                   </a:ext>
                 </a:extLst>
               </a:tr>
@@ -16628,14 +16773,20 @@
                     <a:lstStyle/>
                     <a:p>
                       <a:r>
-                        <a:rPr lang="en-US" sz="1600" dirty="0" smtClean="0"/>
+                        <a:rPr lang="en-US" sz="1600" i="0" dirty="0" smtClean="0">
+                          <a:latin typeface="+mj-lt"/>
+                        </a:rPr>
                         <a:t>ASP.NET</a:t>
                       </a:r>
                       <a:r>
-                        <a:rPr lang="en-US" sz="1600" baseline="0" dirty="0" smtClean="0"/>
+                        <a:rPr lang="en-US" sz="1600" i="0" baseline="0" dirty="0" smtClean="0">
+                          <a:latin typeface="+mj-lt"/>
+                        </a:rPr>
                         <a:t> 5</a:t>
                       </a:r>
-                      <a:endParaRPr lang="en-US" sz="1600" dirty="0"/>
+                      <a:endParaRPr lang="en-US" sz="1600" i="0" dirty="0">
+                        <a:latin typeface="+mj-lt"/>
+                      </a:endParaRPr>
                     </a:p>
                   </a:txBody>
                   <a:tcPr/>
@@ -16647,17 +16798,21 @@
                     <a:p>
                       <a:pPr algn="r"/>
                       <a:r>
-                        <a:rPr lang="en-US" sz="1600" dirty="0" smtClean="0"/>
+                        <a:rPr lang="en-US" sz="1600" i="0" dirty="0" smtClean="0">
+                          <a:latin typeface="+mj-lt"/>
+                        </a:rPr>
                         <a:t>168,005</a:t>
                       </a:r>
-                      <a:endParaRPr lang="en-US" sz="1600" dirty="0"/>
+                      <a:endParaRPr lang="en-US" sz="1600" i="0" dirty="0">
+                        <a:latin typeface="+mj-lt"/>
+                      </a:endParaRPr>
                     </a:p>
                   </a:txBody>
                   <a:tcPr/>
                 </a:tc>
                 <a:extLst>
                   <a:ext uri="{0D108BD9-81ED-4DB2-BD59-A6C34878D82A}">
-                    <a16:rowId xmlns:a16="http://schemas.microsoft.com/office/drawing/2014/main" xmlns="" val="772540236"/>
+                    <a16:rowId xmlns="" xmlns:a16="http://schemas.microsoft.com/office/drawing/2014/main" val="772540236"/>
                   </a:ext>
                 </a:extLst>
               </a:tr>
@@ -17526,6 +17681,13 @@
   <p:transition>
     <p:fade/>
   </p:transition>
+  <p:timing>
+    <p:tnLst>
+      <p:par>
+        <p:cTn id="1" dur="indefinite" restart="never" nodeType="tmRoot"/>
+      </p:par>
+    </p:tnLst>
+  </p:timing>
 </p:sld>
 </file>
 

--- a/aspnet5/slides/a1_middleware.pptx
+++ b/aspnet5/slides/a1_middleware.pptx
@@ -347,7 +347,7 @@
               <a:pPr>
                 <a:defRPr/>
               </a:pPr>
-              <a:t>1/5/2016</a:t>
+              <a:t>5/3/2016</a:t>
             </a:fld>
             <a:endParaRPr lang="en-US"/>
           </a:p>
@@ -621,35 +621,35 @@
           <a:p>
             <a:pPr lvl="0"/>
             <a:r>
-              <a:rPr lang="en-US" noProof="0" smtClean="0"/>
+              <a:rPr lang="en-US" noProof="0"/>
               <a:t>Click to edit Master text styles</a:t>
             </a:r>
           </a:p>
           <a:p>
             <a:pPr lvl="1"/>
             <a:r>
-              <a:rPr lang="en-US" noProof="0" smtClean="0"/>
+              <a:rPr lang="en-US" noProof="0"/>
               <a:t>Second level</a:t>
             </a:r>
           </a:p>
           <a:p>
             <a:pPr lvl="2"/>
             <a:r>
-              <a:rPr lang="en-US" noProof="0" smtClean="0"/>
+              <a:rPr lang="en-US" noProof="0"/>
               <a:t>Third level</a:t>
             </a:r>
           </a:p>
           <a:p>
             <a:pPr lvl="3"/>
             <a:r>
-              <a:rPr lang="en-US" noProof="0" smtClean="0"/>
+              <a:rPr lang="en-US" noProof="0"/>
               <a:t>Fourth level</a:t>
             </a:r>
           </a:p>
           <a:p>
             <a:pPr lvl="4"/>
             <a:r>
-              <a:rPr lang="en-US" noProof="0" smtClean="0"/>
+              <a:rPr lang="en-US" noProof="0"/>
               <a:t>Fifth level</a:t>
             </a:r>
           </a:p>
@@ -930,7 +930,7 @@
               <a:pPr/>
               <a:t>1</a:t>
             </a:fld>
-            <a:endParaRPr lang="en-US" smtClean="0"/>
+            <a:endParaRPr lang="en-US"/>
           </a:p>
         </p:txBody>
       </p:sp>
@@ -971,7 +971,7 @@
           <a:lstStyle/>
           <a:p>
             <a:pPr eaLnBrk="1" hangingPunct="1"/>
-            <a:endParaRPr lang="en-US" smtClean="0"/>
+            <a:endParaRPr lang="en-US"/>
           </a:p>
         </p:txBody>
       </p:sp>
@@ -1754,10 +1754,9 @@
           </a:lstStyle>
           <a:p>
             <a:r>
-              <a:rPr lang="en-US" dirty="0" smtClean="0"/>
+              <a:rPr lang="en-US" dirty="0"/>
               <a:t>Click to edit Master title style</a:t>
             </a:r>
-            <a:endParaRPr lang="en-US" dirty="0"/>
           </a:p>
         </p:txBody>
       </p:sp>
@@ -1790,7 +1789,7 @@
           </a:lstStyle>
           <a:p>
             <a:r>
-              <a:rPr lang="en-US" smtClean="0"/>
+              <a:rPr lang="en-US"/>
               <a:t>Click to edit Master subtitle style</a:t>
             </a:r>
             <a:endParaRPr lang="en-US" dirty="0"/>
@@ -1846,10 +1845,9 @@
           <a:lstStyle/>
           <a:p>
             <a:r>
-              <a:rPr lang="en-US" smtClean="0"/>
+              <a:rPr lang="en-US"/>
               <a:t>Click to edit Master title style</a:t>
             </a:r>
-            <a:endParaRPr lang="en-US"/>
           </a:p>
         </p:txBody>
       </p:sp>
@@ -1890,7 +1888,7 @@
           <a:p>
             <a:pPr lvl="0"/>
             <a:r>
-              <a:rPr lang="en-US" smtClean="0"/>
+              <a:rPr lang="en-US"/>
               <a:t>Click to edit Master text styles</a:t>
             </a:r>
           </a:p>
@@ -1940,10 +1938,9 @@
           <a:lstStyle/>
           <a:p>
             <a:r>
-              <a:rPr lang="en-US" smtClean="0"/>
+              <a:rPr lang="en-US"/>
               <a:t>Click to edit Master title style</a:t>
             </a:r>
-            <a:endParaRPr lang="en-US"/>
           </a:p>
         </p:txBody>
       </p:sp>
@@ -1999,7 +1996,7 @@
           </a:lstStyle>
           <a:p>
             <a:r>
-              <a:rPr lang="en-US" smtClean="0"/>
+              <a:rPr lang="en-US"/>
               <a:t>Click to edit Master title style</a:t>
             </a:r>
             <a:endParaRPr lang="en-US" dirty="0"/>
@@ -2064,35 +2061,35 @@
           <a:p>
             <a:pPr lvl="0"/>
             <a:r>
-              <a:rPr lang="en-US" smtClean="0"/>
+              <a:rPr lang="en-US"/>
               <a:t>Click to edit Master text styles</a:t>
             </a:r>
           </a:p>
           <a:p>
             <a:pPr lvl="1"/>
             <a:r>
-              <a:rPr lang="en-US" smtClean="0"/>
+              <a:rPr lang="en-US"/>
               <a:t>Second level</a:t>
             </a:r>
           </a:p>
           <a:p>
             <a:pPr lvl="2"/>
             <a:r>
-              <a:rPr lang="en-US" smtClean="0"/>
+              <a:rPr lang="en-US"/>
               <a:t>Third level</a:t>
             </a:r>
           </a:p>
           <a:p>
             <a:pPr lvl="3"/>
             <a:r>
-              <a:rPr lang="en-US" smtClean="0"/>
+              <a:rPr lang="en-US"/>
               <a:t>Fourth level</a:t>
             </a:r>
           </a:p>
           <a:p>
             <a:pPr lvl="4"/>
             <a:r>
-              <a:rPr lang="en-US" smtClean="0"/>
+              <a:rPr lang="en-US"/>
               <a:t>Fifth level</a:t>
             </a:r>
             <a:endParaRPr lang="en-US" dirty="0"/>
@@ -2156,10 +2153,9 @@
           </a:lstStyle>
           <a:p>
             <a:r>
-              <a:rPr lang="en-US" dirty="0" smtClean="0"/>
+              <a:rPr lang="en-US" dirty="0"/>
               <a:t>References</a:t>
             </a:r>
-            <a:endParaRPr lang="en-US" dirty="0"/>
           </a:p>
         </p:txBody>
       </p:sp>
@@ -2221,35 +2217,35 @@
           <a:p>
             <a:pPr lvl="0"/>
             <a:r>
-              <a:rPr lang="en-US" smtClean="0"/>
+              <a:rPr lang="en-US"/>
               <a:t>Click to edit Master text styles</a:t>
             </a:r>
           </a:p>
           <a:p>
             <a:pPr lvl="1"/>
             <a:r>
-              <a:rPr lang="en-US" smtClean="0"/>
+              <a:rPr lang="en-US"/>
               <a:t>Second level</a:t>
             </a:r>
           </a:p>
           <a:p>
             <a:pPr lvl="2"/>
             <a:r>
-              <a:rPr lang="en-US" smtClean="0"/>
+              <a:rPr lang="en-US"/>
               <a:t>Third level</a:t>
             </a:r>
           </a:p>
           <a:p>
             <a:pPr lvl="3"/>
             <a:r>
-              <a:rPr lang="en-US" smtClean="0"/>
+              <a:rPr lang="en-US"/>
               <a:t>Fourth level</a:t>
             </a:r>
           </a:p>
           <a:p>
             <a:pPr lvl="4"/>
             <a:r>
-              <a:rPr lang="en-US" smtClean="0"/>
+              <a:rPr lang="en-US"/>
               <a:t>Fifth level</a:t>
             </a:r>
             <a:endParaRPr lang="en-US" dirty="0"/>
@@ -2305,10 +2301,9 @@
           <a:lstStyle/>
           <a:p>
             <a:r>
-              <a:rPr lang="en-US" smtClean="0"/>
+              <a:rPr lang="en-US"/>
               <a:t>Click to edit Master title style</a:t>
             </a:r>
-            <a:endParaRPr lang="en-US"/>
           </a:p>
         </p:txBody>
       </p:sp>
@@ -2349,7 +2344,7 @@
           <a:p>
             <a:pPr lvl="0"/>
             <a:r>
-              <a:rPr lang="en-US" smtClean="0"/>
+              <a:rPr lang="en-US"/>
               <a:t>Click to edit Master text styles</a:t>
             </a:r>
           </a:p>
@@ -2404,10 +2399,9 @@
           <a:lstStyle/>
           <a:p>
             <a:r>
-              <a:rPr lang="en-US" smtClean="0"/>
+              <a:rPr lang="en-US"/>
               <a:t>Click to edit Master title style</a:t>
             </a:r>
-            <a:endParaRPr lang="en-US"/>
           </a:p>
         </p:txBody>
       </p:sp>
@@ -2460,10 +2454,9 @@
           <a:lstStyle/>
           <a:p>
             <a:r>
-              <a:rPr lang="en-US" smtClean="0"/>
+              <a:rPr lang="en-US"/>
               <a:t>Click to edit Master title style</a:t>
             </a:r>
-            <a:endParaRPr lang="en-US"/>
           </a:p>
         </p:txBody>
       </p:sp>
@@ -2504,7 +2497,7 @@
           <a:p>
             <a:pPr lvl="0"/>
             <a:r>
-              <a:rPr lang="en-US" smtClean="0"/>
+              <a:rPr lang="en-US"/>
               <a:t>Click to edit Master text styles</a:t>
             </a:r>
           </a:p>
@@ -2559,10 +2552,9 @@
           <a:lstStyle/>
           <a:p>
             <a:r>
-              <a:rPr lang="en-US" smtClean="0"/>
+              <a:rPr lang="en-US"/>
               <a:t>Click to edit Master title style</a:t>
             </a:r>
-            <a:endParaRPr lang="en-US"/>
           </a:p>
         </p:txBody>
       </p:sp>
@@ -2615,10 +2607,9 @@
           <a:lstStyle/>
           <a:p>
             <a:r>
-              <a:rPr lang="en-US" smtClean="0"/>
+              <a:rPr lang="en-US"/>
               <a:t>Click to edit Master title style</a:t>
             </a:r>
-            <a:endParaRPr lang="en-US"/>
           </a:p>
         </p:txBody>
       </p:sp>
@@ -2659,7 +2650,7 @@
           <a:p>
             <a:pPr lvl="0"/>
             <a:r>
-              <a:rPr lang="en-US" smtClean="0"/>
+              <a:rPr lang="en-US"/>
               <a:t>Click to edit Master text styles</a:t>
             </a:r>
           </a:p>
@@ -2714,10 +2705,9 @@
           <a:lstStyle/>
           <a:p>
             <a:r>
-              <a:rPr lang="en-US" smtClean="0"/>
+              <a:rPr lang="en-US"/>
               <a:t>Click to edit Master title style</a:t>
             </a:r>
-            <a:endParaRPr lang="en-US"/>
           </a:p>
         </p:txBody>
       </p:sp>
@@ -2798,35 +2788,35 @@
           <a:p>
             <a:pPr lvl="0"/>
             <a:r>
-              <a:rPr lang="en-US" smtClean="0"/>
+              <a:rPr lang="en-US"/>
               <a:t>Click to edit Master text styles</a:t>
             </a:r>
           </a:p>
           <a:p>
             <a:pPr lvl="1"/>
             <a:r>
-              <a:rPr lang="en-US" smtClean="0"/>
+              <a:rPr lang="en-US"/>
               <a:t>Second level</a:t>
             </a:r>
           </a:p>
           <a:p>
             <a:pPr lvl="2"/>
             <a:r>
-              <a:rPr lang="en-US" smtClean="0"/>
+              <a:rPr lang="en-US"/>
               <a:t>Third level</a:t>
             </a:r>
           </a:p>
           <a:p>
             <a:pPr lvl="3"/>
             <a:r>
-              <a:rPr lang="en-US" smtClean="0"/>
+              <a:rPr lang="en-US"/>
               <a:t>Fourth level</a:t>
             </a:r>
           </a:p>
           <a:p>
             <a:pPr lvl="4"/>
             <a:r>
-              <a:rPr lang="en-US" smtClean="0"/>
+              <a:rPr lang="en-US"/>
               <a:t>Fifth level</a:t>
             </a:r>
           </a:p>
@@ -2868,7 +2858,7 @@
           <a:p>
             <a:pPr lvl="0"/>
             <a:r>
-              <a:rPr lang="en-US" smtClean="0"/>
+              <a:rPr lang="en-US"/>
               <a:t>Click to edit Master title style</a:t>
             </a:r>
           </a:p>
@@ -3478,7 +3468,7 @@
           <a:p>
             <a:pPr marL="0" indent="0" defTabSz="914400" eaLnBrk="1" hangingPunct="1"/>
             <a:r>
-              <a:rPr lang="en-US" dirty="0" smtClean="0"/>
+              <a:rPr lang="en-US" dirty="0"/>
               <a:t>Middleware</a:t>
             </a:r>
           </a:p>
@@ -3501,8 +3491,8 @@
           <a:p>
             <a:pPr defTabSz="914400" eaLnBrk="1" hangingPunct="1"/>
             <a:r>
-              <a:rPr lang="en-US" dirty="0" smtClean="0"/>
-              <a:t>The HTTP Pipeline in ASP.NET 5</a:t>
+              <a:rPr lang="en-US" dirty="0"/>
+              <a:t>The HTTP Pipeline in ASP.NET Core</a:t>
             </a:r>
           </a:p>
         </p:txBody>
@@ -3515,13 +3505,6 @@
   <p:transition>
     <p:fade/>
   </p:transition>
-  <p:timing>
-    <p:tnLst>
-      <p:par>
-        <p:cTn id="1" dur="indefinite" restart="never" nodeType="tmRoot"/>
-      </p:par>
-    </p:tnLst>
-  </p:timing>
 </p:sld>
 </file>
 
@@ -3558,10 +3541,9 @@
           <a:lstStyle/>
           <a:p>
             <a:r>
-              <a:rPr lang="en-US" dirty="0" smtClean="0"/>
+              <a:rPr lang="en-US" dirty="0"/>
               <a:t>Startup Class</a:t>
             </a:r>
-            <a:endParaRPr lang="en-US" dirty="0"/>
           </a:p>
         </p:txBody>
       </p:sp>
@@ -3581,21 +3563,21 @@
           <a:lstStyle/>
           <a:p>
             <a:r>
-              <a:rPr lang="en-US" dirty="0" smtClean="0"/>
+              <a:rPr lang="en-US" dirty="0"/>
               <a:t>ASP.NET searches for Startup </a:t>
             </a:r>
           </a:p>
           <a:p>
             <a:r>
-              <a:rPr lang="en-US" dirty="0" smtClean="0"/>
+              <a:rPr lang="en-US" dirty="0"/>
               <a:t>Defines configuration, </a:t>
             </a:r>
             <a:r>
-              <a:rPr lang="en-US" i="1" dirty="0" smtClean="0"/>
+              <a:rPr lang="en-US" i="1" dirty="0"/>
               <a:t>middleware</a:t>
             </a:r>
             <a:r>
-              <a:rPr lang="en-US" dirty="0" smtClean="0"/>
+              <a:rPr lang="en-US" dirty="0"/>
               <a:t>, services, and entry point</a:t>
             </a:r>
           </a:p>
@@ -3638,13 +3620,6 @@
   <p:transition>
     <p:fade/>
   </p:transition>
-  <p:timing>
-    <p:tnLst>
-      <p:par>
-        <p:cTn id="1" dur="indefinite" restart="never" nodeType="tmRoot"/>
-      </p:par>
-    </p:tnLst>
-  </p:timing>
 </p:sld>
 </file>
 
@@ -3681,10 +3656,9 @@
           <a:lstStyle/>
           <a:p>
             <a:r>
-              <a:rPr lang="en-US" dirty="0" smtClean="0"/>
+              <a:rPr lang="en-US" dirty="0"/>
               <a:t>Configure</a:t>
             </a:r>
-            <a:endParaRPr lang="en-US" dirty="0"/>
           </a:p>
         </p:txBody>
       </p:sp>
@@ -3698,68 +3672,63 @@
             <p:ph type="body" idx="1"/>
           </p:nvPr>
         </p:nvSpPr>
-        <p:spPr/>
+        <p:spPr>
+          <a:xfrm>
+            <a:off x="457200" y="1447800"/>
+            <a:ext cx="8229600" cy="4495800"/>
+          </a:xfrm>
+        </p:spPr>
         <p:txBody>
           <a:bodyPr/>
           <a:lstStyle/>
           <a:p>
             <a:r>
-              <a:rPr lang="en-US" dirty="0" smtClean="0"/>
+              <a:rPr lang="en-US" dirty="0"/>
               <a:t>Provides </a:t>
             </a:r>
             <a:r>
-              <a:rPr lang="en-US" dirty="0" err="1" smtClean="0"/>
+              <a:rPr lang="en-US" dirty="0" err="1"/>
               <a:t>IApplicationBuilder</a:t>
             </a:r>
             <a:r>
-              <a:rPr lang="en-US" dirty="0" smtClean="0"/>
+              <a:rPr lang="en-US" dirty="0"/>
               <a:t> parameter</a:t>
             </a:r>
           </a:p>
           <a:p>
             <a:pPr lvl="1"/>
             <a:r>
-              <a:rPr lang="en-US" dirty="0" smtClean="0"/>
-              <a:t>Use this API to build the </a:t>
-            </a:r>
-            <a:r>
-              <a:rPr lang="en-US" dirty="0" err="1" smtClean="0"/>
-              <a:t>middlware</a:t>
-            </a:r>
-            <a:r>
-              <a:rPr lang="en-US" dirty="0" smtClean="0"/>
-              <a:t> pipeline</a:t>
+              <a:rPr lang="en-US" dirty="0"/>
+              <a:t>Use this API to build the pipeline</a:t>
+            </a:r>
+          </a:p>
+          <a:p>
+            <a:r>
+              <a:rPr lang="en-US" dirty="0"/>
+              <a:t>Injectable parameters</a:t>
+            </a:r>
+          </a:p>
+          <a:p>
+            <a:pPr lvl="2"/>
+            <a:r>
+              <a:rPr lang="en-US" dirty="0" err="1"/>
+              <a:t>IHostingEnvironment</a:t>
             </a:r>
             <a:endParaRPr lang="en-US" dirty="0"/>
           </a:p>
           <a:p>
-            <a:r>
-              <a:rPr lang="en-US" dirty="0" smtClean="0"/>
-              <a:t>Optional parameters</a:t>
-            </a:r>
-          </a:p>
-          <a:p>
             <a:pPr lvl="2"/>
             <a:r>
-              <a:rPr lang="en-US" dirty="0" err="1" smtClean="0"/>
-              <a:t>IHostingEnvironment</a:t>
-            </a:r>
-            <a:endParaRPr lang="en-US" dirty="0" smtClean="0"/>
-          </a:p>
-          <a:p>
-            <a:pPr lvl="2"/>
-            <a:r>
-              <a:rPr lang="en-US" dirty="0" err="1" smtClean="0"/>
+              <a:rPr lang="en-US" dirty="0" err="1"/>
               <a:t>ILoggerFactory</a:t>
             </a:r>
-            <a:endParaRPr lang="en-US" dirty="0" smtClean="0"/>
-          </a:p>
-          <a:p>
-            <a:r>
-              <a:rPr lang="en-US" dirty="0" smtClean="0"/>
+            <a:endParaRPr lang="en-US" dirty="0"/>
+          </a:p>
+          <a:p>
+            <a:r>
+              <a:rPr lang="en-US" dirty="0"/>
               <a:t>Can also ask for configured services</a:t>
             </a:r>
-            <a:endParaRPr lang="en-US" dirty="0"/>
           </a:p>
         </p:txBody>
       </p:sp>
@@ -4231,7 +4200,7 @@
           <a:lstStyle/>
           <a:p>
             <a:r>
-              <a:rPr lang="en-US" dirty="0" err="1" smtClean="0"/>
+              <a:rPr lang="en-US" dirty="0" err="1"/>
               <a:t>IApplicationBuilder</a:t>
             </a:r>
             <a:endParaRPr lang="en-US" dirty="0"/>
@@ -4254,24 +4223,23 @@
           <a:lstStyle/>
           <a:p>
             <a:r>
-              <a:rPr lang="en-US" i="1" dirty="0" smtClean="0"/>
+              <a:rPr lang="en-US" i="1" dirty="0"/>
               <a:t>Use</a:t>
             </a:r>
             <a:r>
-              <a:rPr lang="en-US" dirty="0" smtClean="0"/>
+              <a:rPr lang="en-US" dirty="0"/>
               <a:t> middleware</a:t>
             </a:r>
           </a:p>
           <a:p>
             <a:r>
-              <a:rPr lang="en-US" i="1" dirty="0" smtClean="0"/>
+              <a:rPr lang="en-US" i="1" dirty="0"/>
               <a:t>Run</a:t>
             </a:r>
             <a:r>
-              <a:rPr lang="en-US" dirty="0" smtClean="0"/>
+              <a:rPr lang="en-US" dirty="0"/>
               <a:t> middleware</a:t>
             </a:r>
-            <a:endParaRPr lang="en-US" dirty="0"/>
           </a:p>
         </p:txBody>
       </p:sp>
@@ -4312,13 +4280,6 @@
   <p:transition>
     <p:fade/>
   </p:transition>
-  <p:timing>
-    <p:tnLst>
-      <p:par>
-        <p:cTn id="1" dur="indefinite" restart="never" nodeType="tmRoot"/>
-      </p:par>
-    </p:tnLst>
-  </p:timing>
 </p:sld>
 </file>
 
@@ -4355,11 +4316,11 @@
           <a:lstStyle/>
           <a:p>
             <a:r>
-              <a:rPr lang="en-US" dirty="0" smtClean="0"/>
+              <a:rPr lang="en-US" dirty="0"/>
               <a:t>Middleware Relies on </a:t>
             </a:r>
             <a:r>
-              <a:rPr lang="en-US" dirty="0" err="1" smtClean="0"/>
+              <a:rPr lang="en-US" dirty="0" err="1"/>
               <a:t>RequestDelegate</a:t>
             </a:r>
             <a:endParaRPr lang="en-US" dirty="0"/>
@@ -4382,36 +4343,35 @@
           <a:lstStyle/>
           <a:p>
             <a:r>
-              <a:rPr lang="en-US" dirty="0" err="1" smtClean="0"/>
+              <a:rPr lang="en-US" dirty="0" err="1"/>
               <a:t>RequestDelegate</a:t>
             </a:r>
             <a:r>
-              <a:rPr lang="en-US" dirty="0" smtClean="0"/>
+              <a:rPr lang="en-US" dirty="0"/>
               <a:t> is a method that:</a:t>
             </a:r>
           </a:p>
           <a:p>
             <a:pPr lvl="1"/>
             <a:r>
-              <a:rPr lang="en-US" dirty="0" smtClean="0"/>
+              <a:rPr lang="en-US" dirty="0"/>
               <a:t>Take an </a:t>
             </a:r>
             <a:r>
-              <a:rPr lang="en-US" dirty="0" err="1" smtClean="0"/>
+              <a:rPr lang="en-US" dirty="0" err="1"/>
               <a:t>HttpContext</a:t>
             </a:r>
             <a:r>
-              <a:rPr lang="en-US" dirty="0" smtClean="0"/>
+              <a:rPr lang="en-US" dirty="0"/>
               <a:t> parameter</a:t>
             </a:r>
           </a:p>
           <a:p>
             <a:pPr lvl="1"/>
             <a:r>
-              <a:rPr lang="en-US" dirty="0" smtClean="0"/>
+              <a:rPr lang="en-US" dirty="0"/>
               <a:t>Returns Task</a:t>
             </a:r>
-            <a:endParaRPr lang="en-US" dirty="0"/>
           </a:p>
         </p:txBody>
       </p:sp>
@@ -4452,13 +4412,6 @@
   <p:transition>
     <p:fade/>
   </p:transition>
-  <p:timing>
-    <p:tnLst>
-      <p:par>
-        <p:cTn id="1" dur="indefinite" restart="never" nodeType="tmRoot"/>
-      </p:par>
-    </p:tnLst>
-  </p:timing>
 </p:sld>
 </file>
 
@@ -4495,10 +4448,9 @@
           <a:lstStyle/>
           <a:p>
             <a:r>
-              <a:rPr lang="en-US" dirty="0" smtClean="0"/>
+              <a:rPr lang="en-US" dirty="0"/>
               <a:t>Run</a:t>
             </a:r>
-            <a:endParaRPr lang="en-US" dirty="0"/>
           </a:p>
         </p:txBody>
       </p:sp>
@@ -4518,31 +4470,30 @@
           <a:lstStyle/>
           <a:p>
             <a:r>
-              <a:rPr lang="en-US" dirty="0" smtClean="0"/>
+              <a:rPr lang="en-US" dirty="0"/>
               <a:t>Pass a </a:t>
             </a:r>
             <a:r>
-              <a:rPr lang="en-US" dirty="0" err="1" smtClean="0"/>
+              <a:rPr lang="en-US" dirty="0" err="1"/>
               <a:t>RequestDelegate</a:t>
             </a:r>
             <a:r>
-              <a:rPr lang="en-US" dirty="0" smtClean="0"/>
+              <a:rPr lang="en-US" dirty="0"/>
               <a:t> to Run</a:t>
             </a:r>
           </a:p>
           <a:p>
             <a:r>
-              <a:rPr lang="en-US" dirty="0" smtClean="0"/>
+              <a:rPr lang="en-US" dirty="0"/>
               <a:t>No access to other middleware</a:t>
             </a:r>
           </a:p>
           <a:p>
             <a:pPr lvl="1"/>
             <a:r>
-              <a:rPr lang="en-US" dirty="0" smtClean="0"/>
+              <a:rPr lang="en-US" dirty="0"/>
               <a:t>Run is terminal</a:t>
             </a:r>
-            <a:endParaRPr lang="en-US" dirty="0"/>
           </a:p>
         </p:txBody>
       </p:sp>
@@ -4583,13 +4534,6 @@
   <p:transition>
     <p:fade/>
   </p:transition>
-  <p:timing>
-    <p:tnLst>
-      <p:par>
-        <p:cTn id="1" dur="indefinite" restart="never" nodeType="tmRoot"/>
-      </p:par>
-    </p:tnLst>
-  </p:timing>
 </p:sld>
 </file>
 
@@ -4627,11 +4571,7 @@
           <a:p>
             <a:r>
               <a:rPr lang="en-US" dirty="0" err="1"/>
-              <a:t>a</a:t>
-            </a:r>
-            <a:r>
-              <a:rPr lang="en-US" dirty="0" err="1" smtClean="0"/>
-              <a:t>pp.Use</a:t>
+              <a:t>app.Use</a:t>
             </a:r>
             <a:endParaRPr lang="en-US" dirty="0"/>
           </a:p>
@@ -4653,22 +4593,22 @@
           <a:lstStyle/>
           <a:p>
             <a:r>
-              <a:rPr lang="en-US" dirty="0" smtClean="0"/>
+              <a:rPr lang="en-US" dirty="0"/>
               <a:t>Take a </a:t>
             </a:r>
             <a:r>
-              <a:rPr lang="en-US" dirty="0" err="1" smtClean="0"/>
+              <a:rPr lang="en-US" dirty="0" err="1"/>
               <a:t>RequestDelegate</a:t>
             </a:r>
-            <a:endParaRPr lang="en-US" dirty="0" smtClean="0"/>
-          </a:p>
-          <a:p>
-            <a:r>
-              <a:rPr lang="en-US" dirty="0" smtClean="0"/>
+            <a:endParaRPr lang="en-US" dirty="0"/>
+          </a:p>
+          <a:p>
+            <a:r>
+              <a:rPr lang="en-US" dirty="0"/>
               <a:t>Return a </a:t>
             </a:r>
             <a:r>
-              <a:rPr lang="en-US" dirty="0" err="1" smtClean="0"/>
+              <a:rPr lang="en-US" dirty="0" err="1"/>
               <a:t>RequestDelegate</a:t>
             </a:r>
             <a:endParaRPr lang="en-US" dirty="0"/>
@@ -4712,13 +4652,6 @@
   <p:transition>
     <p:fade/>
   </p:transition>
-  <p:timing>
-    <p:tnLst>
-      <p:par>
-        <p:cTn id="1" dur="indefinite" restart="never" nodeType="tmRoot"/>
-      </p:par>
-    </p:tnLst>
-  </p:timing>
 </p:sld>
 </file>
 
@@ -4782,7 +4715,7 @@
           <a:p>
             <a:pPr algn="ctr"/>
             <a:r>
-              <a:rPr lang="en-US" sz="2000" dirty="0" smtClean="0">
+              <a:rPr lang="en-US" sz="2000" dirty="0">
                 <a:latin typeface="Tekton Pro" pitchFamily="34" charset="0"/>
               </a:rPr>
               <a:t>Cares About</a:t>
@@ -4791,7 +4724,7 @@
           <a:p>
             <a:pPr algn="ctr"/>
             <a:r>
-              <a:rPr lang="en-US" sz="2000" dirty="0" smtClean="0">
+              <a:rPr lang="en-US" sz="2000" dirty="0">
                 <a:latin typeface="Tekton Pro" pitchFamily="34" charset="0"/>
               </a:rPr>
               <a:t>The </a:t>
@@ -4800,14 +4733,11 @@
           <a:p>
             <a:pPr algn="ctr"/>
             <a:r>
-              <a:rPr lang="en-US" sz="2000" dirty="0" smtClean="0">
+              <a:rPr lang="en-US" sz="2000" dirty="0">
                 <a:latin typeface="Tekton Pro" pitchFamily="34" charset="0"/>
               </a:rPr>
               <a:t>Request</a:t>
             </a:r>
-            <a:endParaRPr lang="en-US" sz="2000" dirty="0">
-              <a:latin typeface="Tekton Pro" pitchFamily="34" charset="0"/>
-            </a:endParaRPr>
           </a:p>
         </p:txBody>
       </p:sp>
@@ -4854,7 +4784,7 @@
           <a:p>
             <a:pPr algn="ctr"/>
             <a:r>
-              <a:rPr lang="en-US" sz="2000" dirty="0" smtClean="0">
+              <a:rPr lang="en-US" sz="2000" dirty="0">
                 <a:latin typeface="Tekton Pro" pitchFamily="34" charset="0"/>
               </a:rPr>
               <a:t>Cares About</a:t>
@@ -4863,7 +4793,7 @@
           <a:p>
             <a:pPr algn="ctr"/>
             <a:r>
-              <a:rPr lang="en-US" sz="2000" dirty="0" smtClean="0">
+              <a:rPr lang="en-US" sz="2000" dirty="0">
                 <a:latin typeface="Tekton Pro" pitchFamily="34" charset="0"/>
               </a:rPr>
               <a:t>The </a:t>
@@ -4872,14 +4802,11 @@
           <a:p>
             <a:pPr algn="ctr"/>
             <a:r>
-              <a:rPr lang="en-US" sz="2000" dirty="0" smtClean="0">
+              <a:rPr lang="en-US" sz="2000" dirty="0">
                 <a:latin typeface="Tekton Pro" pitchFamily="34" charset="0"/>
               </a:rPr>
               <a:t>Response</a:t>
             </a:r>
-            <a:endParaRPr lang="en-US" sz="2000" dirty="0">
-              <a:latin typeface="Tekton Pro" pitchFamily="34" charset="0"/>
-            </a:endParaRPr>
           </a:p>
         </p:txBody>
       </p:sp>
@@ -4899,10 +4826,9 @@
           <a:lstStyle/>
           <a:p>
             <a:r>
-              <a:rPr lang="en-US" dirty="0" smtClean="0"/>
+              <a:rPr lang="en-US" dirty="0"/>
               <a:t>Three Categories of Middleware</a:t>
             </a:r>
-            <a:endParaRPr lang="en-US" dirty="0"/>
           </a:p>
         </p:txBody>
       </p:sp>
@@ -5095,7 +5021,7 @@
           <a:lstStyle/>
           <a:p>
             <a:r>
-              <a:rPr lang="en-US" dirty="0" err="1" smtClean="0"/>
+              <a:rPr lang="en-US" dirty="0" err="1"/>
               <a:t>UseMiddleware</a:t>
             </a:r>
             <a:endParaRPr lang="en-US" dirty="0"/>
@@ -5118,23 +5044,22 @@
           <a:lstStyle/>
           <a:p>
             <a:r>
-              <a:rPr lang="en-US" dirty="0" smtClean="0"/>
+              <a:rPr lang="en-US" dirty="0"/>
               <a:t>Encapsulate middleware in a class</a:t>
             </a:r>
           </a:p>
           <a:p>
             <a:r>
-              <a:rPr lang="en-US" dirty="0" smtClean="0"/>
+              <a:rPr lang="en-US" dirty="0"/>
               <a:t>Requires constructor and Invoke method</a:t>
             </a:r>
           </a:p>
           <a:p>
             <a:pPr lvl="1"/>
             <a:r>
-              <a:rPr lang="en-US" dirty="0" smtClean="0"/>
+              <a:rPr lang="en-US" dirty="0"/>
               <a:t>Both are injectable</a:t>
             </a:r>
-            <a:endParaRPr lang="en-US" dirty="0"/>
           </a:p>
         </p:txBody>
       </p:sp>
@@ -5175,13 +5100,6 @@
   <p:transition>
     <p:fade/>
   </p:transition>
-  <p:timing>
-    <p:tnLst>
-      <p:par>
-        <p:cTn id="1" dur="indefinite" restart="never" nodeType="tmRoot"/>
-      </p:par>
-    </p:tnLst>
-  </p:timing>
 </p:sld>
 </file>
 
@@ -5218,10 +5136,9 @@
           <a:lstStyle/>
           <a:p>
             <a:r>
-              <a:rPr lang="en-US" dirty="0" smtClean="0"/>
+              <a:rPr lang="en-US" dirty="0"/>
               <a:t>Custom Middleware</a:t>
             </a:r>
-            <a:endParaRPr lang="en-US" dirty="0"/>
           </a:p>
         </p:txBody>
       </p:sp>
@@ -5241,10 +5158,9 @@
           <a:lstStyle/>
           <a:p>
             <a:r>
-              <a:rPr lang="en-US" dirty="0" smtClean="0"/>
+              <a:rPr lang="en-US" dirty="0"/>
               <a:t>Convention is to create custom options object and Use method. </a:t>
             </a:r>
-            <a:endParaRPr lang="en-US" dirty="0"/>
           </a:p>
         </p:txBody>
       </p:sp>
@@ -5285,13 +5201,6 @@
   <p:transition>
     <p:fade/>
   </p:transition>
-  <p:timing>
-    <p:tnLst>
-      <p:par>
-        <p:cTn id="1" dur="indefinite" restart="never" nodeType="tmRoot"/>
-      </p:par>
-    </p:tnLst>
-  </p:timing>
 </p:sld>
 </file>
 
@@ -5328,10 +5237,9 @@
           <a:lstStyle/>
           <a:p>
             <a:r>
-              <a:rPr lang="en-US" dirty="0" smtClean="0"/>
+              <a:rPr lang="en-US" dirty="0"/>
               <a:t>Forking Middleware</a:t>
             </a:r>
-            <a:endParaRPr lang="en-US" dirty="0"/>
           </a:p>
         </p:txBody>
       </p:sp>
@@ -5351,11 +5259,11 @@
           <a:lstStyle/>
           <a:p>
             <a:r>
-              <a:rPr lang="en-US" dirty="0" smtClean="0"/>
+              <a:rPr lang="en-US" dirty="0"/>
               <a:t>Map and </a:t>
             </a:r>
             <a:r>
-              <a:rPr lang="en-US" dirty="0" err="1" smtClean="0"/>
+              <a:rPr lang="en-US" dirty="0" err="1"/>
               <a:t>MapWhen</a:t>
             </a:r>
             <a:endParaRPr lang="en-US" dirty="0"/>
@@ -5399,13 +5307,6 @@
   <p:transition>
     <p:fade/>
   </p:transition>
-  <p:timing>
-    <p:tnLst>
-      <p:par>
-        <p:cTn id="1" dur="indefinite" restart="never" nodeType="tmRoot"/>
-      </p:par>
-    </p:tnLst>
-  </p:timing>
 </p:sld>
 </file>
 
@@ -5518,13 +5419,6 @@
   <p:transition>
     <p:fade/>
   </p:transition>
-  <p:timing>
-    <p:tnLst>
-      <p:par>
-        <p:cTn id="1" dur="indefinite" restart="never" nodeType="tmRoot"/>
-      </p:par>
-    </p:tnLst>
-  </p:timing>
 </p:sld>
 </file>
 
@@ -5561,10 +5455,9 @@
           <a:lstStyle/>
           <a:p>
             <a:r>
-              <a:rPr lang="en-US" dirty="0" smtClean="0"/>
+              <a:rPr lang="en-US" dirty="0"/>
               <a:t>Middleware Pipelines</a:t>
             </a:r>
-            <a:endParaRPr lang="en-US" dirty="0"/>
           </a:p>
         </p:txBody>
       </p:sp>
@@ -5631,7 +5524,7 @@
           <a:p>
             <a:pPr algn="ctr"/>
             <a:r>
-              <a:rPr lang="en-US" sz="2000" dirty="0" smtClean="0">
+              <a:rPr lang="en-US" sz="2000" dirty="0">
                 <a:solidFill>
                   <a:schemeClr val="tx1"/>
                 </a:solidFill>
@@ -5639,12 +5532,6 @@
               </a:rPr>
               <a:t>Me</a:t>
             </a:r>
-            <a:endParaRPr lang="en-US" sz="2000" dirty="0">
-              <a:solidFill>
-                <a:schemeClr val="tx1"/>
-              </a:solidFill>
-              <a:latin typeface="Tekton Pro" pitchFamily="34" charset="0"/>
-            </a:endParaRPr>
           </a:p>
         </p:txBody>
       </p:sp>
@@ -5692,7 +5579,7 @@
           <a:p>
             <a:pPr algn="ctr"/>
             <a:r>
-              <a:rPr lang="en-US" sz="2000" dirty="0" smtClean="0">
+              <a:rPr lang="en-US" sz="2000" dirty="0">
                 <a:solidFill>
                   <a:schemeClr val="tx1"/>
                 </a:solidFill>
@@ -5700,12 +5587,6 @@
               </a:rPr>
               <a:t>Mom</a:t>
             </a:r>
-            <a:endParaRPr lang="en-US" sz="2000" dirty="0">
-              <a:solidFill>
-                <a:schemeClr val="tx1"/>
-              </a:solidFill>
-              <a:latin typeface="Tekton Pro" pitchFamily="34" charset="0"/>
-            </a:endParaRPr>
           </a:p>
         </p:txBody>
       </p:sp>
@@ -5753,7 +5634,7 @@
           <a:p>
             <a:pPr algn="ctr"/>
             <a:r>
-              <a:rPr lang="en-US" sz="2000" dirty="0" smtClean="0">
+              <a:rPr lang="en-US" sz="2000" dirty="0">
                 <a:solidFill>
                   <a:schemeClr val="tx1"/>
                 </a:solidFill>
@@ -5761,12 +5642,6 @@
               </a:rPr>
               <a:t>Dad</a:t>
             </a:r>
-            <a:endParaRPr lang="en-US" sz="2000" dirty="0">
-              <a:solidFill>
-                <a:schemeClr val="tx1"/>
-              </a:solidFill>
-              <a:latin typeface="Tekton Pro" pitchFamily="34" charset="0"/>
-            </a:endParaRPr>
           </a:p>
         </p:txBody>
       </p:sp>
@@ -5811,14 +5686,11 @@
           <a:p>
             <a:pPr algn="ctr"/>
             <a:r>
-              <a:rPr lang="en-US" sz="2000" dirty="0" smtClean="0">
+              <a:rPr lang="en-US" sz="2000" dirty="0">
                 <a:latin typeface="Tekton Pro" pitchFamily="34" charset="0"/>
               </a:rPr>
               <a:t>next</a:t>
             </a:r>
-            <a:endParaRPr lang="en-US" sz="2000" dirty="0">
-              <a:latin typeface="Tekton Pro" pitchFamily="34" charset="0"/>
-            </a:endParaRPr>
           </a:p>
         </p:txBody>
       </p:sp>
@@ -5863,14 +5735,11 @@
           <a:p>
             <a:pPr algn="ctr"/>
             <a:r>
-              <a:rPr lang="en-US" sz="2000" dirty="0" smtClean="0">
+              <a:rPr lang="en-US" sz="2000" dirty="0">
                 <a:latin typeface="Tekton Pro" pitchFamily="34" charset="0"/>
               </a:rPr>
               <a:t>next</a:t>
             </a:r>
-            <a:endParaRPr lang="en-US" sz="2000" dirty="0">
-              <a:latin typeface="Tekton Pro" pitchFamily="34" charset="0"/>
-            </a:endParaRPr>
           </a:p>
         </p:txBody>
       </p:sp>
@@ -5915,14 +5784,11 @@
           <a:p>
             <a:pPr algn="ctr"/>
             <a:r>
-              <a:rPr lang="en-US" sz="2000" dirty="0" smtClean="0">
+              <a:rPr lang="en-US" sz="2000" dirty="0">
                 <a:latin typeface="Tekton Pro" pitchFamily="34" charset="0"/>
               </a:rPr>
               <a:t>return</a:t>
             </a:r>
-            <a:endParaRPr lang="en-US" sz="2000" dirty="0">
-              <a:latin typeface="Tekton Pro" pitchFamily="34" charset="0"/>
-            </a:endParaRPr>
           </a:p>
         </p:txBody>
       </p:sp>
@@ -5967,14 +5833,11 @@
           <a:p>
             <a:pPr algn="ctr"/>
             <a:r>
-              <a:rPr lang="en-US" sz="2000" dirty="0" smtClean="0">
+              <a:rPr lang="en-US" sz="2000" dirty="0">
                 <a:latin typeface="Tekton Pro" pitchFamily="34" charset="0"/>
               </a:rPr>
               <a:t>return</a:t>
             </a:r>
-            <a:endParaRPr lang="en-US" sz="2000" dirty="0">
-              <a:latin typeface="Tekton Pro" pitchFamily="34" charset="0"/>
-            </a:endParaRPr>
           </a:p>
         </p:txBody>
       </p:sp>
@@ -6019,14 +5882,11 @@
           <a:p>
             <a:pPr algn="ctr"/>
             <a:r>
-              <a:rPr lang="en-US" sz="2000" dirty="0" smtClean="0">
+              <a:rPr lang="en-US" sz="2000" dirty="0">
                 <a:latin typeface="Tekton Pro" pitchFamily="34" charset="0"/>
               </a:rPr>
               <a:t>POST /corn</a:t>
             </a:r>
-            <a:endParaRPr lang="en-US" sz="2000" dirty="0">
-              <a:latin typeface="Tekton Pro" pitchFamily="34" charset="0"/>
-            </a:endParaRPr>
           </a:p>
         </p:txBody>
       </p:sp>
@@ -6071,14 +5931,11 @@
           <a:p>
             <a:pPr algn="ctr"/>
             <a:r>
-              <a:rPr lang="en-US" sz="2000" dirty="0" smtClean="0">
+              <a:rPr lang="en-US" sz="2000" dirty="0">
                 <a:latin typeface="Tekton Pro" pitchFamily="34" charset="0"/>
               </a:rPr>
               <a:t>POST /corn</a:t>
             </a:r>
-            <a:endParaRPr lang="en-US" sz="2000" dirty="0">
-              <a:latin typeface="Tekton Pro" pitchFamily="34" charset="0"/>
-            </a:endParaRPr>
           </a:p>
         </p:txBody>
       </p:sp>
@@ -6123,14 +5980,11 @@
           <a:p>
             <a:pPr algn="ctr"/>
             <a:r>
-              <a:rPr lang="en-US" sz="2000" dirty="0" smtClean="0">
+              <a:rPr lang="en-US" sz="2000" dirty="0">
                 <a:latin typeface="Tekton Pro" pitchFamily="34" charset="0"/>
               </a:rPr>
               <a:t>POST /corn</a:t>
             </a:r>
-            <a:endParaRPr lang="en-US" sz="2000" dirty="0">
-              <a:latin typeface="Tekton Pro" pitchFamily="34" charset="0"/>
-            </a:endParaRPr>
           </a:p>
         </p:txBody>
       </p:sp>
@@ -6175,7 +6029,7 @@
           <a:p>
             <a:pPr algn="ctr"/>
             <a:r>
-              <a:rPr lang="en-US" sz="1400" dirty="0" smtClean="0">
+              <a:rPr lang="en-US" sz="1400" dirty="0">
                 <a:latin typeface="Tekton Pro" pitchFamily="34" charset="0"/>
               </a:rPr>
               <a:t>HTTP/1.0 200 OK</a:t>
@@ -6184,7 +6038,7 @@
           <a:p>
             <a:pPr algn="ctr"/>
             <a:r>
-              <a:rPr lang="en-US" sz="1400" dirty="0" smtClean="0">
+              <a:rPr lang="en-US" sz="1400" dirty="0">
                 <a:latin typeface="Tekton Pro" pitchFamily="34" charset="0"/>
               </a:rPr>
               <a:t>&lt;html&gt;</a:t>
@@ -6193,7 +6047,7 @@
           <a:p>
             <a:pPr algn="ctr"/>
             <a:r>
-              <a:rPr lang="en-US" sz="1400" dirty="0" smtClean="0">
+              <a:rPr lang="en-US" sz="1400" dirty="0">
                 <a:latin typeface="Tekton Pro" pitchFamily="34" charset="0"/>
               </a:rPr>
               <a:t>….</a:t>
@@ -6202,14 +6056,11 @@
           <a:p>
             <a:pPr algn="ctr"/>
             <a:r>
-              <a:rPr lang="en-US" sz="1400" dirty="0" smtClean="0">
+              <a:rPr lang="en-US" sz="1400" dirty="0">
                 <a:latin typeface="Tekton Pro" pitchFamily="34" charset="0"/>
               </a:rPr>
               <a:t>&lt;/html&gt;</a:t>
             </a:r>
-            <a:endParaRPr lang="en-US" sz="1400" dirty="0">
-              <a:latin typeface="Tekton Pro" pitchFamily="34" charset="0"/>
-            </a:endParaRPr>
           </a:p>
         </p:txBody>
       </p:sp>
@@ -6254,7 +6105,7 @@
           <a:p>
             <a:pPr algn="ctr"/>
             <a:r>
-              <a:rPr lang="en-US" sz="1400" dirty="0" smtClean="0">
+              <a:rPr lang="en-US" sz="1400" dirty="0">
                 <a:latin typeface="Tekton Pro" pitchFamily="34" charset="0"/>
               </a:rPr>
               <a:t>HTTP/1.0 200 OK</a:t>
@@ -6263,7 +6114,7 @@
           <a:p>
             <a:pPr algn="ctr"/>
             <a:r>
-              <a:rPr lang="en-US" sz="1400" dirty="0" smtClean="0">
+              <a:rPr lang="en-US" sz="1400" dirty="0">
                 <a:latin typeface="Tekton Pro" pitchFamily="34" charset="0"/>
               </a:rPr>
               <a:t>&lt;html&gt;</a:t>
@@ -6272,7 +6123,7 @@
           <a:p>
             <a:pPr algn="ctr"/>
             <a:r>
-              <a:rPr lang="en-US" sz="1400" dirty="0" smtClean="0">
+              <a:rPr lang="en-US" sz="1400" dirty="0">
                 <a:latin typeface="Tekton Pro" pitchFamily="34" charset="0"/>
               </a:rPr>
               <a:t>….</a:t>
@@ -6281,14 +6132,11 @@
           <a:p>
             <a:pPr algn="ctr"/>
             <a:r>
-              <a:rPr lang="en-US" sz="1400" dirty="0" smtClean="0">
+              <a:rPr lang="en-US" sz="1400" dirty="0">
                 <a:latin typeface="Tekton Pro" pitchFamily="34" charset="0"/>
               </a:rPr>
               <a:t>&lt;/html&gt;</a:t>
             </a:r>
-            <a:endParaRPr lang="en-US" sz="1400" dirty="0">
-              <a:latin typeface="Tekton Pro" pitchFamily="34" charset="0"/>
-            </a:endParaRPr>
           </a:p>
         </p:txBody>
       </p:sp>
@@ -6333,7 +6181,7 @@
           <a:p>
             <a:pPr algn="ctr"/>
             <a:r>
-              <a:rPr lang="en-US" sz="1400" dirty="0" smtClean="0">
+              <a:rPr lang="en-US" sz="1400" dirty="0">
                 <a:latin typeface="Tekton Pro" pitchFamily="34" charset="0"/>
               </a:rPr>
               <a:t>HTTP/1.0 200 OK</a:t>
@@ -6342,7 +6190,7 @@
           <a:p>
             <a:pPr algn="ctr"/>
             <a:r>
-              <a:rPr lang="en-US" sz="1400" dirty="0" smtClean="0">
+              <a:rPr lang="en-US" sz="1400" dirty="0">
                 <a:latin typeface="Tekton Pro" pitchFamily="34" charset="0"/>
               </a:rPr>
               <a:t>&lt;html&gt;</a:t>
@@ -6351,7 +6199,7 @@
           <a:p>
             <a:pPr algn="ctr"/>
             <a:r>
-              <a:rPr lang="en-US" sz="1400" dirty="0" smtClean="0">
+              <a:rPr lang="en-US" sz="1400" dirty="0">
                 <a:latin typeface="Tekton Pro" pitchFamily="34" charset="0"/>
               </a:rPr>
               <a:t>….</a:t>
@@ -6360,14 +6208,11 @@
           <a:p>
             <a:pPr algn="ctr"/>
             <a:r>
-              <a:rPr lang="en-US" sz="1400" dirty="0" smtClean="0">
+              <a:rPr lang="en-US" sz="1400" dirty="0">
                 <a:latin typeface="Tekton Pro" pitchFamily="34" charset="0"/>
               </a:rPr>
               <a:t>&lt;/html&gt;</a:t>
             </a:r>
-            <a:endParaRPr lang="en-US" sz="1400" dirty="0">
-              <a:latin typeface="Tekton Pro" pitchFamily="34" charset="0"/>
-            </a:endParaRPr>
           </a:p>
         </p:txBody>
       </p:sp>
@@ -6992,7 +6837,7 @@
           <a:lstStyle/>
           <a:p>
             <a:r>
-              <a:rPr lang="en-US" dirty="0" err="1" smtClean="0"/>
+              <a:rPr lang="en-US" dirty="0" err="1"/>
               <a:t>UsePlatformHandler</a:t>
             </a:r>
             <a:endParaRPr lang="en-US" dirty="0"/>
@@ -7015,10 +6860,9 @@
           <a:lstStyle/>
           <a:p>
             <a:r>
-              <a:rPr lang="en-US" dirty="0" smtClean="0"/>
+              <a:rPr lang="en-US" dirty="0"/>
               <a:t>Required for Windows authentication</a:t>
             </a:r>
-            <a:endParaRPr lang="en-US" dirty="0"/>
           </a:p>
         </p:txBody>
       </p:sp>
@@ -7063,14 +6907,11 @@
           <a:p>
             <a:pPr algn="ctr"/>
             <a:r>
-              <a:rPr lang="en-US" sz="2000" dirty="0" smtClean="0">
+              <a:rPr lang="en-US" sz="2000" dirty="0">
                 <a:latin typeface="Tekton Pro" pitchFamily="34" charset="0"/>
               </a:rPr>
               <a:t>IIS</a:t>
             </a:r>
-            <a:endParaRPr lang="en-US" sz="2000" dirty="0">
-              <a:latin typeface="Tekton Pro" pitchFamily="34" charset="0"/>
-            </a:endParaRPr>
           </a:p>
         </p:txBody>
       </p:sp>
@@ -7115,20 +6956,17 @@
           <a:p>
             <a:pPr algn="ctr"/>
             <a:r>
-              <a:rPr lang="en-US" dirty="0" err="1" smtClean="0">
+              <a:rPr lang="en-US" dirty="0" err="1">
                 <a:latin typeface="Tekton Pro" pitchFamily="34" charset="0"/>
               </a:rPr>
               <a:t>Auth</a:t>
             </a:r>
             <a:r>
-              <a:rPr lang="en-US" dirty="0" smtClean="0">
+              <a:rPr lang="en-US" dirty="0">
                 <a:latin typeface="Tekton Pro" pitchFamily="34" charset="0"/>
               </a:rPr>
               <a:t> ticket</a:t>
             </a:r>
-            <a:endParaRPr lang="en-US" dirty="0">
-              <a:latin typeface="Tekton Pro" pitchFamily="34" charset="0"/>
-            </a:endParaRPr>
           </a:p>
         </p:txBody>
       </p:sp>
@@ -7226,7 +7064,7 @@
           <a:p>
             <a:pPr algn="ctr"/>
             <a:r>
-              <a:rPr lang="en-US" sz="2000" dirty="0" smtClean="0">
+              <a:rPr lang="en-US" sz="2000" dirty="0">
                 <a:latin typeface="Tekton Pro" pitchFamily="34" charset="0"/>
               </a:rPr>
               <a:t>App</a:t>
@@ -7235,14 +7073,11 @@
           <a:p>
             <a:pPr algn="ctr"/>
             <a:r>
-              <a:rPr lang="en-US" sz="2000" dirty="0" smtClean="0">
+              <a:rPr lang="en-US" sz="2000" dirty="0">
                 <a:latin typeface="Tekton Pro" pitchFamily="34" charset="0"/>
               </a:rPr>
               <a:t>Process</a:t>
             </a:r>
-            <a:endParaRPr lang="en-US" sz="2000" dirty="0">
-              <a:latin typeface="Tekton Pro" pitchFamily="34" charset="0"/>
-            </a:endParaRPr>
           </a:p>
         </p:txBody>
       </p:sp>
@@ -7357,7 +7192,7 @@
           <a:p>
             <a:pPr algn="ctr"/>
             <a:r>
-              <a:rPr lang="en-US" sz="1200" dirty="0" err="1" smtClean="0">
+              <a:rPr lang="en-US" sz="1200" dirty="0" err="1">
                 <a:latin typeface="Tekton Pro" pitchFamily="34" charset="0"/>
               </a:rPr>
               <a:t>WindowsPrincipal</a:t>
@@ -7409,7 +7244,7 @@
           <a:p>
             <a:pPr algn="ctr"/>
             <a:r>
-              <a:rPr lang="en-US" sz="1200" dirty="0" smtClean="0">
+              <a:rPr lang="en-US" sz="1200" dirty="0">
                 <a:latin typeface="Tekton Pro" pitchFamily="34" charset="0"/>
               </a:rPr>
               <a:t>IIS Platform Handler</a:t>
@@ -7418,7 +7253,7 @@
           <a:p>
             <a:pPr algn="ctr"/>
             <a:r>
-              <a:rPr lang="en-US" sz="1200" dirty="0" err="1" smtClean="0">
+              <a:rPr lang="en-US" sz="1200" dirty="0" err="1">
                 <a:latin typeface="Tekton Pro" pitchFamily="34" charset="0"/>
               </a:rPr>
               <a:t>forwardWindowsAuthToken</a:t>
@@ -7869,10 +7704,9 @@
           <a:lstStyle/>
           <a:p>
             <a:r>
-              <a:rPr lang="en-US" dirty="0" smtClean="0"/>
+              <a:rPr lang="en-US" dirty="0"/>
               <a:t>Serving Static Files</a:t>
             </a:r>
-            <a:endParaRPr lang="en-US" dirty="0"/>
           </a:p>
         </p:txBody>
       </p:sp>
@@ -7892,32 +7726,32 @@
           <a:lstStyle/>
           <a:p>
             <a:r>
-              <a:rPr lang="en-US" dirty="0" err="1" smtClean="0"/>
+              <a:rPr lang="en-US" dirty="0" err="1"/>
               <a:t>Microsoft.AspNet.Static</a:t>
             </a:r>
             <a:r>
-              <a:rPr lang="en-US" dirty="0" smtClean="0"/>
+              <a:rPr lang="en-US" dirty="0"/>
               <a:t> files package</a:t>
             </a:r>
           </a:p>
           <a:p>
             <a:pPr lvl="1"/>
             <a:r>
-              <a:rPr lang="en-US" dirty="0" smtClean="0"/>
+              <a:rPr lang="en-US" dirty="0"/>
               <a:t>Serve static files</a:t>
             </a:r>
           </a:p>
           <a:p>
             <a:pPr lvl="1"/>
             <a:r>
-              <a:rPr lang="en-US" dirty="0" smtClean="0"/>
+              <a:rPr lang="en-US" dirty="0"/>
               <a:t>Directory browsing</a:t>
             </a:r>
           </a:p>
           <a:p>
             <a:pPr lvl="1"/>
             <a:r>
-              <a:rPr lang="en-US" dirty="0" smtClean="0"/>
+              <a:rPr lang="en-US" dirty="0"/>
               <a:t>Default files</a:t>
             </a:r>
           </a:p>
@@ -7960,13 +7794,6 @@
   <p:transition>
     <p:fade/>
   </p:transition>
-  <p:timing>
-    <p:tnLst>
-      <p:par>
-        <p:cTn id="1" dur="indefinite" restart="never" nodeType="tmRoot"/>
-      </p:par>
-    </p:tnLst>
-  </p:timing>
 </p:sld>
 </file>
 
@@ -8003,10 +7830,9 @@
           <a:lstStyle/>
           <a:p>
             <a:r>
-              <a:rPr lang="en-US" dirty="0" smtClean="0"/>
+              <a:rPr lang="en-US" dirty="0"/>
               <a:t>Errors and Diagnostics</a:t>
             </a:r>
-            <a:endParaRPr lang="en-US" dirty="0"/>
           </a:p>
         </p:txBody>
       </p:sp>
@@ -8026,46 +7852,46 @@
           <a:lstStyle/>
           <a:p>
             <a:r>
-              <a:rPr lang="en-US" dirty="0" err="1" smtClean="0"/>
+              <a:rPr lang="en-US" dirty="0" err="1"/>
               <a:t>Microsoft.AspNet.Diagnostics</a:t>
             </a:r>
             <a:r>
-              <a:rPr lang="en-US" dirty="0" smtClean="0"/>
+              <a:rPr lang="en-US" dirty="0"/>
               <a:t> package</a:t>
             </a:r>
           </a:p>
           <a:p>
             <a:pPr lvl="1"/>
             <a:r>
-              <a:rPr lang="en-US" dirty="0" smtClean="0"/>
+              <a:rPr lang="en-US" dirty="0"/>
               <a:t>Developer exception page</a:t>
             </a:r>
           </a:p>
           <a:p>
             <a:pPr lvl="1"/>
             <a:r>
-              <a:rPr lang="en-US" dirty="0" smtClean="0"/>
+              <a:rPr lang="en-US" dirty="0"/>
               <a:t>Production error page</a:t>
             </a:r>
           </a:p>
           <a:p>
             <a:pPr lvl="1"/>
             <a:r>
-              <a:rPr lang="en-US" dirty="0" smtClean="0"/>
+              <a:rPr lang="en-US" dirty="0"/>
               <a:t>Runtime info page</a:t>
             </a:r>
           </a:p>
           <a:p>
             <a:pPr lvl="1"/>
             <a:r>
-              <a:rPr lang="en-US" dirty="0" smtClean="0"/>
+              <a:rPr lang="en-US" dirty="0"/>
               <a:t>Welcome page</a:t>
             </a:r>
           </a:p>
           <a:p>
             <a:pPr lvl="1"/>
             <a:r>
-              <a:rPr lang="en-US" dirty="0" smtClean="0"/>
+              <a:rPr lang="en-US" dirty="0"/>
               <a:t>Status code mapping</a:t>
             </a:r>
           </a:p>
@@ -8108,13 +7934,6 @@
   <p:transition>
     <p:fade/>
   </p:transition>
-  <p:timing>
-    <p:tnLst>
-      <p:par>
-        <p:cTn id="1" dur="indefinite" restart="never" nodeType="tmRoot"/>
-      </p:par>
-    </p:tnLst>
-  </p:timing>
 </p:sld>
 </file>
 
@@ -8151,10 +7970,9 @@
           <a:lstStyle/>
           <a:p>
             <a:r>
-              <a:rPr lang="en-US" dirty="0" smtClean="0"/>
+              <a:rPr lang="en-US" dirty="0"/>
               <a:t>CORS</a:t>
             </a:r>
-            <a:endParaRPr lang="en-US" dirty="0"/>
           </a:p>
         </p:txBody>
       </p:sp>
@@ -8174,15 +7992,15 @@
           <a:lstStyle/>
           <a:p>
             <a:r>
-              <a:rPr lang="en-US" dirty="0" err="1" smtClean="0"/>
+              <a:rPr lang="en-US" dirty="0" err="1"/>
               <a:t>Microsoft.AspNet.Cors</a:t>
             </a:r>
-            <a:endParaRPr lang="en-US" dirty="0" smtClean="0"/>
+            <a:endParaRPr lang="en-US" dirty="0"/>
           </a:p>
           <a:p>
             <a:pPr lvl="1"/>
             <a:r>
-              <a:rPr lang="en-US" dirty="0" smtClean="0"/>
+              <a:rPr lang="en-US" dirty="0"/>
               <a:t>Add services and middleware</a:t>
             </a:r>
           </a:p>
@@ -8225,13 +8043,6 @@
   <p:transition>
     <p:fade/>
   </p:transition>
-  <p:timing>
-    <p:tnLst>
-      <p:par>
-        <p:cTn id="1" dur="indefinite" restart="never" nodeType="tmRoot"/>
-      </p:par>
-    </p:tnLst>
-  </p:timing>
 </p:sld>
 </file>
 
@@ -8268,10 +8079,9 @@
           <a:lstStyle/>
           <a:p>
             <a:r>
-              <a:rPr lang="en-US" dirty="0" smtClean="0"/>
+              <a:rPr lang="en-US" dirty="0"/>
               <a:t>Session</a:t>
             </a:r>
-            <a:endParaRPr lang="en-US" dirty="0"/>
           </a:p>
         </p:txBody>
       </p:sp>
@@ -8291,43 +8101,42 @@
           <a:lstStyle/>
           <a:p>
             <a:r>
-              <a:rPr lang="en-US" dirty="0" err="1" smtClean="0"/>
+              <a:rPr lang="en-US" dirty="0" err="1"/>
               <a:t>Microsoft.AspNet.Session</a:t>
             </a:r>
-            <a:endParaRPr lang="en-US" dirty="0" smtClean="0"/>
+            <a:endParaRPr lang="en-US" dirty="0"/>
           </a:p>
           <a:p>
             <a:pPr lvl="1"/>
             <a:r>
-              <a:rPr lang="en-US" dirty="0" smtClean="0"/>
+              <a:rPr lang="en-US" dirty="0"/>
               <a:t>Add services and middleware</a:t>
             </a:r>
           </a:p>
           <a:p>
             <a:pPr lvl="1"/>
             <a:r>
-              <a:rPr lang="en-US" dirty="0" smtClean="0"/>
+              <a:rPr lang="en-US" dirty="0"/>
               <a:t>Also requires a cache service</a:t>
             </a:r>
           </a:p>
           <a:p>
             <a:r>
-              <a:rPr lang="en-US" dirty="0" smtClean="0"/>
+              <a:rPr lang="en-US" dirty="0"/>
               <a:t> </a:t>
             </a:r>
             <a:r>
-              <a:rPr lang="en-US" dirty="0" err="1" smtClean="0"/>
+              <a:rPr lang="en-US" dirty="0" err="1"/>
               <a:t>Microsoft.Extensions.Caching.Memory</a:t>
             </a:r>
-            <a:endParaRPr lang="en-US" dirty="0" smtClean="0"/>
+            <a:endParaRPr lang="en-US" dirty="0"/>
           </a:p>
           <a:p>
             <a:pPr lvl="1"/>
             <a:r>
-              <a:rPr lang="en-US" dirty="0" smtClean="0"/>
+              <a:rPr lang="en-US" dirty="0"/>
               <a:t>Implements an in-memory cache service</a:t>
             </a:r>
-            <a:endParaRPr lang="en-US" dirty="0"/>
           </a:p>
         </p:txBody>
       </p:sp>
@@ -8392,13 +8201,6 @@
   <p:transition>
     <p:fade/>
   </p:transition>
-  <p:timing>
-    <p:tnLst>
-      <p:par>
-        <p:cTn id="1" dur="indefinite" restart="never" nodeType="tmRoot"/>
-      </p:par>
-    </p:tnLst>
-  </p:timing>
 </p:sld>
 </file>
 
@@ -8435,10 +8237,9 @@
           <a:lstStyle/>
           <a:p>
             <a:r>
-              <a:rPr lang="en-US" dirty="0" smtClean="0"/>
+              <a:rPr lang="en-US" dirty="0"/>
               <a:t>Authentication</a:t>
             </a:r>
-            <a:endParaRPr lang="en-US" dirty="0"/>
           </a:p>
         </p:txBody>
       </p:sp>
@@ -8458,37 +8259,37 @@
           <a:lstStyle/>
           <a:p>
             <a:r>
-              <a:rPr lang="en-US" dirty="0" smtClean="0"/>
+              <a:rPr lang="en-US" dirty="0"/>
               <a:t>Microsoft.Authentication.*</a:t>
             </a:r>
           </a:p>
           <a:p>
             <a:pPr lvl="1"/>
             <a:r>
-              <a:rPr lang="en-US" dirty="0" smtClean="0"/>
+              <a:rPr lang="en-US" dirty="0"/>
               <a:t>Cookies, JWT Bearer</a:t>
             </a:r>
           </a:p>
           <a:p>
             <a:r>
-              <a:rPr lang="en-US" dirty="0" smtClean="0"/>
+              <a:rPr lang="en-US" dirty="0"/>
               <a:t>OAuth and OpenID</a:t>
             </a:r>
           </a:p>
           <a:p>
             <a:pPr lvl="1"/>
             <a:r>
-              <a:rPr lang="en-US" dirty="0" smtClean="0"/>
+              <a:rPr lang="en-US" dirty="0"/>
               <a:t>Google, Twitter, Facebook, Microsoft, OAuth*</a:t>
             </a:r>
           </a:p>
           <a:p>
             <a:r>
-              <a:rPr lang="en-US" dirty="0" smtClean="0"/>
+              <a:rPr lang="en-US" dirty="0"/>
               <a:t>Middleware works with Authentication property of </a:t>
             </a:r>
             <a:r>
-              <a:rPr lang="en-US" dirty="0" err="1" smtClean="0"/>
+              <a:rPr lang="en-US" dirty="0" err="1"/>
               <a:t>HttpContext</a:t>
             </a:r>
             <a:endParaRPr lang="en-US" dirty="0"/>
@@ -8532,13 +8333,6 @@
   <p:transition>
     <p:fade/>
   </p:transition>
-  <p:timing>
-    <p:tnLst>
-      <p:par>
-        <p:cTn id="1" dur="indefinite" restart="never" nodeType="tmRoot"/>
-      </p:par>
-    </p:tnLst>
-  </p:timing>
 </p:sld>
 </file>
 
@@ -8575,11 +8369,11 @@
           <a:lstStyle/>
           <a:p>
             <a:r>
-              <a:rPr lang="en-US" dirty="0" smtClean="0"/>
+              <a:rPr lang="en-US" dirty="0"/>
               <a:t>Using </a:t>
             </a:r>
             <a:r>
-              <a:rPr lang="en-US" dirty="0" err="1" smtClean="0"/>
+              <a:rPr lang="en-US" dirty="0" err="1"/>
               <a:t>HttpContext.Authentication</a:t>
             </a:r>
             <a:endParaRPr lang="en-US" dirty="0"/>
@@ -8642,13 +8436,6 @@
   <p:transition>
     <p:fade/>
   </p:transition>
-  <p:timing>
-    <p:tnLst>
-      <p:par>
-        <p:cTn id="1" dur="indefinite" restart="never" nodeType="tmRoot"/>
-      </p:par>
-    </p:tnLst>
-  </p:timing>
 </p:sld>
 </file>
 
@@ -8685,10 +8472,9 @@
           <a:lstStyle/>
           <a:p>
             <a:r>
-              <a:rPr lang="en-US" dirty="0" smtClean="0"/>
+              <a:rPr lang="en-US" dirty="0"/>
               <a:t>Example: Protecting a Folder</a:t>
             </a:r>
-            <a:endParaRPr lang="en-US" dirty="0"/>
           </a:p>
         </p:txBody>
       </p:sp>
@@ -8748,13 +8534,6 @@
   <p:transition>
     <p:fade/>
   </p:transition>
-  <p:timing>
-    <p:tnLst>
-      <p:par>
-        <p:cTn id="1" dur="indefinite" restart="never" nodeType="tmRoot"/>
-      </p:par>
-    </p:tnLst>
-  </p:timing>
 </p:sld>
 </file>
 
@@ -8791,10 +8570,9 @@
           <a:lstStyle/>
           <a:p>
             <a:r>
-              <a:rPr lang="en-US" dirty="0" smtClean="0"/>
+              <a:rPr lang="en-US" dirty="0"/>
               <a:t>Identity</a:t>
             </a:r>
-            <a:endParaRPr lang="en-US" dirty="0"/>
           </a:p>
         </p:txBody>
       </p:sp>
@@ -8814,25 +8592,24 @@
           <a:lstStyle/>
           <a:p>
             <a:r>
-              <a:rPr lang="en-US" dirty="0" smtClean="0"/>
+              <a:rPr lang="en-US" dirty="0"/>
               <a:t>Identity adds a layer of abstraction over authentication mechanisms</a:t>
             </a:r>
           </a:p>
           <a:p>
             <a:pPr lvl="1"/>
             <a:r>
-              <a:rPr lang="en-US" dirty="0" smtClean="0"/>
+              <a:rPr lang="en-US" dirty="0"/>
               <a:t>Middleware uses various cookie </a:t>
             </a:r>
             <a:r>
-              <a:rPr lang="en-US" dirty="0" err="1" smtClean="0"/>
+              <a:rPr lang="en-US" dirty="0" err="1"/>
               <a:t>auth</a:t>
             </a:r>
             <a:r>
-              <a:rPr lang="en-US" dirty="0" smtClean="0"/>
+              <a:rPr lang="en-US" dirty="0"/>
               <a:t> middleware</a:t>
             </a:r>
-            <a:endParaRPr lang="en-US" dirty="0"/>
           </a:p>
         </p:txBody>
       </p:sp>
@@ -8897,13 +8674,6 @@
   <p:transition>
     <p:fade/>
   </p:transition>
-  <p:timing>
-    <p:tnLst>
-      <p:par>
-        <p:cTn id="1" dur="indefinite" restart="never" nodeType="tmRoot"/>
-      </p:par>
-    </p:tnLst>
-  </p:timing>
 </p:sld>
 </file>
 
@@ -8940,10 +8710,9 @@
           <a:lstStyle/>
           <a:p>
             <a:r>
-              <a:rPr lang="en-US" dirty="0" smtClean="0"/>
+              <a:rPr lang="en-US" dirty="0"/>
               <a:t>Allen Family Food Processing</a:t>
             </a:r>
-            <a:endParaRPr lang="en-US" dirty="0"/>
           </a:p>
         </p:txBody>
       </p:sp>
@@ -8991,7 +8760,7 @@
           <a:p>
             <a:pPr algn="ctr"/>
             <a:r>
-              <a:rPr lang="en-US" sz="2000" dirty="0" smtClean="0">
+              <a:rPr lang="en-US" sz="2000" dirty="0">
                 <a:solidFill>
                   <a:schemeClr val="tx1"/>
                 </a:solidFill>
@@ -8999,12 +8768,6 @@
               </a:rPr>
               <a:t>Me</a:t>
             </a:r>
-            <a:endParaRPr lang="en-US" sz="2000" dirty="0">
-              <a:solidFill>
-                <a:schemeClr val="tx1"/>
-              </a:solidFill>
-              <a:latin typeface="Tekton Pro" pitchFamily="34" charset="0"/>
-            </a:endParaRPr>
           </a:p>
         </p:txBody>
       </p:sp>
@@ -9052,7 +8815,7 @@
           <a:p>
             <a:pPr algn="ctr"/>
             <a:r>
-              <a:rPr lang="en-US" sz="2000" dirty="0" smtClean="0">
+              <a:rPr lang="en-US" sz="2000" dirty="0">
                 <a:solidFill>
                   <a:schemeClr val="tx1"/>
                 </a:solidFill>
@@ -9060,12 +8823,6 @@
               </a:rPr>
               <a:t>Mom</a:t>
             </a:r>
-            <a:endParaRPr lang="en-US" sz="2000" dirty="0">
-              <a:solidFill>
-                <a:schemeClr val="tx1"/>
-              </a:solidFill>
-              <a:latin typeface="Tekton Pro" pitchFamily="34" charset="0"/>
-            </a:endParaRPr>
           </a:p>
         </p:txBody>
       </p:sp>
@@ -9113,7 +8870,7 @@
           <a:p>
             <a:pPr algn="ctr"/>
             <a:r>
-              <a:rPr lang="en-US" sz="2000" dirty="0" smtClean="0">
+              <a:rPr lang="en-US" sz="2000" dirty="0">
                 <a:solidFill>
                   <a:schemeClr val="tx1"/>
                 </a:solidFill>
@@ -9121,12 +8878,6 @@
               </a:rPr>
               <a:t>Dad</a:t>
             </a:r>
-            <a:endParaRPr lang="en-US" sz="2000" dirty="0">
-              <a:solidFill>
-                <a:schemeClr val="tx1"/>
-              </a:solidFill>
-              <a:latin typeface="Tekton Pro" pitchFamily="34" charset="0"/>
-            </a:endParaRPr>
           </a:p>
         </p:txBody>
       </p:sp>
@@ -9212,14 +8963,11 @@
           <a:p>
             <a:pPr algn="ctr"/>
             <a:r>
-              <a:rPr lang="en-US" sz="2000" dirty="0" smtClean="0">
+              <a:rPr lang="en-US" sz="2000" dirty="0">
                 <a:latin typeface="Tekton Pro" pitchFamily="34" charset="0"/>
               </a:rPr>
               <a:t>next</a:t>
             </a:r>
-            <a:endParaRPr lang="en-US" sz="2000" dirty="0">
-              <a:latin typeface="Tekton Pro" pitchFamily="34" charset="0"/>
-            </a:endParaRPr>
           </a:p>
         </p:txBody>
       </p:sp>
@@ -9305,14 +9053,11 @@
           <a:p>
             <a:pPr algn="ctr"/>
             <a:r>
-              <a:rPr lang="en-US" sz="2000" dirty="0" smtClean="0">
+              <a:rPr lang="en-US" sz="2000" dirty="0">
                 <a:latin typeface="Tekton Pro" pitchFamily="34" charset="0"/>
               </a:rPr>
               <a:t>next</a:t>
             </a:r>
-            <a:endParaRPr lang="en-US" sz="2000" dirty="0">
-              <a:latin typeface="Tekton Pro" pitchFamily="34" charset="0"/>
-            </a:endParaRPr>
           </a:p>
         </p:txBody>
       </p:sp>
@@ -9357,14 +9102,11 @@
           <a:p>
             <a:pPr algn="ctr"/>
             <a:r>
-              <a:rPr lang="en-US" sz="2000" dirty="0" smtClean="0">
+              <a:rPr lang="en-US" sz="2000" dirty="0">
                 <a:latin typeface="Tekton Pro" pitchFamily="34" charset="0"/>
               </a:rPr>
               <a:t>return</a:t>
             </a:r>
-            <a:endParaRPr lang="en-US" sz="2000" dirty="0">
-              <a:latin typeface="Tekton Pro" pitchFamily="34" charset="0"/>
-            </a:endParaRPr>
           </a:p>
         </p:txBody>
       </p:sp>
@@ -9532,14 +9274,11 @@
           <a:p>
             <a:pPr algn="ctr"/>
             <a:r>
-              <a:rPr lang="en-US" sz="2000" dirty="0" smtClean="0">
+              <a:rPr lang="en-US" sz="2000" dirty="0">
                 <a:latin typeface="Tekton Pro" pitchFamily="34" charset="0"/>
               </a:rPr>
               <a:t>return</a:t>
             </a:r>
-            <a:endParaRPr lang="en-US" sz="2000" dirty="0">
-              <a:latin typeface="Tekton Pro" pitchFamily="34" charset="0"/>
-            </a:endParaRPr>
           </a:p>
         </p:txBody>
       </p:sp>
@@ -10361,10 +10100,9 @@
           <a:lstStyle/>
           <a:p>
             <a:r>
-              <a:rPr lang="en-US" dirty="0" smtClean="0"/>
+              <a:rPr lang="en-US" dirty="0"/>
               <a:t>MVC</a:t>
             </a:r>
-            <a:endParaRPr lang="en-US" dirty="0"/>
           </a:p>
         </p:txBody>
       </p:sp>
@@ -10384,10 +10122,9 @@
           <a:lstStyle/>
           <a:p>
             <a:r>
-              <a:rPr lang="en-US" dirty="0" smtClean="0"/>
+              <a:rPr lang="en-US" dirty="0"/>
               <a:t>MVC middleware enables controller routing</a:t>
             </a:r>
-            <a:endParaRPr lang="en-US" dirty="0"/>
           </a:p>
         </p:txBody>
       </p:sp>
@@ -10428,13 +10165,6 @@
   <p:transition>
     <p:fade/>
   </p:transition>
-  <p:timing>
-    <p:tnLst>
-      <p:par>
-        <p:cTn id="1" dur="indefinite" restart="never" nodeType="tmRoot"/>
-      </p:par>
-    </p:tnLst>
-  </p:timing>
 </p:sld>
 </file>
 
@@ -10471,10 +10201,9 @@
           <a:lstStyle/>
           <a:p>
             <a:r>
-              <a:rPr lang="en-US" dirty="0" smtClean="0"/>
+              <a:rPr lang="en-US" dirty="0"/>
               <a:t>Testing Middleware</a:t>
             </a:r>
-            <a:endParaRPr lang="en-US" dirty="0"/>
           </a:p>
         </p:txBody>
       </p:sp>
@@ -10494,14 +10223,14 @@
           <a:lstStyle/>
           <a:p>
             <a:r>
-              <a:rPr lang="en-US" dirty="0" smtClean="0"/>
+              <a:rPr lang="en-US" dirty="0"/>
               <a:t>Use package </a:t>
             </a:r>
             <a:r>
-              <a:rPr lang="en-US" dirty="0" err="1" smtClean="0"/>
+              <a:rPr lang="en-US" dirty="0" err="1"/>
               <a:t>Microsoft.AspNet.TestHost</a:t>
             </a:r>
-            <a:endParaRPr lang="en-US" dirty="0" smtClean="0"/>
+            <a:endParaRPr lang="en-US" dirty="0"/>
           </a:p>
           <a:p>
             <a:pPr lvl="1"/>
@@ -10689,10 +10418,9 @@
           <a:lstStyle/>
           <a:p>
             <a:r>
-              <a:rPr lang="en-US" dirty="0" smtClean="0"/>
+              <a:rPr lang="en-US" dirty="0"/>
               <a:t>Tip: Order is Important</a:t>
             </a:r>
-            <a:endParaRPr lang="en-US" dirty="0"/>
           </a:p>
         </p:txBody>
       </p:sp>
@@ -10752,13 +10480,6 @@
   <p:transition>
     <p:fade/>
   </p:transition>
-  <p:timing>
-    <p:tnLst>
-      <p:par>
-        <p:cTn id="1" dur="indefinite" restart="never" nodeType="tmRoot"/>
-      </p:par>
-    </p:tnLst>
-  </p:timing>
 </p:sld>
 </file>
 
@@ -10795,11 +10516,11 @@
           <a:lstStyle/>
           <a:p>
             <a:r>
-              <a:rPr lang="en-US" dirty="0" smtClean="0"/>
+              <a:rPr lang="en-US" dirty="0"/>
               <a:t>Tip: Check </a:t>
             </a:r>
             <a:r>
-              <a:rPr lang="en-US" dirty="0" err="1" smtClean="0"/>
+              <a:rPr lang="en-US" dirty="0" err="1"/>
               <a:t>Response.HasStarted</a:t>
             </a:r>
             <a:endParaRPr lang="en-US" dirty="0"/>
@@ -10862,13 +10583,6 @@
   <p:transition>
     <p:fade/>
   </p:transition>
-  <p:timing>
-    <p:tnLst>
-      <p:par>
-        <p:cTn id="1" dur="indefinite" restart="never" nodeType="tmRoot"/>
-      </p:par>
-    </p:tnLst>
-  </p:timing>
 </p:sld>
 </file>
 
@@ -10905,10 +10619,9 @@
           <a:lstStyle/>
           <a:p>
             <a:r>
-              <a:rPr lang="en-US" dirty="0" smtClean="0"/>
+              <a:rPr lang="en-US" dirty="0"/>
               <a:t>Tip: Middleware Are Singletons</a:t>
             </a:r>
-            <a:endParaRPr lang="en-US" dirty="0"/>
           </a:p>
         </p:txBody>
       </p:sp>
@@ -10928,10 +10641,9 @@
           <a:lstStyle/>
           <a:p>
             <a:r>
-              <a:rPr lang="en-US" dirty="0" smtClean="0"/>
+              <a:rPr lang="en-US" dirty="0"/>
               <a:t>Be careful with data shared across requests</a:t>
             </a:r>
-            <a:endParaRPr lang="en-US" dirty="0"/>
           </a:p>
         </p:txBody>
       </p:sp>
@@ -10972,13 +10684,6 @@
   <p:transition>
     <p:fade/>
   </p:transition>
-  <p:timing>
-    <p:tnLst>
-      <p:par>
-        <p:cTn id="1" dur="indefinite" restart="never" nodeType="tmRoot"/>
-      </p:par>
-    </p:tnLst>
-  </p:timing>
 </p:sld>
 </file>
 
@@ -11016,17 +10721,12 @@
           <a:p>
             <a:r>
               <a:rPr lang="en-US" dirty="0" err="1"/>
-              <a:t>c</a:t>
-            </a:r>
-            <a:r>
-              <a:rPr lang="en-US" dirty="0" err="1" smtClean="0"/>
-              <a:t>ontext.Items</a:t>
-            </a:r>
-            <a:r>
-              <a:rPr lang="en-US" dirty="0" smtClean="0"/>
+              <a:t>context.Items</a:t>
+            </a:r>
+            <a:r>
+              <a:rPr lang="en-US" dirty="0"/>
               <a:t> is Useful</a:t>
             </a:r>
-            <a:endParaRPr lang="en-US" dirty="0"/>
           </a:p>
         </p:txBody>
       </p:sp>
@@ -11046,10 +10746,9 @@
           <a:lstStyle/>
           <a:p>
             <a:r>
-              <a:rPr lang="en-US" dirty="0" smtClean="0"/>
+              <a:rPr lang="en-US" dirty="0"/>
               <a:t>Items are scoped to a single HTTP transaction</a:t>
             </a:r>
-            <a:endParaRPr lang="en-US" dirty="0"/>
           </a:p>
         </p:txBody>
       </p:sp>
@@ -11090,13 +10789,6 @@
   <p:transition>
     <p:fade/>
   </p:transition>
-  <p:timing>
-    <p:tnLst>
-      <p:par>
-        <p:cTn id="1" dur="indefinite" restart="never" nodeType="tmRoot"/>
-      </p:par>
-    </p:tnLst>
-  </p:timing>
 </p:sld>
 </file>
 
@@ -11133,10 +10825,9 @@
           <a:lstStyle/>
           <a:p>
             <a:r>
-              <a:rPr lang="en-US" dirty="0" smtClean="0"/>
+              <a:rPr lang="en-US" dirty="0"/>
               <a:t>Tip: Action Options For Extensibility</a:t>
             </a:r>
-            <a:endParaRPr lang="en-US" dirty="0"/>
           </a:p>
         </p:txBody>
       </p:sp>
@@ -11156,10 +10847,9 @@
           <a:lstStyle/>
           <a:p>
             <a:r>
-              <a:rPr lang="en-US" dirty="0" smtClean="0"/>
+              <a:rPr lang="en-US" dirty="0"/>
               <a:t>Some options classes expose “events”</a:t>
             </a:r>
-            <a:endParaRPr lang="en-US" dirty="0"/>
           </a:p>
         </p:txBody>
       </p:sp>
@@ -11200,13 +10890,6 @@
   <p:transition>
     <p:fade/>
   </p:transition>
-  <p:timing>
-    <p:tnLst>
-      <p:par>
-        <p:cTn id="1" dur="indefinite" restart="never" nodeType="tmRoot"/>
-      </p:par>
-    </p:tnLst>
-  </p:timing>
 </p:sld>
 </file>
 
@@ -11243,18 +10926,17 @@
           <a:lstStyle/>
           <a:p>
             <a:r>
-              <a:rPr lang="en-US" dirty="0" smtClean="0"/>
+              <a:rPr lang="en-US" dirty="0"/>
               <a:t>Tip: </a:t>
             </a:r>
             <a:r>
-              <a:rPr lang="en-US" dirty="0" err="1" smtClean="0"/>
+              <a:rPr lang="en-US" dirty="0" err="1"/>
               <a:t>Response.Dispose</a:t>
             </a:r>
             <a:r>
-              <a:rPr lang="en-US" dirty="0" smtClean="0"/>
+              <a:rPr lang="en-US" dirty="0"/>
               <a:t> Is Useful</a:t>
             </a:r>
-            <a:endParaRPr lang="en-US" dirty="0"/>
           </a:p>
         </p:txBody>
       </p:sp>
@@ -11274,10 +10956,9 @@
           <a:lstStyle/>
           <a:p>
             <a:r>
-              <a:rPr lang="en-US" dirty="0" smtClean="0"/>
+              <a:rPr lang="en-US" dirty="0"/>
               <a:t>Make sure to clean up resources</a:t>
             </a:r>
-            <a:endParaRPr lang="en-US" dirty="0"/>
           </a:p>
         </p:txBody>
       </p:sp>
@@ -11318,13 +10999,6 @@
   <p:transition>
     <p:fade/>
   </p:transition>
-  <p:timing>
-    <p:tnLst>
-      <p:par>
-        <p:cTn id="1" dur="indefinite" restart="never" nodeType="tmRoot"/>
-      </p:par>
-    </p:tnLst>
-  </p:timing>
 </p:sld>
 </file>
 
@@ -11361,10 +11035,9 @@
           <a:lstStyle/>
           <a:p>
             <a:r>
-              <a:rPr lang="en-US" dirty="0" smtClean="0"/>
+              <a:rPr lang="en-US" dirty="0"/>
               <a:t>Summary</a:t>
             </a:r>
-            <a:endParaRPr lang="en-US" dirty="0"/>
           </a:p>
         </p:txBody>
       </p:sp>
@@ -11384,10 +11057,9 @@
           <a:lstStyle/>
           <a:p>
             <a:r>
-              <a:rPr lang="en-US" dirty="0" smtClean="0"/>
+              <a:rPr lang="en-US" dirty="0"/>
               <a:t>Middleware provides logic for HTTP processing</a:t>
             </a:r>
-            <a:endParaRPr lang="en-US" dirty="0"/>
           </a:p>
         </p:txBody>
       </p:sp>
@@ -11435,7 +11107,7 @@
           <a:p>
             <a:pPr algn="ctr"/>
             <a:r>
-              <a:rPr lang="en-US" sz="2000" dirty="0" smtClean="0">
+              <a:rPr lang="en-US" sz="2000" dirty="0">
                 <a:solidFill>
                   <a:schemeClr val="tx1"/>
                 </a:solidFill>
@@ -11443,12 +11115,6 @@
               </a:rPr>
               <a:t>Logger</a:t>
             </a:r>
-            <a:endParaRPr lang="en-US" sz="2000" dirty="0">
-              <a:solidFill>
-                <a:schemeClr val="tx1"/>
-              </a:solidFill>
-              <a:latin typeface="Tekton Pro" pitchFamily="34" charset="0"/>
-            </a:endParaRPr>
           </a:p>
         </p:txBody>
       </p:sp>
@@ -11496,7 +11162,7 @@
           <a:p>
             <a:pPr algn="ctr"/>
             <a:r>
-              <a:rPr lang="en-US" sz="2000" dirty="0" smtClean="0">
+              <a:rPr lang="en-US" sz="2000" dirty="0">
                 <a:solidFill>
                   <a:schemeClr val="tx1"/>
                 </a:solidFill>
@@ -11504,12 +11170,6 @@
               </a:rPr>
               <a:t>Authorizer</a:t>
             </a:r>
-            <a:endParaRPr lang="en-US" sz="2000" dirty="0">
-              <a:solidFill>
-                <a:schemeClr val="tx1"/>
-              </a:solidFill>
-              <a:latin typeface="Tekton Pro" pitchFamily="34" charset="0"/>
-            </a:endParaRPr>
           </a:p>
         </p:txBody>
       </p:sp>
@@ -11557,7 +11217,7 @@
           <a:p>
             <a:pPr algn="ctr"/>
             <a:r>
-              <a:rPr lang="en-US" sz="2000" dirty="0" smtClean="0">
+              <a:rPr lang="en-US" sz="2000" dirty="0">
                 <a:solidFill>
                   <a:schemeClr val="tx1"/>
                 </a:solidFill>
@@ -11565,12 +11225,6 @@
               </a:rPr>
               <a:t>Router</a:t>
             </a:r>
-            <a:endParaRPr lang="en-US" sz="2000" dirty="0">
-              <a:solidFill>
-                <a:schemeClr val="tx1"/>
-              </a:solidFill>
-              <a:latin typeface="Tekton Pro" pitchFamily="34" charset="0"/>
-            </a:endParaRPr>
           </a:p>
         </p:txBody>
       </p:sp>
@@ -11615,14 +11269,11 @@
           <a:p>
             <a:pPr algn="ctr"/>
             <a:r>
-              <a:rPr lang="en-US" sz="2000" dirty="0" smtClean="0">
+              <a:rPr lang="en-US" sz="2000" dirty="0">
                 <a:latin typeface="Tekton Pro" pitchFamily="34" charset="0"/>
               </a:rPr>
               <a:t>next</a:t>
             </a:r>
-            <a:endParaRPr lang="en-US" sz="2000" dirty="0">
-              <a:latin typeface="Tekton Pro" pitchFamily="34" charset="0"/>
-            </a:endParaRPr>
           </a:p>
         </p:txBody>
       </p:sp>
@@ -11667,14 +11318,11 @@
           <a:p>
             <a:pPr algn="ctr"/>
             <a:r>
-              <a:rPr lang="en-US" sz="2000" dirty="0" smtClean="0">
+              <a:rPr lang="en-US" sz="2000" dirty="0">
                 <a:latin typeface="Tekton Pro" pitchFamily="34" charset="0"/>
               </a:rPr>
               <a:t>next</a:t>
             </a:r>
-            <a:endParaRPr lang="en-US" sz="2000" dirty="0">
-              <a:latin typeface="Tekton Pro" pitchFamily="34" charset="0"/>
-            </a:endParaRPr>
           </a:p>
         </p:txBody>
       </p:sp>
@@ -11719,14 +11367,11 @@
           <a:p>
             <a:pPr algn="ctr"/>
             <a:r>
-              <a:rPr lang="en-US" sz="2000" dirty="0" smtClean="0">
+              <a:rPr lang="en-US" sz="2000" dirty="0">
                 <a:latin typeface="Tekton Pro" pitchFamily="34" charset="0"/>
               </a:rPr>
               <a:t>return</a:t>
             </a:r>
-            <a:endParaRPr lang="en-US" sz="2000" dirty="0">
-              <a:latin typeface="Tekton Pro" pitchFamily="34" charset="0"/>
-            </a:endParaRPr>
           </a:p>
         </p:txBody>
       </p:sp>
@@ -11771,14 +11416,11 @@
           <a:p>
             <a:pPr algn="ctr"/>
             <a:r>
-              <a:rPr lang="en-US" sz="2000" dirty="0" smtClean="0">
+              <a:rPr lang="en-US" sz="2000" dirty="0">
                 <a:latin typeface="Tekton Pro" pitchFamily="34" charset="0"/>
               </a:rPr>
               <a:t>return</a:t>
             </a:r>
-            <a:endParaRPr lang="en-US" sz="2000" dirty="0">
-              <a:latin typeface="Tekton Pro" pitchFamily="34" charset="0"/>
-            </a:endParaRPr>
           </a:p>
         </p:txBody>
       </p:sp>
@@ -11823,14 +11465,11 @@
           <a:p>
             <a:pPr algn="ctr"/>
             <a:r>
-              <a:rPr lang="en-US" sz="2000" dirty="0" smtClean="0">
+              <a:rPr lang="en-US" sz="2000" dirty="0">
                 <a:latin typeface="Tekton Pro" pitchFamily="34" charset="0"/>
               </a:rPr>
               <a:t>POST /corn</a:t>
             </a:r>
-            <a:endParaRPr lang="en-US" sz="2000" dirty="0">
-              <a:latin typeface="Tekton Pro" pitchFamily="34" charset="0"/>
-            </a:endParaRPr>
           </a:p>
         </p:txBody>
       </p:sp>
@@ -11875,14 +11514,11 @@
           <a:p>
             <a:pPr algn="ctr"/>
             <a:r>
-              <a:rPr lang="en-US" sz="2000" dirty="0" smtClean="0">
+              <a:rPr lang="en-US" sz="2000" dirty="0">
                 <a:latin typeface="Tekton Pro" pitchFamily="34" charset="0"/>
               </a:rPr>
               <a:t>POST /corn</a:t>
             </a:r>
-            <a:endParaRPr lang="en-US" sz="2000" dirty="0">
-              <a:latin typeface="Tekton Pro" pitchFamily="34" charset="0"/>
-            </a:endParaRPr>
           </a:p>
         </p:txBody>
       </p:sp>
@@ -11927,14 +11563,11 @@
           <a:p>
             <a:pPr algn="ctr"/>
             <a:r>
-              <a:rPr lang="en-US" sz="2000" dirty="0" smtClean="0">
+              <a:rPr lang="en-US" sz="2000" dirty="0">
                 <a:latin typeface="Tekton Pro" pitchFamily="34" charset="0"/>
               </a:rPr>
               <a:t>POST /corn</a:t>
             </a:r>
-            <a:endParaRPr lang="en-US" sz="2000" dirty="0">
-              <a:latin typeface="Tekton Pro" pitchFamily="34" charset="0"/>
-            </a:endParaRPr>
           </a:p>
         </p:txBody>
       </p:sp>
@@ -11979,7 +11612,7 @@
           <a:p>
             <a:pPr algn="ctr"/>
             <a:r>
-              <a:rPr lang="en-US" sz="1400" dirty="0" smtClean="0">
+              <a:rPr lang="en-US" sz="1400" dirty="0">
                 <a:latin typeface="Tekton Pro" pitchFamily="34" charset="0"/>
               </a:rPr>
               <a:t>HTTP/1.0 200 OK</a:t>
@@ -11988,7 +11621,7 @@
           <a:p>
             <a:pPr algn="ctr"/>
             <a:r>
-              <a:rPr lang="en-US" sz="1400" dirty="0" smtClean="0">
+              <a:rPr lang="en-US" sz="1400" dirty="0">
                 <a:latin typeface="Tekton Pro" pitchFamily="34" charset="0"/>
               </a:rPr>
               <a:t>&lt;html&gt;</a:t>
@@ -11997,7 +11630,7 @@
           <a:p>
             <a:pPr algn="ctr"/>
             <a:r>
-              <a:rPr lang="en-US" sz="1400" dirty="0" smtClean="0">
+              <a:rPr lang="en-US" sz="1400" dirty="0">
                 <a:latin typeface="Tekton Pro" pitchFamily="34" charset="0"/>
               </a:rPr>
               <a:t>….</a:t>
@@ -12006,14 +11639,11 @@
           <a:p>
             <a:pPr algn="ctr"/>
             <a:r>
-              <a:rPr lang="en-US" sz="1400" dirty="0" smtClean="0">
+              <a:rPr lang="en-US" sz="1400" dirty="0">
                 <a:latin typeface="Tekton Pro" pitchFamily="34" charset="0"/>
               </a:rPr>
               <a:t>&lt;/html&gt;</a:t>
             </a:r>
-            <a:endParaRPr lang="en-US" sz="1400" dirty="0">
-              <a:latin typeface="Tekton Pro" pitchFamily="34" charset="0"/>
-            </a:endParaRPr>
           </a:p>
         </p:txBody>
       </p:sp>
@@ -12058,7 +11688,7 @@
           <a:p>
             <a:pPr algn="ctr"/>
             <a:r>
-              <a:rPr lang="en-US" sz="1400" dirty="0" smtClean="0">
+              <a:rPr lang="en-US" sz="1400" dirty="0">
                 <a:latin typeface="Tekton Pro" pitchFamily="34" charset="0"/>
               </a:rPr>
               <a:t>HTTP/1.0 200 OK</a:t>
@@ -12067,7 +11697,7 @@
           <a:p>
             <a:pPr algn="ctr"/>
             <a:r>
-              <a:rPr lang="en-US" sz="1400" dirty="0" smtClean="0">
+              <a:rPr lang="en-US" sz="1400" dirty="0">
                 <a:latin typeface="Tekton Pro" pitchFamily="34" charset="0"/>
               </a:rPr>
               <a:t>&lt;html&gt;</a:t>
@@ -12076,7 +11706,7 @@
           <a:p>
             <a:pPr algn="ctr"/>
             <a:r>
-              <a:rPr lang="en-US" sz="1400" dirty="0" smtClean="0">
+              <a:rPr lang="en-US" sz="1400" dirty="0">
                 <a:latin typeface="Tekton Pro" pitchFamily="34" charset="0"/>
               </a:rPr>
               <a:t>….</a:t>
@@ -12085,14 +11715,11 @@
           <a:p>
             <a:pPr algn="ctr"/>
             <a:r>
-              <a:rPr lang="en-US" sz="1400" dirty="0" smtClean="0">
+              <a:rPr lang="en-US" sz="1400" dirty="0">
                 <a:latin typeface="Tekton Pro" pitchFamily="34" charset="0"/>
               </a:rPr>
               <a:t>&lt;/html&gt;</a:t>
             </a:r>
-            <a:endParaRPr lang="en-US" sz="1400" dirty="0">
-              <a:latin typeface="Tekton Pro" pitchFamily="34" charset="0"/>
-            </a:endParaRPr>
           </a:p>
         </p:txBody>
       </p:sp>
@@ -12137,7 +11764,7 @@
           <a:p>
             <a:pPr algn="ctr"/>
             <a:r>
-              <a:rPr lang="en-US" sz="1400" dirty="0" smtClean="0">
+              <a:rPr lang="en-US" sz="1400" dirty="0">
                 <a:latin typeface="Tekton Pro" pitchFamily="34" charset="0"/>
               </a:rPr>
               <a:t>HTTP/1.0 200 OK</a:t>
@@ -12146,7 +11773,7 @@
           <a:p>
             <a:pPr algn="ctr"/>
             <a:r>
-              <a:rPr lang="en-US" sz="1400" dirty="0" smtClean="0">
+              <a:rPr lang="en-US" sz="1400" dirty="0">
                 <a:latin typeface="Tekton Pro" pitchFamily="34" charset="0"/>
               </a:rPr>
               <a:t>&lt;html&gt;</a:t>
@@ -12155,7 +11782,7 @@
           <a:p>
             <a:pPr algn="ctr"/>
             <a:r>
-              <a:rPr lang="en-US" sz="1400" dirty="0" smtClean="0">
+              <a:rPr lang="en-US" sz="1400" dirty="0">
                 <a:latin typeface="Tekton Pro" pitchFamily="34" charset="0"/>
               </a:rPr>
               <a:t>….</a:t>
@@ -12164,14 +11791,11 @@
           <a:p>
             <a:pPr algn="ctr"/>
             <a:r>
-              <a:rPr lang="en-US" sz="1400" dirty="0" smtClean="0">
+              <a:rPr lang="en-US" sz="1400" dirty="0">
                 <a:latin typeface="Tekton Pro" pitchFamily="34" charset="0"/>
               </a:rPr>
               <a:t>&lt;/html&gt;</a:t>
             </a:r>
-            <a:endParaRPr lang="en-US" sz="1400" dirty="0">
-              <a:latin typeface="Tekton Pro" pitchFamily="34" charset="0"/>
-            </a:endParaRPr>
           </a:p>
         </p:txBody>
       </p:sp>
@@ -12299,13 +11923,6 @@
   <p:transition>
     <p:fade/>
   </p:transition>
-  <p:timing>
-    <p:tnLst>
-      <p:par>
-        <p:cTn id="1" dur="indefinite" restart="never" nodeType="tmRoot"/>
-      </p:par>
-    </p:tnLst>
-  </p:timing>
 </p:sld>
 </file>
 
@@ -12342,10 +11959,9 @@
           <a:lstStyle/>
           <a:p>
             <a:r>
-              <a:rPr lang="en-US" dirty="0" smtClean="0"/>
+              <a:rPr lang="en-US" dirty="0"/>
               <a:t>Middleware</a:t>
             </a:r>
-            <a:endParaRPr lang="en-US" dirty="0"/>
           </a:p>
         </p:txBody>
       </p:sp>
@@ -12393,7 +12009,7 @@
           <a:p>
             <a:pPr algn="ctr"/>
             <a:r>
-              <a:rPr lang="en-US" sz="2000" dirty="0" smtClean="0">
+              <a:rPr lang="en-US" sz="2000" dirty="0">
                 <a:solidFill>
                   <a:schemeClr val="tx1"/>
                 </a:solidFill>
@@ -12401,12 +12017,6 @@
               </a:rPr>
               <a:t>Me</a:t>
             </a:r>
-            <a:endParaRPr lang="en-US" sz="2000" dirty="0">
-              <a:solidFill>
-                <a:schemeClr val="tx1"/>
-              </a:solidFill>
-              <a:latin typeface="Tekton Pro" pitchFamily="34" charset="0"/>
-            </a:endParaRPr>
           </a:p>
         </p:txBody>
       </p:sp>
@@ -12454,7 +12064,7 @@
           <a:p>
             <a:pPr algn="ctr"/>
             <a:r>
-              <a:rPr lang="en-US" sz="2000" dirty="0" smtClean="0">
+              <a:rPr lang="en-US" sz="2000" dirty="0">
                 <a:solidFill>
                   <a:schemeClr val="tx1"/>
                 </a:solidFill>
@@ -12462,12 +12072,6 @@
               </a:rPr>
               <a:t>Mom</a:t>
             </a:r>
-            <a:endParaRPr lang="en-US" sz="2000" dirty="0">
-              <a:solidFill>
-                <a:schemeClr val="tx1"/>
-              </a:solidFill>
-              <a:latin typeface="Tekton Pro" pitchFamily="34" charset="0"/>
-            </a:endParaRPr>
           </a:p>
         </p:txBody>
       </p:sp>
@@ -12515,7 +12119,7 @@
           <a:p>
             <a:pPr algn="ctr"/>
             <a:r>
-              <a:rPr lang="en-US" sz="2000" dirty="0" smtClean="0">
+              <a:rPr lang="en-US" sz="2000" dirty="0">
                 <a:solidFill>
                   <a:schemeClr val="tx1"/>
                 </a:solidFill>
@@ -12523,12 +12127,6 @@
               </a:rPr>
               <a:t>Dad</a:t>
             </a:r>
-            <a:endParaRPr lang="en-US" sz="2000" dirty="0">
-              <a:solidFill>
-                <a:schemeClr val="tx1"/>
-              </a:solidFill>
-              <a:latin typeface="Tekton Pro" pitchFamily="34" charset="0"/>
-            </a:endParaRPr>
           </a:p>
         </p:txBody>
       </p:sp>
@@ -12573,14 +12171,11 @@
           <a:p>
             <a:pPr algn="ctr"/>
             <a:r>
-              <a:rPr lang="en-US" sz="2000" dirty="0" smtClean="0">
+              <a:rPr lang="en-US" sz="2000" dirty="0">
                 <a:latin typeface="Tekton Pro" pitchFamily="34" charset="0"/>
               </a:rPr>
               <a:t>next</a:t>
             </a:r>
-            <a:endParaRPr lang="en-US" sz="2000" dirty="0">
-              <a:latin typeface="Tekton Pro" pitchFamily="34" charset="0"/>
-            </a:endParaRPr>
           </a:p>
         </p:txBody>
       </p:sp>
@@ -12625,14 +12220,11 @@
           <a:p>
             <a:pPr algn="ctr"/>
             <a:r>
-              <a:rPr lang="en-US" sz="2000" dirty="0" smtClean="0">
+              <a:rPr lang="en-US" sz="2000" dirty="0">
                 <a:latin typeface="Tekton Pro" pitchFamily="34" charset="0"/>
               </a:rPr>
               <a:t>next</a:t>
             </a:r>
-            <a:endParaRPr lang="en-US" sz="2000" dirty="0">
-              <a:latin typeface="Tekton Pro" pitchFamily="34" charset="0"/>
-            </a:endParaRPr>
           </a:p>
         </p:txBody>
       </p:sp>
@@ -12677,14 +12269,11 @@
           <a:p>
             <a:pPr algn="ctr"/>
             <a:r>
-              <a:rPr lang="en-US" sz="2000" dirty="0" smtClean="0">
+              <a:rPr lang="en-US" sz="2000" dirty="0">
                 <a:latin typeface="Tekton Pro" pitchFamily="34" charset="0"/>
               </a:rPr>
               <a:t>return</a:t>
             </a:r>
-            <a:endParaRPr lang="en-US" sz="2000" dirty="0">
-              <a:latin typeface="Tekton Pro" pitchFamily="34" charset="0"/>
-            </a:endParaRPr>
           </a:p>
         </p:txBody>
       </p:sp>
@@ -12729,14 +12318,11 @@
           <a:p>
             <a:pPr algn="ctr"/>
             <a:r>
-              <a:rPr lang="en-US" sz="2000" dirty="0" smtClean="0">
+              <a:rPr lang="en-US" sz="2000" dirty="0">
                 <a:latin typeface="Tekton Pro" pitchFamily="34" charset="0"/>
               </a:rPr>
               <a:t>return</a:t>
             </a:r>
-            <a:endParaRPr lang="en-US" sz="2000" dirty="0">
-              <a:latin typeface="Tekton Pro" pitchFamily="34" charset="0"/>
-            </a:endParaRPr>
           </a:p>
         </p:txBody>
       </p:sp>
@@ -12781,14 +12367,11 @@
           <a:p>
             <a:pPr algn="ctr"/>
             <a:r>
-              <a:rPr lang="en-US" sz="2000" dirty="0" smtClean="0">
+              <a:rPr lang="en-US" sz="2000" dirty="0">
                 <a:latin typeface="Tekton Pro" pitchFamily="34" charset="0"/>
               </a:rPr>
               <a:t>POST /corn</a:t>
             </a:r>
-            <a:endParaRPr lang="en-US" sz="2000" dirty="0">
-              <a:latin typeface="Tekton Pro" pitchFamily="34" charset="0"/>
-            </a:endParaRPr>
           </a:p>
         </p:txBody>
       </p:sp>
@@ -12833,14 +12416,11 @@
           <a:p>
             <a:pPr algn="ctr"/>
             <a:r>
-              <a:rPr lang="en-US" sz="2000" dirty="0" smtClean="0">
+              <a:rPr lang="en-US" sz="2000" dirty="0">
                 <a:latin typeface="Tekton Pro" pitchFamily="34" charset="0"/>
               </a:rPr>
               <a:t>POST /corn</a:t>
             </a:r>
-            <a:endParaRPr lang="en-US" sz="2000" dirty="0">
-              <a:latin typeface="Tekton Pro" pitchFamily="34" charset="0"/>
-            </a:endParaRPr>
           </a:p>
         </p:txBody>
       </p:sp>
@@ -12885,14 +12465,11 @@
           <a:p>
             <a:pPr algn="ctr"/>
             <a:r>
-              <a:rPr lang="en-US" sz="2000" dirty="0" smtClean="0">
+              <a:rPr lang="en-US" sz="2000" dirty="0">
                 <a:latin typeface="Tekton Pro" pitchFamily="34" charset="0"/>
               </a:rPr>
               <a:t>POST /corn</a:t>
             </a:r>
-            <a:endParaRPr lang="en-US" sz="2000" dirty="0">
-              <a:latin typeface="Tekton Pro" pitchFamily="34" charset="0"/>
-            </a:endParaRPr>
           </a:p>
         </p:txBody>
       </p:sp>
@@ -12937,7 +12514,7 @@
           <a:p>
             <a:pPr algn="ctr"/>
             <a:r>
-              <a:rPr lang="en-US" sz="1400" dirty="0" smtClean="0">
+              <a:rPr lang="en-US" sz="1400" dirty="0">
                 <a:latin typeface="Tekton Pro" pitchFamily="34" charset="0"/>
               </a:rPr>
               <a:t>HTTP/1.0 200 OK</a:t>
@@ -12946,7 +12523,7 @@
           <a:p>
             <a:pPr algn="ctr"/>
             <a:r>
-              <a:rPr lang="en-US" sz="1400" dirty="0" smtClean="0">
+              <a:rPr lang="en-US" sz="1400" dirty="0">
                 <a:latin typeface="Tekton Pro" pitchFamily="34" charset="0"/>
               </a:rPr>
               <a:t>&lt;html&gt;</a:t>
@@ -12955,7 +12532,7 @@
           <a:p>
             <a:pPr algn="ctr"/>
             <a:r>
-              <a:rPr lang="en-US" sz="1400" dirty="0" smtClean="0">
+              <a:rPr lang="en-US" sz="1400" dirty="0">
                 <a:latin typeface="Tekton Pro" pitchFamily="34" charset="0"/>
               </a:rPr>
               <a:t>….</a:t>
@@ -12964,14 +12541,11 @@
           <a:p>
             <a:pPr algn="ctr"/>
             <a:r>
-              <a:rPr lang="en-US" sz="1400" dirty="0" smtClean="0">
+              <a:rPr lang="en-US" sz="1400" dirty="0">
                 <a:latin typeface="Tekton Pro" pitchFamily="34" charset="0"/>
               </a:rPr>
               <a:t>&lt;/html&gt;</a:t>
             </a:r>
-            <a:endParaRPr lang="en-US" sz="1400" dirty="0">
-              <a:latin typeface="Tekton Pro" pitchFamily="34" charset="0"/>
-            </a:endParaRPr>
           </a:p>
         </p:txBody>
       </p:sp>
@@ -13016,7 +12590,7 @@
           <a:p>
             <a:pPr algn="ctr"/>
             <a:r>
-              <a:rPr lang="en-US" sz="1400" dirty="0" smtClean="0">
+              <a:rPr lang="en-US" sz="1400" dirty="0">
                 <a:latin typeface="Tekton Pro" pitchFamily="34" charset="0"/>
               </a:rPr>
               <a:t>HTTP/1.0 200 OK</a:t>
@@ -13025,7 +12599,7 @@
           <a:p>
             <a:pPr algn="ctr"/>
             <a:r>
-              <a:rPr lang="en-US" sz="1400" dirty="0" smtClean="0">
+              <a:rPr lang="en-US" sz="1400" dirty="0">
                 <a:latin typeface="Tekton Pro" pitchFamily="34" charset="0"/>
               </a:rPr>
               <a:t>&lt;html&gt;</a:t>
@@ -13034,7 +12608,7 @@
           <a:p>
             <a:pPr algn="ctr"/>
             <a:r>
-              <a:rPr lang="en-US" sz="1400" dirty="0" smtClean="0">
+              <a:rPr lang="en-US" sz="1400" dirty="0">
                 <a:latin typeface="Tekton Pro" pitchFamily="34" charset="0"/>
               </a:rPr>
               <a:t>….</a:t>
@@ -13043,14 +12617,11 @@
           <a:p>
             <a:pPr algn="ctr"/>
             <a:r>
-              <a:rPr lang="en-US" sz="1400" dirty="0" smtClean="0">
+              <a:rPr lang="en-US" sz="1400" dirty="0">
                 <a:latin typeface="Tekton Pro" pitchFamily="34" charset="0"/>
               </a:rPr>
               <a:t>&lt;/html&gt;</a:t>
             </a:r>
-            <a:endParaRPr lang="en-US" sz="1400" dirty="0">
-              <a:latin typeface="Tekton Pro" pitchFamily="34" charset="0"/>
-            </a:endParaRPr>
           </a:p>
         </p:txBody>
       </p:sp>
@@ -13095,7 +12666,7 @@
           <a:p>
             <a:pPr algn="ctr"/>
             <a:r>
-              <a:rPr lang="en-US" sz="1400" dirty="0" smtClean="0">
+              <a:rPr lang="en-US" sz="1400" dirty="0">
                 <a:latin typeface="Tekton Pro" pitchFamily="34" charset="0"/>
               </a:rPr>
               <a:t>HTTP/1.0 200 OK</a:t>
@@ -13104,7 +12675,7 @@
           <a:p>
             <a:pPr algn="ctr"/>
             <a:r>
-              <a:rPr lang="en-US" sz="1400" dirty="0" smtClean="0">
+              <a:rPr lang="en-US" sz="1400" dirty="0">
                 <a:latin typeface="Tekton Pro" pitchFamily="34" charset="0"/>
               </a:rPr>
               <a:t>&lt;html&gt;</a:t>
@@ -13113,7 +12684,7 @@
           <a:p>
             <a:pPr algn="ctr"/>
             <a:r>
-              <a:rPr lang="en-US" sz="1400" dirty="0" smtClean="0">
+              <a:rPr lang="en-US" sz="1400" dirty="0">
                 <a:latin typeface="Tekton Pro" pitchFamily="34" charset="0"/>
               </a:rPr>
               <a:t>….</a:t>
@@ -13122,14 +12693,11 @@
           <a:p>
             <a:pPr algn="ctr"/>
             <a:r>
-              <a:rPr lang="en-US" sz="1400" dirty="0" smtClean="0">
+              <a:rPr lang="en-US" sz="1400" dirty="0">
                 <a:latin typeface="Tekton Pro" pitchFamily="34" charset="0"/>
               </a:rPr>
               <a:t>&lt;/html&gt;</a:t>
             </a:r>
-            <a:endParaRPr lang="en-US" sz="1400" dirty="0">
-              <a:latin typeface="Tekton Pro" pitchFamily="34" charset="0"/>
-            </a:endParaRPr>
           </a:p>
         </p:txBody>
       </p:sp>
@@ -13754,10 +13322,9 @@
           <a:lstStyle/>
           <a:p>
             <a:r>
-              <a:rPr lang="en-US" dirty="0" smtClean="0"/>
+              <a:rPr lang="en-US" dirty="0"/>
               <a:t>Middleware</a:t>
             </a:r>
-            <a:endParaRPr lang="en-US" dirty="0"/>
           </a:p>
         </p:txBody>
       </p:sp>
@@ -13805,7 +13372,7 @@
           <a:p>
             <a:pPr algn="ctr"/>
             <a:r>
-              <a:rPr lang="en-US" sz="2000" dirty="0" smtClean="0">
+              <a:rPr lang="en-US" sz="2000" dirty="0">
                 <a:solidFill>
                   <a:schemeClr val="tx1"/>
                 </a:solidFill>
@@ -13813,12 +13380,6 @@
               </a:rPr>
               <a:t>Logger</a:t>
             </a:r>
-            <a:endParaRPr lang="en-US" sz="2000" dirty="0">
-              <a:solidFill>
-                <a:schemeClr val="tx1"/>
-              </a:solidFill>
-              <a:latin typeface="Tekton Pro" pitchFamily="34" charset="0"/>
-            </a:endParaRPr>
           </a:p>
         </p:txBody>
       </p:sp>
@@ -13866,7 +13427,7 @@
           <a:p>
             <a:pPr algn="ctr"/>
             <a:r>
-              <a:rPr lang="en-US" sz="2000" dirty="0" smtClean="0">
+              <a:rPr lang="en-US" sz="2000" dirty="0">
                 <a:solidFill>
                   <a:schemeClr val="tx1"/>
                 </a:solidFill>
@@ -13874,12 +13435,6 @@
               </a:rPr>
               <a:t>Authorizer</a:t>
             </a:r>
-            <a:endParaRPr lang="en-US" sz="2000" dirty="0">
-              <a:solidFill>
-                <a:schemeClr val="tx1"/>
-              </a:solidFill>
-              <a:latin typeface="Tekton Pro" pitchFamily="34" charset="0"/>
-            </a:endParaRPr>
           </a:p>
         </p:txBody>
       </p:sp>
@@ -13927,7 +13482,7 @@
           <a:p>
             <a:pPr algn="ctr"/>
             <a:r>
-              <a:rPr lang="en-US" sz="2000" dirty="0" smtClean="0">
+              <a:rPr lang="en-US" sz="2000" dirty="0">
                 <a:solidFill>
                   <a:schemeClr val="tx1"/>
                 </a:solidFill>
@@ -13935,12 +13490,6 @@
               </a:rPr>
               <a:t>Router</a:t>
             </a:r>
-            <a:endParaRPr lang="en-US" sz="2000" dirty="0">
-              <a:solidFill>
-                <a:schemeClr val="tx1"/>
-              </a:solidFill>
-              <a:latin typeface="Tekton Pro" pitchFamily="34" charset="0"/>
-            </a:endParaRPr>
           </a:p>
         </p:txBody>
       </p:sp>
@@ -13985,14 +13534,11 @@
           <a:p>
             <a:pPr algn="ctr"/>
             <a:r>
-              <a:rPr lang="en-US" sz="2000" dirty="0" smtClean="0">
+              <a:rPr lang="en-US" sz="2000" dirty="0">
                 <a:latin typeface="Tekton Pro" pitchFamily="34" charset="0"/>
               </a:rPr>
               <a:t>next</a:t>
             </a:r>
-            <a:endParaRPr lang="en-US" sz="2000" dirty="0">
-              <a:latin typeface="Tekton Pro" pitchFamily="34" charset="0"/>
-            </a:endParaRPr>
           </a:p>
         </p:txBody>
       </p:sp>
@@ -14037,14 +13583,11 @@
           <a:p>
             <a:pPr algn="ctr"/>
             <a:r>
-              <a:rPr lang="en-US" sz="2000" dirty="0" smtClean="0">
+              <a:rPr lang="en-US" sz="2000" dirty="0">
                 <a:latin typeface="Tekton Pro" pitchFamily="34" charset="0"/>
               </a:rPr>
               <a:t>next</a:t>
             </a:r>
-            <a:endParaRPr lang="en-US" sz="2000" dirty="0">
-              <a:latin typeface="Tekton Pro" pitchFamily="34" charset="0"/>
-            </a:endParaRPr>
           </a:p>
         </p:txBody>
       </p:sp>
@@ -14089,14 +13632,11 @@
           <a:p>
             <a:pPr algn="ctr"/>
             <a:r>
-              <a:rPr lang="en-US" sz="2000" dirty="0" smtClean="0">
+              <a:rPr lang="en-US" sz="2000" dirty="0">
                 <a:latin typeface="Tekton Pro" pitchFamily="34" charset="0"/>
               </a:rPr>
               <a:t>return</a:t>
             </a:r>
-            <a:endParaRPr lang="en-US" sz="2000" dirty="0">
-              <a:latin typeface="Tekton Pro" pitchFamily="34" charset="0"/>
-            </a:endParaRPr>
           </a:p>
         </p:txBody>
       </p:sp>
@@ -14141,14 +13681,11 @@
           <a:p>
             <a:pPr algn="ctr"/>
             <a:r>
-              <a:rPr lang="en-US" sz="2000" dirty="0" smtClean="0">
+              <a:rPr lang="en-US" sz="2000" dirty="0">
                 <a:latin typeface="Tekton Pro" pitchFamily="34" charset="0"/>
               </a:rPr>
               <a:t>return</a:t>
             </a:r>
-            <a:endParaRPr lang="en-US" sz="2000" dirty="0">
-              <a:latin typeface="Tekton Pro" pitchFamily="34" charset="0"/>
-            </a:endParaRPr>
           </a:p>
         </p:txBody>
       </p:sp>
@@ -14193,14 +13730,11 @@
           <a:p>
             <a:pPr algn="ctr"/>
             <a:r>
-              <a:rPr lang="en-US" sz="2000" dirty="0" smtClean="0">
+              <a:rPr lang="en-US" sz="2000" dirty="0">
                 <a:latin typeface="Tekton Pro" pitchFamily="34" charset="0"/>
               </a:rPr>
               <a:t>POST /corn</a:t>
             </a:r>
-            <a:endParaRPr lang="en-US" sz="2000" dirty="0">
-              <a:latin typeface="Tekton Pro" pitchFamily="34" charset="0"/>
-            </a:endParaRPr>
           </a:p>
         </p:txBody>
       </p:sp>
@@ -14245,14 +13779,11 @@
           <a:p>
             <a:pPr algn="ctr"/>
             <a:r>
-              <a:rPr lang="en-US" sz="2000" dirty="0" smtClean="0">
+              <a:rPr lang="en-US" sz="2000" dirty="0">
                 <a:latin typeface="Tekton Pro" pitchFamily="34" charset="0"/>
               </a:rPr>
               <a:t>POST /corn</a:t>
             </a:r>
-            <a:endParaRPr lang="en-US" sz="2000" dirty="0">
-              <a:latin typeface="Tekton Pro" pitchFamily="34" charset="0"/>
-            </a:endParaRPr>
           </a:p>
         </p:txBody>
       </p:sp>
@@ -14297,14 +13828,11 @@
           <a:p>
             <a:pPr algn="ctr"/>
             <a:r>
-              <a:rPr lang="en-US" sz="2000" dirty="0" smtClean="0">
+              <a:rPr lang="en-US" sz="2000" dirty="0">
                 <a:latin typeface="Tekton Pro" pitchFamily="34" charset="0"/>
               </a:rPr>
               <a:t>POST /corn</a:t>
             </a:r>
-            <a:endParaRPr lang="en-US" sz="2000" dirty="0">
-              <a:latin typeface="Tekton Pro" pitchFamily="34" charset="0"/>
-            </a:endParaRPr>
           </a:p>
         </p:txBody>
       </p:sp>
@@ -14349,7 +13877,7 @@
           <a:p>
             <a:pPr algn="ctr"/>
             <a:r>
-              <a:rPr lang="en-US" sz="1400" dirty="0" smtClean="0">
+              <a:rPr lang="en-US" sz="1400" dirty="0">
                 <a:latin typeface="Tekton Pro" pitchFamily="34" charset="0"/>
               </a:rPr>
               <a:t>HTTP/1.0 200 OK</a:t>
@@ -14358,7 +13886,7 @@
           <a:p>
             <a:pPr algn="ctr"/>
             <a:r>
-              <a:rPr lang="en-US" sz="1400" dirty="0" smtClean="0">
+              <a:rPr lang="en-US" sz="1400" dirty="0">
                 <a:latin typeface="Tekton Pro" pitchFamily="34" charset="0"/>
               </a:rPr>
               <a:t>&lt;html&gt;</a:t>
@@ -14367,7 +13895,7 @@
           <a:p>
             <a:pPr algn="ctr"/>
             <a:r>
-              <a:rPr lang="en-US" sz="1400" dirty="0" smtClean="0">
+              <a:rPr lang="en-US" sz="1400" dirty="0">
                 <a:latin typeface="Tekton Pro" pitchFamily="34" charset="0"/>
               </a:rPr>
               <a:t>….</a:t>
@@ -14376,14 +13904,11 @@
           <a:p>
             <a:pPr algn="ctr"/>
             <a:r>
-              <a:rPr lang="en-US" sz="1400" dirty="0" smtClean="0">
+              <a:rPr lang="en-US" sz="1400" dirty="0">
                 <a:latin typeface="Tekton Pro" pitchFamily="34" charset="0"/>
               </a:rPr>
               <a:t>&lt;/html&gt;</a:t>
             </a:r>
-            <a:endParaRPr lang="en-US" sz="1400" dirty="0">
-              <a:latin typeface="Tekton Pro" pitchFamily="34" charset="0"/>
-            </a:endParaRPr>
           </a:p>
         </p:txBody>
       </p:sp>
@@ -14428,7 +13953,7 @@
           <a:p>
             <a:pPr algn="ctr"/>
             <a:r>
-              <a:rPr lang="en-US" sz="1400" dirty="0" smtClean="0">
+              <a:rPr lang="en-US" sz="1400" dirty="0">
                 <a:latin typeface="Tekton Pro" pitchFamily="34" charset="0"/>
               </a:rPr>
               <a:t>HTTP/1.0 200 OK</a:t>
@@ -14437,7 +13962,7 @@
           <a:p>
             <a:pPr algn="ctr"/>
             <a:r>
-              <a:rPr lang="en-US" sz="1400" dirty="0" smtClean="0">
+              <a:rPr lang="en-US" sz="1400" dirty="0">
                 <a:latin typeface="Tekton Pro" pitchFamily="34" charset="0"/>
               </a:rPr>
               <a:t>&lt;html&gt;</a:t>
@@ -14446,7 +13971,7 @@
           <a:p>
             <a:pPr algn="ctr"/>
             <a:r>
-              <a:rPr lang="en-US" sz="1400" dirty="0" smtClean="0">
+              <a:rPr lang="en-US" sz="1400" dirty="0">
                 <a:latin typeface="Tekton Pro" pitchFamily="34" charset="0"/>
               </a:rPr>
               <a:t>….</a:t>
@@ -14455,14 +13980,11 @@
           <a:p>
             <a:pPr algn="ctr"/>
             <a:r>
-              <a:rPr lang="en-US" sz="1400" dirty="0" smtClean="0">
+              <a:rPr lang="en-US" sz="1400" dirty="0">
                 <a:latin typeface="Tekton Pro" pitchFamily="34" charset="0"/>
               </a:rPr>
               <a:t>&lt;/html&gt;</a:t>
             </a:r>
-            <a:endParaRPr lang="en-US" sz="1400" dirty="0">
-              <a:latin typeface="Tekton Pro" pitchFamily="34" charset="0"/>
-            </a:endParaRPr>
           </a:p>
         </p:txBody>
       </p:sp>
@@ -14507,7 +14029,7 @@
           <a:p>
             <a:pPr algn="ctr"/>
             <a:r>
-              <a:rPr lang="en-US" sz="1400" dirty="0" smtClean="0">
+              <a:rPr lang="en-US" sz="1400" dirty="0">
                 <a:latin typeface="Tekton Pro" pitchFamily="34" charset="0"/>
               </a:rPr>
               <a:t>HTTP/1.0 200 OK</a:t>
@@ -14516,7 +14038,7 @@
           <a:p>
             <a:pPr algn="ctr"/>
             <a:r>
-              <a:rPr lang="en-US" sz="1400" dirty="0" smtClean="0">
+              <a:rPr lang="en-US" sz="1400" dirty="0">
                 <a:latin typeface="Tekton Pro" pitchFamily="34" charset="0"/>
               </a:rPr>
               <a:t>&lt;html&gt;</a:t>
@@ -14525,7 +14047,7 @@
           <a:p>
             <a:pPr algn="ctr"/>
             <a:r>
-              <a:rPr lang="en-US" sz="1400" dirty="0" smtClean="0">
+              <a:rPr lang="en-US" sz="1400" dirty="0">
                 <a:latin typeface="Tekton Pro" pitchFamily="34" charset="0"/>
               </a:rPr>
               <a:t>….</a:t>
@@ -14534,14 +14056,11 @@
           <a:p>
             <a:pPr algn="ctr"/>
             <a:r>
-              <a:rPr lang="en-US" sz="1400" dirty="0" smtClean="0">
+              <a:rPr lang="en-US" sz="1400" dirty="0">
                 <a:latin typeface="Tekton Pro" pitchFamily="34" charset="0"/>
               </a:rPr>
               <a:t>&lt;/html&gt;</a:t>
             </a:r>
-            <a:endParaRPr lang="en-US" sz="1400" dirty="0">
-              <a:latin typeface="Tekton Pro" pitchFamily="34" charset="0"/>
-            </a:endParaRPr>
           </a:p>
         </p:txBody>
       </p:sp>
@@ -14669,13 +14188,6 @@
   <p:transition>
     <p:fade/>
   </p:transition>
-  <p:timing>
-    <p:tnLst>
-      <p:par>
-        <p:cTn id="1" dur="indefinite" restart="never" nodeType="tmRoot"/>
-      </p:par>
-    </p:tnLst>
-  </p:timing>
 </p:sld>
 </file>
 
@@ -14712,10 +14224,9 @@
           <a:lstStyle/>
           <a:p>
             <a:r>
-              <a:rPr lang="en-US" dirty="0" smtClean="0"/>
+              <a:rPr lang="en-US" dirty="0"/>
               <a:t>Previously in ASP.NET …</a:t>
             </a:r>
-            <a:endParaRPr lang="en-US" dirty="0"/>
           </a:p>
         </p:txBody>
       </p:sp>
@@ -14758,14 +14269,11 @@
           <a:p>
             <a:pPr algn="ctr"/>
             <a:r>
-              <a:rPr lang="en-US" sz="2000" dirty="0" smtClean="0">
+              <a:rPr lang="en-US" sz="2000" dirty="0">
                 <a:latin typeface="Tekton Pro" pitchFamily="34" charset="0"/>
               </a:rPr>
               <a:t>HTTP Pipeline</a:t>
             </a:r>
-            <a:endParaRPr lang="en-US" sz="2000" dirty="0">
-              <a:latin typeface="Tekton Pro" pitchFamily="34" charset="0"/>
-            </a:endParaRPr>
           </a:p>
         </p:txBody>
       </p:sp>
@@ -14858,7 +14366,7 @@
           <a:p>
             <a:pPr algn="ctr"/>
             <a:r>
-              <a:rPr lang="en-US" sz="2000" dirty="0" smtClean="0">
+              <a:rPr lang="en-US" sz="2000" dirty="0">
                 <a:latin typeface="Tekton Pro" pitchFamily="34" charset="0"/>
               </a:rPr>
               <a:t>HTTP </a:t>
@@ -14867,14 +14375,11 @@
           <a:p>
             <a:pPr algn="ctr"/>
             <a:r>
-              <a:rPr lang="en-US" sz="2000" dirty="0" smtClean="0">
+              <a:rPr lang="en-US" sz="2000" dirty="0">
                 <a:latin typeface="Tekton Pro" pitchFamily="34" charset="0"/>
               </a:rPr>
               <a:t>Hander</a:t>
             </a:r>
-            <a:endParaRPr lang="en-US" sz="2000" dirty="0">
-              <a:latin typeface="Tekton Pro" pitchFamily="34" charset="0"/>
-            </a:endParaRPr>
           </a:p>
         </p:txBody>
       </p:sp>
@@ -14961,7 +14466,7 @@
           <a:p>
             <a:pPr algn="ctr"/>
             <a:r>
-              <a:rPr lang="en-US" sz="1200" dirty="0" err="1" smtClean="0">
+              <a:rPr lang="en-US" sz="1200" dirty="0" err="1">
                 <a:latin typeface="Tekton Pro" pitchFamily="34" charset="0"/>
               </a:rPr>
               <a:t>BeginRequest</a:t>
@@ -15055,7 +14560,7 @@
           <a:p>
             <a:pPr algn="ctr"/>
             <a:r>
-              <a:rPr lang="en-US" sz="1200" dirty="0" smtClean="0">
+              <a:rPr lang="en-US" sz="1200" dirty="0">
                 <a:latin typeface="Tekton Pro" pitchFamily="34" charset="0"/>
               </a:rPr>
               <a:t>Authenticate</a:t>
@@ -15064,14 +14569,11 @@
           <a:p>
             <a:pPr algn="ctr"/>
             <a:r>
-              <a:rPr lang="en-US" sz="1200" dirty="0" smtClean="0">
+              <a:rPr lang="en-US" sz="1200" dirty="0">
                 <a:latin typeface="Tekton Pro" pitchFamily="34" charset="0"/>
               </a:rPr>
               <a:t>Request</a:t>
             </a:r>
-            <a:endParaRPr lang="en-US" sz="1200" dirty="0">
-              <a:latin typeface="Tekton Pro" pitchFamily="34" charset="0"/>
-            </a:endParaRPr>
           </a:p>
         </p:txBody>
       </p:sp>
@@ -15158,7 +14660,7 @@
           <a:p>
             <a:pPr algn="ctr"/>
             <a:r>
-              <a:rPr lang="en-US" sz="1200" dirty="0" smtClean="0">
+              <a:rPr lang="en-US" sz="1200" dirty="0">
                 <a:latin typeface="Tekton Pro" pitchFamily="34" charset="0"/>
               </a:rPr>
               <a:t>Acquire</a:t>
@@ -15167,7 +14669,7 @@
           <a:p>
             <a:pPr algn="ctr"/>
             <a:r>
-              <a:rPr lang="en-US" sz="1200" dirty="0" smtClean="0">
+              <a:rPr lang="en-US" sz="1200" dirty="0">
                 <a:latin typeface="Tekton Pro" pitchFamily="34" charset="0"/>
               </a:rPr>
               <a:t>Request</a:t>
@@ -15176,14 +14678,11 @@
           <a:p>
             <a:pPr algn="ctr"/>
             <a:r>
-              <a:rPr lang="en-US" sz="1200" dirty="0" smtClean="0">
+              <a:rPr lang="en-US" sz="1200" dirty="0">
                 <a:latin typeface="Tekton Pro" pitchFamily="34" charset="0"/>
               </a:rPr>
               <a:t>State</a:t>
             </a:r>
-            <a:endParaRPr lang="en-US" sz="1200" dirty="0">
-              <a:latin typeface="Tekton Pro" pitchFamily="34" charset="0"/>
-            </a:endParaRPr>
           </a:p>
         </p:txBody>
       </p:sp>
@@ -15270,19 +14769,19 @@
           <a:p>
             <a:pPr algn="ctr"/>
             <a:r>
-              <a:rPr lang="en-US" sz="1200" dirty="0" err="1" smtClean="0">
+              <a:rPr lang="en-US" sz="1200" dirty="0" err="1">
                 <a:latin typeface="Tekton Pro" pitchFamily="34" charset="0"/>
               </a:rPr>
               <a:t>PreRequest</a:t>
             </a:r>
-            <a:endParaRPr lang="en-US" sz="1200" dirty="0" smtClean="0">
+            <a:endParaRPr lang="en-US" sz="1200" dirty="0">
               <a:latin typeface="Tekton Pro" pitchFamily="34" charset="0"/>
             </a:endParaRPr>
           </a:p>
           <a:p>
             <a:pPr algn="ctr"/>
             <a:r>
-              <a:rPr lang="en-US" sz="1200" dirty="0" smtClean="0">
+              <a:rPr lang="en-US" sz="1200" dirty="0">
                 <a:latin typeface="Tekton Pro" pitchFamily="34" charset="0"/>
               </a:rPr>
               <a:t>Handler</a:t>
@@ -15291,14 +14790,11 @@
           <a:p>
             <a:pPr algn="ctr"/>
             <a:r>
-              <a:rPr lang="en-US" sz="1200" dirty="0" smtClean="0">
+              <a:rPr lang="en-US" sz="1200" dirty="0">
                 <a:latin typeface="Tekton Pro" pitchFamily="34" charset="0"/>
               </a:rPr>
               <a:t>Execute</a:t>
             </a:r>
-            <a:endParaRPr lang="en-US" sz="1200" dirty="0">
-              <a:latin typeface="Tekton Pro" pitchFamily="34" charset="0"/>
-            </a:endParaRPr>
           </a:p>
         </p:txBody>
       </p:sp>
@@ -15331,14 +14827,11 @@
           <a:lstStyle/>
           <a:p>
             <a:r>
-              <a:rPr lang="en-US" sz="4800" dirty="0" smtClean="0">
+              <a:rPr lang="en-US" sz="4800" dirty="0">
                 <a:latin typeface="Tekton Pro" pitchFamily="34" charset="0"/>
               </a:rPr>
               <a:t>…</a:t>
             </a:r>
-            <a:endParaRPr lang="en-US" sz="4800" dirty="0">
-              <a:latin typeface="Tekton Pro" pitchFamily="34" charset="0"/>
-            </a:endParaRPr>
           </a:p>
         </p:txBody>
       </p:sp>
@@ -15425,19 +14918,19 @@
           <a:p>
             <a:pPr algn="ctr"/>
             <a:r>
-              <a:rPr lang="en-US" sz="1200" dirty="0" err="1" smtClean="0">
+              <a:rPr lang="en-US" sz="1200" dirty="0" err="1">
                 <a:latin typeface="Tekton Pro" pitchFamily="34" charset="0"/>
               </a:rPr>
               <a:t>PostRequest</a:t>
             </a:r>
-            <a:endParaRPr lang="en-US" sz="1200" dirty="0" smtClean="0">
+            <a:endParaRPr lang="en-US" sz="1200" dirty="0">
               <a:latin typeface="Tekton Pro" pitchFamily="34" charset="0"/>
             </a:endParaRPr>
           </a:p>
           <a:p>
             <a:pPr algn="ctr"/>
             <a:r>
-              <a:rPr lang="en-US" sz="1200" dirty="0" smtClean="0">
+              <a:rPr lang="en-US" sz="1200" dirty="0">
                 <a:latin typeface="Tekton Pro" pitchFamily="34" charset="0"/>
               </a:rPr>
               <a:t>Handler</a:t>
@@ -15446,14 +14939,11 @@
           <a:p>
             <a:pPr algn="ctr"/>
             <a:r>
-              <a:rPr lang="en-US" sz="1200" dirty="0" smtClean="0">
+              <a:rPr lang="en-US" sz="1200" dirty="0">
                 <a:latin typeface="Tekton Pro" pitchFamily="34" charset="0"/>
               </a:rPr>
               <a:t>Execute</a:t>
             </a:r>
-            <a:endParaRPr lang="en-US" sz="1200" dirty="0">
-              <a:latin typeface="Tekton Pro" pitchFamily="34" charset="0"/>
-            </a:endParaRPr>
           </a:p>
         </p:txBody>
       </p:sp>
@@ -15486,14 +14976,11 @@
           <a:lstStyle/>
           <a:p>
             <a:r>
-              <a:rPr lang="en-US" sz="4800" dirty="0" smtClean="0">
+              <a:rPr lang="en-US" sz="4800" dirty="0">
                 <a:latin typeface="Tekton Pro" pitchFamily="34" charset="0"/>
               </a:rPr>
               <a:t>…</a:t>
             </a:r>
-            <a:endParaRPr lang="en-US" sz="4800" dirty="0">
-              <a:latin typeface="Tekton Pro" pitchFamily="34" charset="0"/>
-            </a:endParaRPr>
           </a:p>
         </p:txBody>
       </p:sp>
@@ -15580,7 +15067,7 @@
           <a:p>
             <a:pPr algn="ctr"/>
             <a:r>
-              <a:rPr lang="en-US" sz="1200" dirty="0" err="1" smtClean="0">
+              <a:rPr lang="en-US" sz="1200" dirty="0" err="1">
                 <a:latin typeface="Tekton Pro" pitchFamily="34" charset="0"/>
               </a:rPr>
               <a:t>EndRequest</a:t>
@@ -16473,10 +15960,9 @@
           <a:lstStyle/>
           <a:p>
             <a:r>
-              <a:rPr lang="en-US" dirty="0" smtClean="0"/>
+              <a:rPr lang="en-US" dirty="0"/>
               <a:t>Why Middleware?</a:t>
             </a:r>
-            <a:endParaRPr lang="en-US" dirty="0"/>
           </a:p>
         </p:txBody>
       </p:sp>
@@ -16496,16 +15982,15 @@
           <a:lstStyle/>
           <a:p>
             <a:r>
-              <a:rPr lang="en-US" dirty="0" smtClean="0"/>
+              <a:rPr lang="en-US" dirty="0"/>
               <a:t>Flexibility</a:t>
             </a:r>
           </a:p>
           <a:p>
             <a:r>
-              <a:rPr lang="en-US" dirty="0" smtClean="0"/>
+              <a:rPr lang="en-US" dirty="0"/>
               <a:t>Performance</a:t>
             </a:r>
-            <a:endParaRPr lang="en-US" dirty="0"/>
           </a:p>
         </p:txBody>
       </p:sp>
@@ -16566,14 +16051,14 @@
           <p:nvPr>
             <p:extLst>
               <p:ext uri="{D42A27DB-BD31-4B8C-83A1-F6EECF244321}">
-                <p14:modId xmlns:p14="http://schemas.microsoft.com/office/powerpoint/2010/main" val="1506348229"/>
+                <p14:modId xmlns:p14="http://schemas.microsoft.com/office/powerpoint/2010/main" val="950387058"/>
               </p:ext>
             </p:extLst>
           </p:nvPr>
         </p:nvGraphicFramePr>
         <p:xfrm>
-          <a:off x="457200" y="2895600"/>
-          <a:ext cx="3712564" cy="1737360"/>
+          <a:off x="457200" y="2743200"/>
+          <a:ext cx="3712564" cy="1981200"/>
         </p:xfrm>
         <a:graphic>
           <a:graphicData uri="http://schemas.openxmlformats.org/drawingml/2006/table">
@@ -16585,14 +16070,14 @@
                 <a:gridCol w="1856282">
                   <a:extLst>
                     <a:ext uri="{9D8B030D-6E8A-4147-A177-3AD203B41FA5}">
-                      <a16:colId xmlns="" xmlns:a16="http://schemas.microsoft.com/office/drawing/2014/main" val="2170437929"/>
+                      <a16:colId xmlns:a16="http://schemas.microsoft.com/office/drawing/2014/main" val="2170437929"/>
                     </a:ext>
                   </a:extLst>
                 </a:gridCol>
                 <a:gridCol w="1856282">
                   <a:extLst>
                     <a:ext uri="{9D8B030D-6E8A-4147-A177-3AD203B41FA5}">
-                      <a16:colId xmlns="" xmlns:a16="http://schemas.microsoft.com/office/drawing/2014/main" val="1780964970"/>
+                      <a16:colId xmlns:a16="http://schemas.microsoft.com/office/drawing/2014/main" val="1780964970"/>
                     </a:ext>
                   </a:extLst>
                 </a:gridCol>
@@ -16605,11 +16090,11 @@
                     <a:p>
                       <a:pPr algn="ctr"/>
                       <a:r>
-                        <a:rPr lang="en-US" dirty="0" smtClean="0"/>
+                        <a:rPr lang="en-US" dirty="0"/>
                         <a:t>Hello</a:t>
                       </a:r>
                       <a:r>
-                        <a:rPr lang="en-US" baseline="0" dirty="0" smtClean="0"/>
+                        <a:rPr lang="en-US" baseline="0" dirty="0"/>
                         <a:t> World Performance Tests</a:t>
                       </a:r>
                       <a:endParaRPr lang="en-US" dirty="0"/>
@@ -16629,7 +16114,7 @@
                 </a:tc>
                 <a:extLst>
                   <a:ext uri="{0D108BD9-81ED-4DB2-BD59-A6C34878D82A}">
-                    <a16:rowId xmlns="" xmlns:a16="http://schemas.microsoft.com/office/drawing/2014/main" val="449304483"/>
+                    <a16:rowId xmlns:a16="http://schemas.microsoft.com/office/drawing/2014/main" val="449304483"/>
                   </a:ext>
                 </a:extLst>
               </a:tr>
@@ -16640,10 +16125,9 @@
                     <a:lstStyle/>
                     <a:p>
                       <a:r>
-                        <a:rPr lang="en-US" b="1" dirty="0" smtClean="0"/>
+                        <a:rPr lang="en-US" b="1" dirty="0"/>
                         <a:t>Stack</a:t>
                       </a:r>
-                      <a:endParaRPr lang="en-US" b="1" dirty="0"/>
                     </a:p>
                   </a:txBody>
                   <a:tcPr/>
@@ -16654,11 +16138,11 @@
                     <a:lstStyle/>
                     <a:p>
                       <a:r>
-                        <a:rPr lang="en-US" b="1" dirty="0" smtClean="0"/>
+                        <a:rPr lang="en-US" b="1" dirty="0"/>
                         <a:t>Requests </a:t>
                       </a:r>
                       <a:r>
-                        <a:rPr lang="en-US" b="1" baseline="0" dirty="0" smtClean="0"/>
+                        <a:rPr lang="en-US" b="1" baseline="0" dirty="0"/>
                         <a:t>/ s</a:t>
                       </a:r>
                       <a:endParaRPr lang="en-US" b="1" dirty="0"/>
@@ -16668,7 +16152,7 @@
                 </a:tc>
                 <a:extLst>
                   <a:ext uri="{0D108BD9-81ED-4DB2-BD59-A6C34878D82A}">
-                    <a16:rowId xmlns="" xmlns:a16="http://schemas.microsoft.com/office/drawing/2014/main" val="3153620162"/>
+                    <a16:rowId xmlns:a16="http://schemas.microsoft.com/office/drawing/2014/main" val="3153620162"/>
                   </a:ext>
                 </a:extLst>
               </a:tr>
@@ -16679,13 +16163,13 @@
                     <a:lstStyle/>
                     <a:p>
                       <a:r>
-                        <a:rPr lang="en-US" sz="1600" i="0" dirty="0" smtClean="0">
+                        <a:rPr lang="en-US" sz="1600" i="0" dirty="0">
                           <a:latin typeface="+mj-lt"/>
                         </a:rPr>
                         <a:t>ASP.NET</a:t>
                       </a:r>
                       <a:r>
-                        <a:rPr lang="en-US" sz="1600" i="0" baseline="0" dirty="0" smtClean="0">
+                        <a:rPr lang="en-US" sz="1600" i="0" baseline="0" dirty="0">
                           <a:latin typeface="+mj-lt"/>
                         </a:rPr>
                         <a:t> 4.6</a:t>
@@ -16704,21 +16188,18 @@
                     <a:p>
                       <a:pPr algn="r"/>
                       <a:r>
-                        <a:rPr lang="en-US" sz="1600" i="0" dirty="0" smtClean="0">
+                        <a:rPr lang="en-US" sz="1600" i="0" dirty="0">
                           <a:latin typeface="+mj-lt"/>
                         </a:rPr>
                         <a:t>57,843</a:t>
                       </a:r>
-                      <a:endParaRPr lang="en-US" sz="1600" i="0" dirty="0">
-                        <a:latin typeface="+mj-lt"/>
-                      </a:endParaRPr>
                     </a:p>
                   </a:txBody>
                   <a:tcPr/>
                 </a:tc>
                 <a:extLst>
                   <a:ext uri="{0D108BD9-81ED-4DB2-BD59-A6C34878D82A}">
-                    <a16:rowId xmlns="" xmlns:a16="http://schemas.microsoft.com/office/drawing/2014/main" val="2886924057"/>
+                    <a16:rowId xmlns:a16="http://schemas.microsoft.com/office/drawing/2014/main" val="2886924057"/>
                   </a:ext>
                 </a:extLst>
               </a:tr>
@@ -16729,7 +16210,7 @@
                     <a:lstStyle/>
                     <a:p>
                       <a:r>
-                        <a:rPr lang="en-US" sz="1600" i="0" dirty="0" err="1" smtClean="0">
+                        <a:rPr lang="en-US" sz="1600" i="0" dirty="0" err="1">
                           <a:latin typeface="+mj-lt"/>
                         </a:rPr>
                         <a:t>NodeJS</a:t>
@@ -16748,21 +16229,18 @@
                     <a:p>
                       <a:pPr algn="r"/>
                       <a:r>
-                        <a:rPr lang="en-US" sz="1600" i="0" dirty="0" smtClean="0">
+                        <a:rPr lang="en-US" sz="1600" i="0" dirty="0">
                           <a:latin typeface="+mj-lt"/>
                         </a:rPr>
                         <a:t>127,017</a:t>
                       </a:r>
-                      <a:endParaRPr lang="en-US" sz="1600" i="0" dirty="0">
-                        <a:latin typeface="+mj-lt"/>
-                      </a:endParaRPr>
                     </a:p>
                   </a:txBody>
                   <a:tcPr/>
                 </a:tc>
                 <a:extLst>
                   <a:ext uri="{0D108BD9-81ED-4DB2-BD59-A6C34878D82A}">
-                    <a16:rowId xmlns="" xmlns:a16="http://schemas.microsoft.com/office/drawing/2014/main" val="1482939938"/>
+                    <a16:rowId xmlns:a16="http://schemas.microsoft.com/office/drawing/2014/main" val="1482939938"/>
                   </a:ext>
                 </a:extLst>
               </a:tr>
@@ -16773,16 +16251,16 @@
                     <a:lstStyle/>
                     <a:p>
                       <a:r>
-                        <a:rPr lang="en-US" sz="1600" i="0" dirty="0" smtClean="0">
+                        <a:rPr lang="en-US" sz="1600" i="0" dirty="0">
                           <a:latin typeface="+mj-lt"/>
                         </a:rPr>
                         <a:t>ASP.NET</a:t>
                       </a:r>
                       <a:r>
-                        <a:rPr lang="en-US" sz="1600" i="0" baseline="0" dirty="0" smtClean="0">
+                        <a:rPr lang="en-US" sz="1600" i="0" baseline="0" dirty="0">
                           <a:latin typeface="+mj-lt"/>
                         </a:rPr>
-                        <a:t> 5</a:t>
+                        <a:t> Core</a:t>
                       </a:r>
                       <a:endParaRPr lang="en-US" sz="1600" i="0" dirty="0">
                         <a:latin typeface="+mj-lt"/>
@@ -16798,21 +16276,27 @@
                     <a:p>
                       <a:pPr algn="r"/>
                       <a:r>
-                        <a:rPr lang="en-US" sz="1600" i="0" dirty="0" smtClean="0">
+                        <a:rPr lang="en-US" sz="1600" i="0" strike="sngStrike" dirty="0">
                           <a:latin typeface="+mj-lt"/>
                         </a:rPr>
                         <a:t>168,005</a:t>
                       </a:r>
-                      <a:endParaRPr lang="en-US" sz="1600" i="0" dirty="0">
-                        <a:latin typeface="+mj-lt"/>
-                      </a:endParaRPr>
+                    </a:p>
+                    <a:p>
+                      <a:pPr algn="r"/>
+                      <a:r>
+                        <a:rPr lang="en-US" sz="1600" i="0" strike="noStrike" dirty="0">
+                          <a:latin typeface="+mj-lt"/>
+                        </a:rPr>
+                        <a:t>228, 062</a:t>
+                      </a:r>
                     </a:p>
                   </a:txBody>
                   <a:tcPr/>
                 </a:tc>
                 <a:extLst>
                   <a:ext uri="{0D108BD9-81ED-4DB2-BD59-A6C34878D82A}">
-                    <a16:rowId xmlns="" xmlns:a16="http://schemas.microsoft.com/office/drawing/2014/main" val="772540236"/>
+                    <a16:rowId xmlns:a16="http://schemas.microsoft.com/office/drawing/2014/main" val="772540236"/>
                   </a:ext>
                 </a:extLst>
               </a:tr>
@@ -17124,10 +16608,9 @@
           <a:lstStyle/>
           <a:p>
             <a:r>
-              <a:rPr lang="en-US" dirty="0" smtClean="0"/>
+              <a:rPr lang="en-US" dirty="0"/>
               <a:t>How Does Middleware Fit In?</a:t>
             </a:r>
-            <a:endParaRPr lang="en-US" dirty="0"/>
           </a:p>
         </p:txBody>
       </p:sp>
@@ -17147,10 +16630,9 @@
           <a:lstStyle/>
           <a:p>
             <a:r>
-              <a:rPr lang="en-US" dirty="0" smtClean="0"/>
+              <a:rPr lang="en-US" dirty="0"/>
               <a:t>First, let’s understand the hosting model</a:t>
             </a:r>
-            <a:endParaRPr lang="en-US" dirty="0"/>
           </a:p>
         </p:txBody>
       </p:sp>
@@ -17491,10 +16973,9 @@
           <a:lstStyle/>
           <a:p>
             <a:r>
-              <a:rPr lang="en-US" dirty="0" smtClean="0"/>
+              <a:rPr lang="en-US" dirty="0"/>
               <a:t>What Does That Mean?</a:t>
             </a:r>
-            <a:endParaRPr lang="en-US" dirty="0"/>
           </a:p>
         </p:txBody>
       </p:sp>
@@ -17539,7 +17020,7 @@
           <a:p>
             <a:pPr algn="ctr"/>
             <a:r>
-              <a:rPr lang="en-US" sz="2000" dirty="0" smtClean="0">
+              <a:rPr lang="en-US" sz="2000" dirty="0">
                 <a:latin typeface="Tekton Pro" pitchFamily="34" charset="0"/>
               </a:rPr>
               <a:t>IIS</a:t>
@@ -17554,7 +17035,7 @@
           <a:p>
             <a:pPr algn="ctr"/>
             <a:r>
-              <a:rPr lang="en-US" sz="2000" dirty="0" smtClean="0">
+              <a:rPr lang="en-US" sz="2000" dirty="0">
                 <a:latin typeface="Tekton Pro" pitchFamily="34" charset="0"/>
               </a:rPr>
               <a:t>Proxy</a:t>
@@ -17562,8 +17043,14 @@
           </a:p>
           <a:p>
             <a:pPr algn="ctr"/>
-            <a:r>
-              <a:rPr lang="en-US" sz="2000" dirty="0" smtClean="0">
+            <a:endParaRPr lang="en-US" sz="2000" dirty="0">
+              <a:latin typeface="Tekton Pro" pitchFamily="34" charset="0"/>
+            </a:endParaRPr>
+          </a:p>
+          <a:p>
+            <a:pPr algn="ctr"/>
+            <a:r>
+              <a:rPr lang="en-US" sz="2000" dirty="0">
                 <a:latin typeface="Tekton Pro" pitchFamily="34" charset="0"/>
               </a:rPr>
               <a:t>Process </a:t>
@@ -17572,14 +17059,11 @@
           <a:p>
             <a:pPr algn="ctr"/>
             <a:r>
-              <a:rPr lang="en-US" sz="2000" dirty="0" smtClean="0">
+              <a:rPr lang="en-US" sz="2000" dirty="0">
                 <a:latin typeface="Tekton Pro" pitchFamily="34" charset="0"/>
               </a:rPr>
               <a:t>Management</a:t>
             </a:r>
-            <a:endParaRPr lang="en-US" sz="2000" dirty="0">
-              <a:latin typeface="Tekton Pro" pitchFamily="34" charset="0"/>
-            </a:endParaRPr>
           </a:p>
         </p:txBody>
       </p:sp>
@@ -17624,7 +17108,7 @@
           <a:p>
             <a:pPr algn="ctr"/>
             <a:r>
-              <a:rPr lang="en-US" sz="2000" dirty="0" smtClean="0">
+              <a:rPr lang="en-US" sz="2000" dirty="0">
                 <a:latin typeface="Tekton Pro" pitchFamily="34" charset="0"/>
               </a:rPr>
               <a:t>Your App</a:t>
@@ -17639,7 +17123,7 @@
           <a:p>
             <a:pPr algn="ctr"/>
             <a:r>
-              <a:rPr lang="en-US" sz="2000" dirty="0" smtClean="0">
+              <a:rPr lang="en-US" sz="2000" dirty="0">
                 <a:latin typeface="Tekton Pro" pitchFamily="34" charset="0"/>
               </a:rPr>
               <a:t>Request</a:t>
@@ -17648,7 +17132,7 @@
           <a:p>
             <a:pPr algn="ctr"/>
             <a:r>
-              <a:rPr lang="en-US" sz="2000" dirty="0" smtClean="0">
+              <a:rPr lang="en-US" sz="2000" dirty="0">
                 <a:latin typeface="Tekton Pro" pitchFamily="34" charset="0"/>
               </a:rPr>
               <a:t>&amp; Response</a:t>
@@ -17657,14 +17141,11 @@
           <a:p>
             <a:pPr algn="ctr"/>
             <a:r>
-              <a:rPr lang="en-US" sz="2000" dirty="0" smtClean="0">
+              <a:rPr lang="en-US" sz="2000" dirty="0">
                 <a:latin typeface="Tekton Pro" pitchFamily="34" charset="0"/>
               </a:rPr>
               <a:t>Processing</a:t>
             </a:r>
-            <a:endParaRPr lang="en-US" sz="2000" dirty="0">
-              <a:latin typeface="Tekton Pro" pitchFamily="34" charset="0"/>
-            </a:endParaRPr>
           </a:p>
         </p:txBody>
       </p:sp>
@@ -17681,13 +17162,6 @@
   <p:transition>
     <p:fade/>
   </p:transition>
-  <p:timing>
-    <p:tnLst>
-      <p:par>
-        <p:cTn id="1" dur="indefinite" restart="never" nodeType="tmRoot"/>
-      </p:par>
-    </p:tnLst>
-  </p:timing>
 </p:sld>
 </file>
 

--- a/aspnet5/slides/a1_middleware.pptx
+++ b/aspnet5/slides/a1_middleware.pptx
@@ -347,7 +347,7 @@
               <a:pPr>
                 <a:defRPr/>
               </a:pPr>
-              <a:t>5/3/2016</a:t>
+              <a:t>11/21/2016</a:t>
             </a:fld>
             <a:endParaRPr lang="en-US"/>
           </a:p>
@@ -13336,7 +13336,7 @@
         </p:nvSpPr>
         <p:spPr bwMode="auto">
           <a:xfrm>
-            <a:off x="698500" y="2971800"/>
+            <a:off x="570325" y="2971800"/>
             <a:ext cx="2286000" cy="1447800"/>
           </a:xfrm>
           <a:prstGeom prst="rect">
@@ -13391,7 +13391,7 @@
         </p:nvSpPr>
         <p:spPr bwMode="auto">
           <a:xfrm>
-            <a:off x="3403600" y="2971800"/>
+            <a:off x="3275425" y="2971800"/>
             <a:ext cx="2286000" cy="1447800"/>
           </a:xfrm>
           <a:prstGeom prst="rect">
@@ -13446,7 +13446,7 @@
         </p:nvSpPr>
         <p:spPr bwMode="auto">
           <a:xfrm>
-            <a:off x="6096000" y="2971800"/>
+            <a:off x="5967825" y="2971800"/>
             <a:ext cx="2286000" cy="1447800"/>
           </a:xfrm>
           <a:prstGeom prst="rect">
@@ -13501,7 +13501,7 @@
         </p:nvSpPr>
         <p:spPr bwMode="auto">
           <a:xfrm>
-            <a:off x="2644775" y="3000375"/>
+            <a:off x="2516600" y="3000375"/>
             <a:ext cx="1092200" cy="609600"/>
           </a:xfrm>
           <a:prstGeom prst="rightArrow">
@@ -13550,7 +13550,7 @@
         </p:nvSpPr>
         <p:spPr bwMode="auto">
           <a:xfrm>
-            <a:off x="5338960" y="3000375"/>
+            <a:off x="5210785" y="3000375"/>
             <a:ext cx="1092200" cy="609600"/>
           </a:xfrm>
           <a:prstGeom prst="rightArrow">
@@ -13599,7 +13599,7 @@
         </p:nvSpPr>
         <p:spPr bwMode="auto">
           <a:xfrm>
-            <a:off x="5353199" y="3790950"/>
+            <a:off x="5225024" y="3790950"/>
             <a:ext cx="1094780" cy="609600"/>
           </a:xfrm>
           <a:prstGeom prst="leftArrow">
@@ -13648,7 +13648,7 @@
         </p:nvSpPr>
         <p:spPr bwMode="auto">
           <a:xfrm>
-            <a:off x="2653010" y="3810000"/>
+            <a:off x="2524835" y="3810000"/>
             <a:ext cx="1094780" cy="609600"/>
           </a:xfrm>
           <a:prstGeom prst="leftArrow">
@@ -13697,7 +13697,65 @@
         </p:nvSpPr>
         <p:spPr bwMode="auto">
           <a:xfrm>
-            <a:off x="931167" y="2476500"/>
+            <a:off x="802992" y="2433638"/>
+            <a:ext cx="1820665" cy="652462"/>
+          </a:xfrm>
+          <a:prstGeom prst="rect">
+            <a:avLst/>
+          </a:prstGeom>
+          <a:ln>
+            <a:headEnd/>
+            <a:tailEnd/>
+          </a:ln>
+        </p:spPr>
+        <p:style>
+          <a:lnRef idx="2">
+            <a:schemeClr val="accent1">
+              <a:shade val="50000"/>
+            </a:schemeClr>
+          </a:lnRef>
+          <a:fillRef idx="1">
+            <a:schemeClr val="accent1"/>
+          </a:fillRef>
+          <a:effectRef idx="0">
+            <a:schemeClr val="accent1"/>
+          </a:effectRef>
+          <a:fontRef idx="minor">
+            <a:schemeClr val="lt1"/>
+          </a:fontRef>
+        </p:style>
+        <p:txBody>
+          <a:bodyPr wrap="none" rtlCol="0" anchor="ctr"/>
+          <a:lstStyle/>
+          <a:p>
+            <a:pPr algn="ctr"/>
+            <a:r>
+              <a:rPr lang="en-US" sz="1800" dirty="0">
+                <a:latin typeface="Tekton Pro" pitchFamily="34" charset="0"/>
+              </a:rPr>
+              <a:t>POST /</a:t>
+            </a:r>
+            <a:r>
+              <a:rPr lang="en-US" sz="1800" dirty="0" err="1">
+                <a:latin typeface="Tekton Pro" pitchFamily="34" charset="0"/>
+              </a:rPr>
+              <a:t>addmovie</a:t>
+            </a:r>
+            <a:endParaRPr lang="en-US" sz="1800" dirty="0">
+              <a:latin typeface="Tekton Pro" pitchFamily="34" charset="0"/>
+            </a:endParaRPr>
+          </a:p>
+        </p:txBody>
+      </p:sp>
+      <p:sp>
+        <p:nvSpPr>
+          <p:cNvPr id="17" name="Rectangle 16"/>
+          <p:cNvSpPr/>
+          <p:nvPr/>
+        </p:nvSpPr>
+        <p:spPr bwMode="auto">
+          <a:xfrm>
+            <a:off x="3521686" y="2433638"/>
             <a:ext cx="1820665" cy="609600"/>
           </a:xfrm>
           <a:prstGeom prst="rect">
@@ -13730,23 +13788,32 @@
           <a:p>
             <a:pPr algn="ctr"/>
             <a:r>
-              <a:rPr lang="en-US" sz="2000" dirty="0">
+              <a:rPr lang="en-US" sz="1800" dirty="0">
                 <a:latin typeface="Tekton Pro" pitchFamily="34" charset="0"/>
               </a:rPr>
-              <a:t>POST /corn</a:t>
-            </a:r>
-          </a:p>
-        </p:txBody>
-      </p:sp>
-      <p:sp>
-        <p:nvSpPr>
-          <p:cNvPr id="17" name="Rectangle 16"/>
+              <a:t>POST /</a:t>
+            </a:r>
+            <a:r>
+              <a:rPr lang="en-US" sz="1800" dirty="0" err="1">
+                <a:latin typeface="Tekton Pro" pitchFamily="34" charset="0"/>
+              </a:rPr>
+              <a:t>addmovie</a:t>
+            </a:r>
+            <a:endParaRPr lang="en-US" sz="1800" dirty="0">
+              <a:latin typeface="Tekton Pro" pitchFamily="34" charset="0"/>
+            </a:endParaRPr>
+          </a:p>
+        </p:txBody>
+      </p:sp>
+      <p:sp>
+        <p:nvSpPr>
+          <p:cNvPr id="18" name="Rectangle 17"/>
           <p:cNvSpPr/>
           <p:nvPr/>
         </p:nvSpPr>
         <p:spPr bwMode="auto">
           <a:xfrm>
-            <a:off x="3649861" y="2433638"/>
+            <a:off x="6242661" y="2433638"/>
             <a:ext cx="1820665" cy="609600"/>
           </a:xfrm>
           <a:prstGeom prst="rect">
@@ -13779,60 +13846,20 @@
           <a:p>
             <a:pPr algn="ctr"/>
             <a:r>
-              <a:rPr lang="en-US" sz="2000" dirty="0">
+              <a:rPr lang="en-US" sz="1800" dirty="0">
                 <a:latin typeface="Tekton Pro" pitchFamily="34" charset="0"/>
               </a:rPr>
-              <a:t>POST /corn</a:t>
-            </a:r>
-          </a:p>
-        </p:txBody>
-      </p:sp>
-      <p:sp>
-        <p:nvSpPr>
-          <p:cNvPr id="18" name="Rectangle 17"/>
-          <p:cNvSpPr/>
-          <p:nvPr/>
-        </p:nvSpPr>
-        <p:spPr bwMode="auto">
-          <a:xfrm>
-            <a:off x="6370836" y="2433638"/>
-            <a:ext cx="1820665" cy="609600"/>
-          </a:xfrm>
-          <a:prstGeom prst="rect">
-            <a:avLst/>
-          </a:prstGeom>
-          <a:ln>
-            <a:headEnd/>
-            <a:tailEnd/>
-          </a:ln>
-        </p:spPr>
-        <p:style>
-          <a:lnRef idx="2">
-            <a:schemeClr val="accent1">
-              <a:shade val="50000"/>
-            </a:schemeClr>
-          </a:lnRef>
-          <a:fillRef idx="1">
-            <a:schemeClr val="accent1"/>
-          </a:fillRef>
-          <a:effectRef idx="0">
-            <a:schemeClr val="accent1"/>
-          </a:effectRef>
-          <a:fontRef idx="minor">
-            <a:schemeClr val="lt1"/>
-          </a:fontRef>
-        </p:style>
-        <p:txBody>
-          <a:bodyPr wrap="none" rtlCol="0" anchor="ctr"/>
-          <a:lstStyle/>
-          <a:p>
-            <a:pPr algn="ctr"/>
-            <a:r>
-              <a:rPr lang="en-US" sz="2000" dirty="0">
+              <a:t>POST /</a:t>
+            </a:r>
+            <a:r>
+              <a:rPr lang="en-US" sz="1800" dirty="0" err="1">
                 <a:latin typeface="Tekton Pro" pitchFamily="34" charset="0"/>
               </a:rPr>
-              <a:t>POST /corn</a:t>
-            </a:r>
+              <a:t>addmovie</a:t>
+            </a:r>
+            <a:endParaRPr lang="en-US" sz="1800" dirty="0">
+              <a:latin typeface="Tekton Pro" pitchFamily="34" charset="0"/>
+            </a:endParaRPr>
           </a:p>
         </p:txBody>
       </p:sp>
@@ -13844,7 +13871,7 @@
         </p:nvSpPr>
         <p:spPr bwMode="auto">
           <a:xfrm>
-            <a:off x="6370344" y="4357687"/>
+            <a:off x="6242169" y="4357687"/>
             <a:ext cx="1820665" cy="1128714"/>
           </a:xfrm>
           <a:prstGeom prst="rect">
@@ -13920,7 +13947,7 @@
         </p:nvSpPr>
         <p:spPr bwMode="auto">
           <a:xfrm>
-            <a:off x="3665244" y="4367212"/>
+            <a:off x="3537069" y="4367212"/>
             <a:ext cx="1820665" cy="1128714"/>
           </a:xfrm>
           <a:prstGeom prst="rect">
@@ -13996,7 +14023,7 @@
         </p:nvSpPr>
         <p:spPr bwMode="auto">
           <a:xfrm>
-            <a:off x="931167" y="4348162"/>
+            <a:off x="802992" y="4348162"/>
             <a:ext cx="1820665" cy="1128714"/>
           </a:xfrm>
           <a:prstGeom prst="rect">
@@ -14066,50 +14093,13 @@
       </p:sp>
       <p:cxnSp>
         <p:nvCxnSpPr>
-          <p:cNvPr id="8" name="Straight Arrow Connector 7"/>
-          <p:cNvCxnSpPr/>
-          <p:nvPr/>
-        </p:nvCxnSpPr>
-        <p:spPr bwMode="auto">
-          <a:xfrm flipV="1">
-            <a:off x="8458200" y="3429000"/>
-            <a:ext cx="381000" cy="228600"/>
-          </a:xfrm>
-          <a:prstGeom prst="straightConnector1">
-            <a:avLst/>
-          </a:prstGeom>
-          <a:gradFill rotWithShape="1">
-            <a:gsLst>
-              <a:gs pos="0">
-                <a:srgbClr val="A4D289"/>
-              </a:gs>
-              <a:gs pos="100000">
-                <a:schemeClr val="bg1"/>
-              </a:gs>
-            </a:gsLst>
-            <a:lin ang="5400000" scaled="1"/>
-          </a:gradFill>
-          <a:ln w="9525" cap="flat" cmpd="sng" algn="ctr">
-            <a:solidFill>
-              <a:schemeClr val="tx1"/>
-            </a:solidFill>
-            <a:prstDash val="solid"/>
-            <a:round/>
-            <a:headEnd type="none" w="med" len="med"/>
-            <a:tailEnd type="triangle"/>
-          </a:ln>
-          <a:effectLst/>
-        </p:spPr>
-      </p:cxnSp>
-      <p:cxnSp>
-        <p:nvCxnSpPr>
           <p:cNvPr id="19" name="Straight Arrow Connector 18"/>
           <p:cNvCxnSpPr/>
           <p:nvPr/>
         </p:nvCxnSpPr>
         <p:spPr bwMode="auto">
           <a:xfrm>
-            <a:off x="8458200" y="3867151"/>
+            <a:off x="8330025" y="3867151"/>
             <a:ext cx="381000" cy="381000"/>
           </a:xfrm>
           <a:prstGeom prst="straightConnector1">
@@ -14146,7 +14136,7 @@
         </p:nvCxnSpPr>
         <p:spPr bwMode="auto">
           <a:xfrm>
-            <a:off x="8496300" y="3762375"/>
+            <a:off x="8368125" y="3762375"/>
             <a:ext cx="381000" cy="0"/>
           </a:xfrm>
           <a:prstGeom prst="straightConnector1">
@@ -14175,6 +14165,232 @@
           <a:effectLst/>
         </p:spPr>
       </p:cxnSp>
+      <p:sp>
+        <p:nvSpPr>
+          <p:cNvPr id="25" name="Right Arrow 8"/>
+          <p:cNvSpPr/>
+          <p:nvPr/>
+        </p:nvSpPr>
+        <p:spPr bwMode="auto">
+          <a:xfrm>
+            <a:off x="76200" y="2122441"/>
+            <a:ext cx="674816" cy="1205578"/>
+          </a:xfrm>
+          <a:prstGeom prst="rightArrow">
+            <a:avLst/>
+          </a:prstGeom>
+          <a:ln>
+            <a:headEnd/>
+            <a:tailEnd/>
+          </a:ln>
+        </p:spPr>
+        <p:style>
+          <a:lnRef idx="2">
+            <a:schemeClr val="dk1">
+              <a:shade val="50000"/>
+            </a:schemeClr>
+          </a:lnRef>
+          <a:fillRef idx="1">
+            <a:schemeClr val="dk1"/>
+          </a:fillRef>
+          <a:effectRef idx="0">
+            <a:schemeClr val="dk1"/>
+          </a:effectRef>
+          <a:fontRef idx="minor">
+            <a:schemeClr val="lt1"/>
+          </a:fontRef>
+        </p:style>
+        <p:txBody>
+          <a:bodyPr vert="vert270" wrap="none" rtlCol="0" anchor="ctr">
+            <a:spAutoFit/>
+          </a:bodyPr>
+          <a:lstStyle/>
+          <a:p>
+            <a:pPr algn="ctr"/>
+            <a:r>
+              <a:rPr lang="en-US" sz="1050" dirty="0">
+                <a:latin typeface="Tekton Pro" pitchFamily="34" charset="0"/>
+              </a:rPr>
+              <a:t>Incoming</a:t>
+            </a:r>
+          </a:p>
+          <a:p>
+            <a:pPr algn="ctr"/>
+            <a:r>
+              <a:rPr lang="en-US" sz="1050" dirty="0">
+                <a:latin typeface="Tekton Pro" pitchFamily="34" charset="0"/>
+              </a:rPr>
+              <a:t>Request</a:t>
+            </a:r>
+          </a:p>
+        </p:txBody>
+      </p:sp>
+      <p:sp>
+        <p:nvSpPr>
+          <p:cNvPr id="26" name="Right Arrow 8"/>
+          <p:cNvSpPr/>
+          <p:nvPr/>
+        </p:nvSpPr>
+        <p:spPr bwMode="auto">
+          <a:xfrm rot="10800000">
+            <a:off x="80842" y="4285848"/>
+            <a:ext cx="654368" cy="1253343"/>
+          </a:xfrm>
+          <a:prstGeom prst="rightArrow">
+            <a:avLst/>
+          </a:prstGeom>
+          <a:ln>
+            <a:headEnd/>
+            <a:tailEnd/>
+          </a:ln>
+        </p:spPr>
+        <p:style>
+          <a:lnRef idx="2">
+            <a:schemeClr val="dk1">
+              <a:shade val="50000"/>
+            </a:schemeClr>
+          </a:lnRef>
+          <a:fillRef idx="1">
+            <a:schemeClr val="dk1"/>
+          </a:fillRef>
+          <a:effectRef idx="0">
+            <a:schemeClr val="dk1"/>
+          </a:effectRef>
+          <a:fontRef idx="minor">
+            <a:schemeClr val="lt1"/>
+          </a:fontRef>
+        </p:style>
+        <p:txBody>
+          <a:bodyPr vert="vert" wrap="none" rtlCol="0" anchor="ctr">
+            <a:spAutoFit/>
+          </a:bodyPr>
+          <a:lstStyle/>
+          <a:p>
+            <a:pPr algn="ctr"/>
+            <a:r>
+              <a:rPr lang="en-US" sz="1000" dirty="0">
+                <a:latin typeface="Tekton Pro" pitchFamily="34" charset="0"/>
+              </a:rPr>
+              <a:t>Outgoing</a:t>
+            </a:r>
+          </a:p>
+          <a:p>
+            <a:pPr algn="ctr"/>
+            <a:r>
+              <a:rPr lang="en-US" sz="1000" dirty="0">
+                <a:latin typeface="Tekton Pro" pitchFamily="34" charset="0"/>
+              </a:rPr>
+              <a:t> Response</a:t>
+            </a:r>
+          </a:p>
+        </p:txBody>
+      </p:sp>
+      <p:sp>
+        <p:nvSpPr>
+          <p:cNvPr id="12" name="Oval 11"/>
+          <p:cNvSpPr/>
+          <p:nvPr/>
+        </p:nvSpPr>
+        <p:spPr bwMode="auto">
+          <a:xfrm>
+            <a:off x="8080033" y="3742253"/>
+            <a:ext cx="1046366" cy="605909"/>
+          </a:xfrm>
+          <a:prstGeom prst="ellipse">
+            <a:avLst/>
+          </a:prstGeom>
+          <a:ln>
+            <a:headEnd/>
+            <a:tailEnd/>
+          </a:ln>
+        </p:spPr>
+        <p:style>
+          <a:lnRef idx="2">
+            <a:schemeClr val="accent5">
+              <a:shade val="50000"/>
+            </a:schemeClr>
+          </a:lnRef>
+          <a:fillRef idx="1">
+            <a:schemeClr val="accent5"/>
+          </a:fillRef>
+          <a:effectRef idx="0">
+            <a:schemeClr val="accent5"/>
+          </a:effectRef>
+          <a:fontRef idx="minor">
+            <a:schemeClr val="lt1"/>
+          </a:fontRef>
+        </p:style>
+        <p:txBody>
+          <a:bodyPr wrap="none" rtlCol="0" anchor="ctr">
+            <a:spAutoFit/>
+          </a:bodyPr>
+          <a:lstStyle/>
+          <a:p>
+            <a:pPr algn="ctr"/>
+            <a:r>
+              <a:rPr lang="en-US" sz="1050" dirty="0">
+                <a:latin typeface="Tekton Pro" pitchFamily="34" charset="0"/>
+              </a:rPr>
+              <a:t>Response</a:t>
+            </a:r>
+          </a:p>
+          <a:p>
+            <a:pPr algn="ctr"/>
+            <a:r>
+              <a:rPr lang="en-US" sz="1050" dirty="0">
+                <a:latin typeface="Tekton Pro" pitchFamily="34" charset="0"/>
+              </a:rPr>
+              <a:t>Created</a:t>
+            </a:r>
+          </a:p>
+        </p:txBody>
+      </p:sp>
+      <p:sp>
+        <p:nvSpPr>
+          <p:cNvPr id="14" name="Arrow: Curved Left 13"/>
+          <p:cNvSpPr/>
+          <p:nvPr/>
+        </p:nvSpPr>
+        <p:spPr bwMode="auto">
+          <a:xfrm rot="20950964">
+            <a:off x="8369891" y="3186832"/>
+            <a:ext cx="547275" cy="735806"/>
+          </a:xfrm>
+          <a:prstGeom prst="curvedLeftArrow">
+            <a:avLst/>
+          </a:prstGeom>
+          <a:ln>
+            <a:headEnd/>
+            <a:tailEnd/>
+          </a:ln>
+        </p:spPr>
+        <p:style>
+          <a:lnRef idx="2">
+            <a:schemeClr val="dk1">
+              <a:shade val="50000"/>
+            </a:schemeClr>
+          </a:lnRef>
+          <a:fillRef idx="1">
+            <a:schemeClr val="dk1"/>
+          </a:fillRef>
+          <a:effectRef idx="0">
+            <a:schemeClr val="dk1"/>
+          </a:effectRef>
+          <a:fontRef idx="minor">
+            <a:schemeClr val="lt1"/>
+          </a:fontRef>
+        </p:style>
+        <p:txBody>
+          <a:bodyPr wrap="none" rtlCol="0" anchor="ctr"/>
+          <a:lstStyle/>
+          <a:p>
+            <a:pPr algn="ctr"/>
+            <a:endParaRPr lang="en-US" sz="2000" dirty="0">
+              <a:latin typeface="Tekton Pro" pitchFamily="34" charset="0"/>
+            </a:endParaRPr>
+          </a:p>
+        </p:txBody>
+      </p:sp>
     </p:spTree>
     <p:extLst>
       <p:ext uri="{BB962C8B-B14F-4D97-AF65-F5344CB8AC3E}">
@@ -16082,7 +16298,7 @@
                   </a:extLst>
                 </a:gridCol>
               </a:tblGrid>
-              <a:tr h="333325">
+              <a:tr h="365760">
                 <a:tc gridSpan="2">
                   <a:txBody>
                     <a:bodyPr/>
@@ -16118,7 +16334,7 @@
                   </a:ext>
                 </a:extLst>
               </a:tr>
-              <a:tr h="333325">
+              <a:tr h="365760">
                 <a:tc>
                   <a:txBody>
                     <a:bodyPr/>
@@ -16156,7 +16372,7 @@
                   </a:ext>
                 </a:extLst>
               </a:tr>
-              <a:tr h="333325">
+              <a:tr h="335280">
                 <a:tc>
                   <a:txBody>
                     <a:bodyPr/>
@@ -16203,7 +16419,7 @@
                   </a:ext>
                 </a:extLst>
               </a:tr>
-              <a:tr h="333325">
+              <a:tr h="335280">
                 <a:tc>
                   <a:txBody>
                     <a:bodyPr/>
@@ -16244,7 +16460,7 @@
                   </a:ext>
                 </a:extLst>
               </a:tr>
-              <a:tr h="333325">
+              <a:tr h="579120">
                 <a:tc>
                   <a:txBody>
                     <a:bodyPr/>
